--- a/MSP_RIntoduction_IanHsu_20171025.pptx
+++ b/MSP_RIntoduction_IanHsu_20171025.pptx
@@ -240,7 +240,7 @@
           <a:p>
             <a:fld id="{4B686F9B-0957-4033-8CA7-C9B6F88FA999}" type="datetimeFigureOut">
               <a:rPr lang="zh-TW" altLang="en-US" smtClean="0"/>
-              <a:t>2017/10/21</a:t>
+              <a:t>2017/10/22</a:t>
             </a:fld>
             <a:endParaRPr lang="zh-TW" altLang="en-US"/>
           </a:p>
@@ -18026,7 +18026,11 @@
             <a:pPr algn="ctr"/>
             <a:r>
               <a:rPr lang="en-US" altLang="zh-TW" sz="4800" dirty="0" smtClean="0"/>
-              <a:t>Demo - </a:t>
+              <a:t>Demo </a:t>
+            </a:r>
+            <a:r>
+              <a:rPr lang="en-US" altLang="zh-TW" sz="4800" dirty="0" smtClean="0"/>
+              <a:t>– </a:t>
             </a:r>
             <a:r>
               <a:rPr lang="en-US" altLang="zh-TW" sz="4800" dirty="0" err="1" smtClean="0"/>
@@ -18488,7 +18492,7 @@
               <a:rPr lang="en-US" altLang="zh-TW" sz="2400" dirty="0">
                 <a:hlinkClick r:id="rId2"/>
               </a:rPr>
-              <a:t>https://goo.gl/DU3evZ</a:t>
+              <a:t>https://goo.gl/SfJanw</a:t>
             </a:r>
             <a:r>
               <a:rPr lang="en-US" altLang="zh-TW" sz="2400" dirty="0"/>
@@ -19262,15 +19266,7 @@
             <a:pPr marL="914400" lvl="1" indent="-457200"/>
             <a:r>
               <a:rPr lang="en-US" sz="1800" dirty="0" smtClean="0"/>
-              <a:t>Compile faster with </a:t>
-            </a:r>
-            <a:r>
-              <a:rPr lang="en-US" sz="1800" dirty="0" smtClean="0"/>
-              <a:t>high </a:t>
-            </a:r>
-            <a:r>
-              <a:rPr lang="en-US" sz="1800" dirty="0" smtClean="0"/>
-              <a:t>efficiency</a:t>
+              <a:t>Compile faster with high efficiency</a:t>
             </a:r>
           </a:p>
           <a:p>
@@ -32268,6 +32264,14 @@
 </file>
 
 <file path=customXml/item1.xml><?xml version="1.0" encoding="utf-8"?>
+<p:properties xmlns:p="http://schemas.microsoft.com/office/2006/metadata/properties" xmlns:xsi="http://www.w3.org/2001/XMLSchema-instance" xmlns:pc="http://schemas.microsoft.com/office/infopath/2007/PartnerControls">
+  <documentManagement>
+    <Program xmlns="3fce3ed0-24d1-45d0-8014-96f22eb6b0fb"/>
+  </documentManagement>
+</p:properties>
+</file>
+
+<file path=customXml/item2.xml><?xml version="1.0" encoding="utf-8"?>
 <ct:contentTypeSchema xmlns:ct="http://schemas.microsoft.com/office/2006/metadata/contentType" xmlns:ma="http://schemas.microsoft.com/office/2006/metadata/properties/metaAttributes" ct:_="" ma:_="" ma:contentTypeName="Document" ma:contentTypeID="0x01010041C2185FD0CA74419E79410895F7D8A9" ma:contentTypeVersion="12" ma:contentTypeDescription="Create a new document." ma:contentTypeScope="" ma:versionID="de8759042a2ec55ea0ec20e32d909ac2">
   <xsd:schema xmlns:xsd="http://www.w3.org/2001/XMLSchema" xmlns:xs="http://www.w3.org/2001/XMLSchema" xmlns:p="http://schemas.microsoft.com/office/2006/metadata/properties" xmlns:ns2="3fce3ed0-24d1-45d0-8014-96f22eb6b0fb" xmlns:ns3="c7d759ad-c71d-4e7a-8896-957c2805ad24" xmlns:ns4="cbd1dd4f-7f1a-4b60-b24c-ce56e0497876" targetNamespace="http://schemas.microsoft.com/office/2006/metadata/properties" ma:root="true" ma:fieldsID="4b61a1e8163061dc2ef92aba6740c7ae" ns2:_="" ns3:_="" ns4:_="">
     <xsd:import namespace="3fce3ed0-24d1-45d0-8014-96f22eb6b0fb"/>
@@ -32492,14 +32496,6 @@
 </ct:contentTypeSchema>
 </file>
 
-<file path=customXml/item2.xml><?xml version="1.0" encoding="utf-8"?>
-<p:properties xmlns:p="http://schemas.microsoft.com/office/2006/metadata/properties" xmlns:xsi="http://www.w3.org/2001/XMLSchema-instance" xmlns:pc="http://schemas.microsoft.com/office/infopath/2007/PartnerControls">
-  <documentManagement>
-    <Program xmlns="3fce3ed0-24d1-45d0-8014-96f22eb6b0fb"/>
-  </documentManagement>
-</p:properties>
-</file>
-
 <file path=customXml/item3.xml><?xml version="1.0" encoding="utf-8"?>
 <?mso-contentType ?>
 <FormTemplates xmlns="http://schemas.microsoft.com/sharepoint/v3/contenttype/forms">
@@ -32510,6 +32506,24 @@
 </file>
 
 <file path=customXml/itemProps1.xml><?xml version="1.0" encoding="utf-8"?>
+<ds:datastoreItem xmlns:ds="http://schemas.openxmlformats.org/officeDocument/2006/customXml" ds:itemID="{7EF52303-DD41-4871-8221-5749C8E3EEE6}">
+  <ds:schemaRefs>
+    <ds:schemaRef ds:uri="http://www.w3.org/XML/1998/namespace"/>
+    <ds:schemaRef ds:uri="http://schemas.openxmlformats.org/package/2006/metadata/core-properties"/>
+    <ds:schemaRef ds:uri="http://schemas.microsoft.com/office/2006/documentManagement/types"/>
+    <ds:schemaRef ds:uri="http://purl.org/dc/terms/"/>
+    <ds:schemaRef ds:uri="c7d759ad-c71d-4e7a-8896-957c2805ad24"/>
+    <ds:schemaRef ds:uri="3fce3ed0-24d1-45d0-8014-96f22eb6b0fb"/>
+    <ds:schemaRef ds:uri="cbd1dd4f-7f1a-4b60-b24c-ce56e0497876"/>
+    <ds:schemaRef ds:uri="http://schemas.microsoft.com/office/infopath/2007/PartnerControls"/>
+    <ds:schemaRef ds:uri="http://schemas.microsoft.com/office/2006/metadata/properties"/>
+    <ds:schemaRef ds:uri="http://purl.org/dc/dcmitype/"/>
+    <ds:schemaRef ds:uri="http://purl.org/dc/elements/1.1/"/>
+  </ds:schemaRefs>
+</ds:datastoreItem>
+</file>
+
+<file path=customXml/itemProps2.xml><?xml version="1.0" encoding="utf-8"?>
 <ds:datastoreItem xmlns:ds="http://schemas.openxmlformats.org/officeDocument/2006/customXml" ds:itemID="{6B57F43C-BADB-4723-A685-7D9114197987}">
   <ds:schemaRefs>
     <ds:schemaRef ds:uri="http://schemas.microsoft.com/office/2006/metadata/contentType"/>
@@ -32529,24 +32543,6 @@
 </ds:datastoreItem>
 </file>
 
-<file path=customXml/itemProps2.xml><?xml version="1.0" encoding="utf-8"?>
-<ds:datastoreItem xmlns:ds="http://schemas.openxmlformats.org/officeDocument/2006/customXml" ds:itemID="{7EF52303-DD41-4871-8221-5749C8E3EEE6}">
-  <ds:schemaRefs>
-    <ds:schemaRef ds:uri="http://www.w3.org/XML/1998/namespace"/>
-    <ds:schemaRef ds:uri="http://schemas.openxmlformats.org/package/2006/metadata/core-properties"/>
-    <ds:schemaRef ds:uri="http://schemas.microsoft.com/office/2006/documentManagement/types"/>
-    <ds:schemaRef ds:uri="http://purl.org/dc/terms/"/>
-    <ds:schemaRef ds:uri="c7d759ad-c71d-4e7a-8896-957c2805ad24"/>
-    <ds:schemaRef ds:uri="3fce3ed0-24d1-45d0-8014-96f22eb6b0fb"/>
-    <ds:schemaRef ds:uri="cbd1dd4f-7f1a-4b60-b24c-ce56e0497876"/>
-    <ds:schemaRef ds:uri="http://schemas.microsoft.com/office/infopath/2007/PartnerControls"/>
-    <ds:schemaRef ds:uri="http://schemas.microsoft.com/office/2006/metadata/properties"/>
-    <ds:schemaRef ds:uri="http://purl.org/dc/dcmitype/"/>
-    <ds:schemaRef ds:uri="http://purl.org/dc/elements/1.1/"/>
-  </ds:schemaRefs>
-</ds:datastoreItem>
-</file>
-
 <file path=customXml/itemProps3.xml><?xml version="1.0" encoding="utf-8"?>
 <ds:datastoreItem xmlns:ds="http://schemas.openxmlformats.org/officeDocument/2006/customXml" ds:itemID="{A681D2DF-F93E-4CC1-8A50-704C6CA0430E}">
   <ds:schemaRefs>

--- a/MSP_RIntoduction_IanHsu_20171025.pptx
+++ b/MSP_RIntoduction_IanHsu_20171025.pptx
@@ -1780,7 +1780,21 @@
                 <a:latin typeface="微軟正黑體" panose="020B0604030504040204" pitchFamily="34" charset="-120"/>
                 <a:ea typeface="微軟正黑體" panose="020B0604030504040204" pitchFamily="34" charset="-120"/>
               </a:rPr>
-              <a:t>2017 / 10 / 21</a:t>
+              <a:t>2017 / 10 / </a:t>
+            </a:r>
+            <a:r>
+              <a:rPr lang="en-US" dirty="0" smtClean="0">
+                <a:latin typeface="微軟正黑體" panose="020B0604030504040204" pitchFamily="34" charset="-120"/>
+                <a:ea typeface="微軟正黑體" panose="020B0604030504040204" pitchFamily="34" charset="-120"/>
+              </a:rPr>
+              <a:t>2</a:t>
+            </a:r>
+            <a:r>
+              <a:rPr lang="en-US" altLang="zh-TW" dirty="0" smtClean="0">
+                <a:latin typeface="微軟正黑體" panose="020B0604030504040204" pitchFamily="34" charset="-120"/>
+                <a:ea typeface="微軟正黑體" panose="020B0604030504040204" pitchFamily="34" charset="-120"/>
+              </a:rPr>
+              <a:t>5</a:t>
             </a:r>
             <a:endParaRPr lang="en-US" dirty="0">
               <a:latin typeface="微軟正黑體" panose="020B0604030504040204" pitchFamily="34" charset="-120"/>
@@ -18026,11 +18040,7 @@
             <a:pPr algn="ctr"/>
             <a:r>
               <a:rPr lang="en-US" altLang="zh-TW" sz="4800" dirty="0" smtClean="0"/>
-              <a:t>Demo </a:t>
-            </a:r>
-            <a:r>
-              <a:rPr lang="en-US" altLang="zh-TW" sz="4800" dirty="0" smtClean="0"/>
-              <a:t>– </a:t>
+              <a:t>Demo – </a:t>
             </a:r>
             <a:r>
               <a:rPr lang="en-US" altLang="zh-TW" sz="4800" dirty="0" err="1" smtClean="0"/>
@@ -18821,10 +18831,32 @@
           <a:p>
             <a:pPr algn="ctr"/>
             <a:r>
-              <a:rPr lang="en-US" altLang="zh-TW" sz="2400" dirty="0" smtClean="0"/>
-              <a:t>Thank you for coming!</a:t>
-            </a:r>
-            <a:endParaRPr lang="zh-TW" altLang="en-US" sz="2400" dirty="0"/>
+              <a:rPr lang="en-US" altLang="zh-TW" dirty="0" smtClean="0"/>
+              <a:t>(</a:t>
+            </a:r>
+            <a:r>
+              <a:rPr lang="en-US" altLang="zh-TW" dirty="0" smtClean="0">
+                <a:hlinkClick r:id="rId2"/>
+              </a:rPr>
+              <a:t>https</a:t>
+            </a:r>
+            <a:r>
+              <a:rPr lang="en-US" altLang="zh-TW" dirty="0">
+                <a:hlinkClick r:id="rId2"/>
+              </a:rPr>
+              <a:t>://</a:t>
+            </a:r>
+            <a:r>
+              <a:rPr lang="en-US" altLang="zh-TW" dirty="0" smtClean="0">
+                <a:hlinkClick r:id="rId2"/>
+              </a:rPr>
+              <a:t>github.com/yinkaihsu/MSP-Lecture-R-Introduction</a:t>
+            </a:r>
+            <a:r>
+              <a:rPr lang="en-US" altLang="zh-TW" dirty="0" smtClean="0"/>
+              <a:t>)</a:t>
+            </a:r>
+            <a:endParaRPr lang="zh-TW" altLang="en-US" dirty="0"/>
           </a:p>
         </p:txBody>
       </p:sp>
@@ -18865,6 +18897,59 @@
           <a:chExt cx="0" cy="0"/>
         </a:xfrm>
       </p:grpSpPr>
+      <p:sp>
+        <p:nvSpPr>
+          <p:cNvPr id="2" name="矩形 1"/>
+          <p:cNvSpPr/>
+          <p:nvPr/>
+        </p:nvSpPr>
+        <p:spPr>
+          <a:xfrm>
+            <a:off x="1417320" y="2899954"/>
+            <a:ext cx="6237515" cy="463732"/>
+          </a:xfrm>
+          <a:prstGeom prst="rect">
+            <a:avLst/>
+          </a:prstGeom>
+          <a:solidFill>
+            <a:schemeClr val="accent1"/>
+          </a:solidFill>
+          <a:ln>
+            <a:noFill/>
+          </a:ln>
+          <a:effectLst/>
+        </p:spPr>
+        <p:style>
+          <a:lnRef idx="1">
+            <a:schemeClr val="accent1"/>
+          </a:lnRef>
+          <a:fillRef idx="3">
+            <a:schemeClr val="accent1"/>
+          </a:fillRef>
+          <a:effectRef idx="2">
+            <a:schemeClr val="accent1"/>
+          </a:effectRef>
+          <a:fontRef idx="minor">
+            <a:schemeClr val="lt1"/>
+          </a:fontRef>
+        </p:style>
+        <p:txBody>
+          <a:bodyPr rtlCol="0" anchor="ctr"/>
+          <a:lstStyle/>
+          <a:p>
+            <a:pPr algn="ctr"/>
+            <a:r>
+              <a:rPr lang="en-US" altLang="zh-TW" sz="2400" dirty="0" smtClean="0"/>
+              <a:t>Thank </a:t>
+            </a:r>
+            <a:r>
+              <a:rPr lang="en-US" altLang="zh-TW" sz="2400" dirty="0" smtClean="0"/>
+              <a:t>you for coming!</a:t>
+            </a:r>
+            <a:endParaRPr lang="zh-TW" altLang="en-US" sz="2400" dirty="0"/>
+          </a:p>
+        </p:txBody>
+      </p:sp>
     </p:spTree>
     <p:extLst>
       <p:ext uri="{BB962C8B-B14F-4D97-AF65-F5344CB8AC3E}">
@@ -32264,14 +32349,6 @@
 </file>
 
 <file path=customXml/item1.xml><?xml version="1.0" encoding="utf-8"?>
-<p:properties xmlns:p="http://schemas.microsoft.com/office/2006/metadata/properties" xmlns:xsi="http://www.w3.org/2001/XMLSchema-instance" xmlns:pc="http://schemas.microsoft.com/office/infopath/2007/PartnerControls">
-  <documentManagement>
-    <Program xmlns="3fce3ed0-24d1-45d0-8014-96f22eb6b0fb"/>
-  </documentManagement>
-</p:properties>
-</file>
-
-<file path=customXml/item2.xml><?xml version="1.0" encoding="utf-8"?>
 <ct:contentTypeSchema xmlns:ct="http://schemas.microsoft.com/office/2006/metadata/contentType" xmlns:ma="http://schemas.microsoft.com/office/2006/metadata/properties/metaAttributes" ct:_="" ma:_="" ma:contentTypeName="Document" ma:contentTypeID="0x01010041C2185FD0CA74419E79410895F7D8A9" ma:contentTypeVersion="12" ma:contentTypeDescription="Create a new document." ma:contentTypeScope="" ma:versionID="de8759042a2ec55ea0ec20e32d909ac2">
   <xsd:schema xmlns:xsd="http://www.w3.org/2001/XMLSchema" xmlns:xs="http://www.w3.org/2001/XMLSchema" xmlns:p="http://schemas.microsoft.com/office/2006/metadata/properties" xmlns:ns2="3fce3ed0-24d1-45d0-8014-96f22eb6b0fb" xmlns:ns3="c7d759ad-c71d-4e7a-8896-957c2805ad24" xmlns:ns4="cbd1dd4f-7f1a-4b60-b24c-ce56e0497876" targetNamespace="http://schemas.microsoft.com/office/2006/metadata/properties" ma:root="true" ma:fieldsID="4b61a1e8163061dc2ef92aba6740c7ae" ns2:_="" ns3:_="" ns4:_="">
     <xsd:import namespace="3fce3ed0-24d1-45d0-8014-96f22eb6b0fb"/>
@@ -32496,6 +32573,14 @@
 </ct:contentTypeSchema>
 </file>
 
+<file path=customXml/item2.xml><?xml version="1.0" encoding="utf-8"?>
+<p:properties xmlns:p="http://schemas.microsoft.com/office/2006/metadata/properties" xmlns:xsi="http://www.w3.org/2001/XMLSchema-instance" xmlns:pc="http://schemas.microsoft.com/office/infopath/2007/PartnerControls">
+  <documentManagement>
+    <Program xmlns="3fce3ed0-24d1-45d0-8014-96f22eb6b0fb"/>
+  </documentManagement>
+</p:properties>
+</file>
+
 <file path=customXml/item3.xml><?xml version="1.0" encoding="utf-8"?>
 <?mso-contentType ?>
 <FormTemplates xmlns="http://schemas.microsoft.com/sharepoint/v3/contenttype/forms">
@@ -32506,24 +32591,6 @@
 </file>
 
 <file path=customXml/itemProps1.xml><?xml version="1.0" encoding="utf-8"?>
-<ds:datastoreItem xmlns:ds="http://schemas.openxmlformats.org/officeDocument/2006/customXml" ds:itemID="{7EF52303-DD41-4871-8221-5749C8E3EEE6}">
-  <ds:schemaRefs>
-    <ds:schemaRef ds:uri="http://www.w3.org/XML/1998/namespace"/>
-    <ds:schemaRef ds:uri="http://schemas.openxmlformats.org/package/2006/metadata/core-properties"/>
-    <ds:schemaRef ds:uri="http://schemas.microsoft.com/office/2006/documentManagement/types"/>
-    <ds:schemaRef ds:uri="http://purl.org/dc/terms/"/>
-    <ds:schemaRef ds:uri="c7d759ad-c71d-4e7a-8896-957c2805ad24"/>
-    <ds:schemaRef ds:uri="3fce3ed0-24d1-45d0-8014-96f22eb6b0fb"/>
-    <ds:schemaRef ds:uri="cbd1dd4f-7f1a-4b60-b24c-ce56e0497876"/>
-    <ds:schemaRef ds:uri="http://schemas.microsoft.com/office/infopath/2007/PartnerControls"/>
-    <ds:schemaRef ds:uri="http://schemas.microsoft.com/office/2006/metadata/properties"/>
-    <ds:schemaRef ds:uri="http://purl.org/dc/dcmitype/"/>
-    <ds:schemaRef ds:uri="http://purl.org/dc/elements/1.1/"/>
-  </ds:schemaRefs>
-</ds:datastoreItem>
-</file>
-
-<file path=customXml/itemProps2.xml><?xml version="1.0" encoding="utf-8"?>
 <ds:datastoreItem xmlns:ds="http://schemas.openxmlformats.org/officeDocument/2006/customXml" ds:itemID="{6B57F43C-BADB-4723-A685-7D9114197987}">
   <ds:schemaRefs>
     <ds:schemaRef ds:uri="http://schemas.microsoft.com/office/2006/metadata/contentType"/>
@@ -32543,6 +32610,24 @@
 </ds:datastoreItem>
 </file>
 
+<file path=customXml/itemProps2.xml><?xml version="1.0" encoding="utf-8"?>
+<ds:datastoreItem xmlns:ds="http://schemas.openxmlformats.org/officeDocument/2006/customXml" ds:itemID="{7EF52303-DD41-4871-8221-5749C8E3EEE6}">
+  <ds:schemaRefs>
+    <ds:schemaRef ds:uri="http://www.w3.org/XML/1998/namespace"/>
+    <ds:schemaRef ds:uri="http://schemas.openxmlformats.org/package/2006/metadata/core-properties"/>
+    <ds:schemaRef ds:uri="http://schemas.microsoft.com/office/2006/documentManagement/types"/>
+    <ds:schemaRef ds:uri="http://purl.org/dc/terms/"/>
+    <ds:schemaRef ds:uri="c7d759ad-c71d-4e7a-8896-957c2805ad24"/>
+    <ds:schemaRef ds:uri="3fce3ed0-24d1-45d0-8014-96f22eb6b0fb"/>
+    <ds:schemaRef ds:uri="cbd1dd4f-7f1a-4b60-b24c-ce56e0497876"/>
+    <ds:schemaRef ds:uri="http://schemas.microsoft.com/office/infopath/2007/PartnerControls"/>
+    <ds:schemaRef ds:uri="http://schemas.microsoft.com/office/2006/metadata/properties"/>
+    <ds:schemaRef ds:uri="http://purl.org/dc/dcmitype/"/>
+    <ds:schemaRef ds:uri="http://purl.org/dc/elements/1.1/"/>
+  </ds:schemaRefs>
+</ds:datastoreItem>
+</file>
+
 <file path=customXml/itemProps3.xml><?xml version="1.0" encoding="utf-8"?>
 <ds:datastoreItem xmlns:ds="http://schemas.openxmlformats.org/officeDocument/2006/customXml" ds:itemID="{A681D2DF-F93E-4CC1-8A50-704C6CA0430E}">
   <ds:schemaRefs>

--- a/MSP_RIntoduction_IanHsu_20171025.pptx
+++ b/MSP_RIntoduction_IanHsu_20171025.pptx
@@ -5,7 +5,7 @@
     <p:sldMasterId id="2147483648" r:id="rId4"/>
   </p:sldMasterIdLst>
   <p:notesMasterIdLst>
-    <p:notesMasterId r:id="rId28"/>
+    <p:notesMasterId r:id="rId29"/>
   </p:notesMasterIdLst>
   <p:sldIdLst>
     <p:sldId id="256" r:id="rId5"/>
@@ -17,20 +17,21 @@
     <p:sldId id="267" r:id="rId11"/>
     <p:sldId id="269" r:id="rId12"/>
     <p:sldId id="270" r:id="rId13"/>
-    <p:sldId id="271" r:id="rId14"/>
-    <p:sldId id="272" r:id="rId15"/>
-    <p:sldId id="273" r:id="rId16"/>
-    <p:sldId id="274" r:id="rId17"/>
-    <p:sldId id="275" r:id="rId18"/>
-    <p:sldId id="278" r:id="rId19"/>
-    <p:sldId id="279" r:id="rId20"/>
-    <p:sldId id="280" r:id="rId21"/>
-    <p:sldId id="277" r:id="rId22"/>
-    <p:sldId id="281" r:id="rId23"/>
-    <p:sldId id="282" r:id="rId24"/>
-    <p:sldId id="284" r:id="rId25"/>
-    <p:sldId id="285" r:id="rId26"/>
-    <p:sldId id="260" r:id="rId27"/>
+    <p:sldId id="288" r:id="rId14"/>
+    <p:sldId id="271" r:id="rId15"/>
+    <p:sldId id="272" r:id="rId16"/>
+    <p:sldId id="273" r:id="rId17"/>
+    <p:sldId id="274" r:id="rId18"/>
+    <p:sldId id="275" r:id="rId19"/>
+    <p:sldId id="278" r:id="rId20"/>
+    <p:sldId id="279" r:id="rId21"/>
+    <p:sldId id="280" r:id="rId22"/>
+    <p:sldId id="277" r:id="rId23"/>
+    <p:sldId id="281" r:id="rId24"/>
+    <p:sldId id="282" r:id="rId25"/>
+    <p:sldId id="284" r:id="rId26"/>
+    <p:sldId id="285" r:id="rId27"/>
+    <p:sldId id="260" r:id="rId28"/>
   </p:sldIdLst>
   <p:sldSz cx="9144000" cy="5143500" type="screen16x9"/>
   <p:notesSz cx="6858000" cy="9144000"/>
@@ -240,7 +241,7 @@
           <a:p>
             <a:fld id="{4B686F9B-0957-4033-8CA7-C9B6F88FA999}" type="datetimeFigureOut">
               <a:rPr lang="zh-TW" altLang="en-US" smtClean="0"/>
-              <a:t>2017/10/22</a:t>
+              <a:t>2017/10/24</a:t>
             </a:fld>
             <a:endParaRPr lang="zh-TW" altLang="en-US"/>
           </a:p>
@@ -583,6 +584,90 @@
     <p:extLst>
       <p:ext uri="{BB962C8B-B14F-4D97-AF65-F5344CB8AC3E}">
         <p14:creationId xmlns:p14="http://schemas.microsoft.com/office/powerpoint/2010/main" val="97386672"/>
+      </p:ext>
+    </p:extLst>
+  </p:cSld>
+  <p:clrMapOvr>
+    <a:masterClrMapping/>
+  </p:clrMapOvr>
+</p:notes>
+</file>
+
+<file path=ppt/notesSlides/notesSlide2.xml><?xml version="1.0" encoding="utf-8"?>
+<p:notes xmlns:a="http://schemas.openxmlformats.org/drawingml/2006/main" xmlns:r="http://schemas.openxmlformats.org/officeDocument/2006/relationships" xmlns:p="http://schemas.openxmlformats.org/presentationml/2006/main">
+  <p:cSld>
+    <p:spTree>
+      <p:nvGrpSpPr>
+        <p:cNvPr id="1" name=""/>
+        <p:cNvGrpSpPr/>
+        <p:nvPr/>
+      </p:nvGrpSpPr>
+      <p:grpSpPr>
+        <a:xfrm>
+          <a:off x="0" y="0"/>
+          <a:ext cx="0" cy="0"/>
+          <a:chOff x="0" y="0"/>
+          <a:chExt cx="0" cy="0"/>
+        </a:xfrm>
+      </p:grpSpPr>
+      <p:sp>
+        <p:nvSpPr>
+          <p:cNvPr id="2" name="投影片圖像版面配置區 1"/>
+          <p:cNvSpPr>
+            <a:spLocks noGrp="1" noRot="1" noChangeAspect="1"/>
+          </p:cNvSpPr>
+          <p:nvPr>
+            <p:ph type="sldImg"/>
+          </p:nvPr>
+        </p:nvSpPr>
+        <p:spPr/>
+      </p:sp>
+      <p:sp>
+        <p:nvSpPr>
+          <p:cNvPr id="3" name="備忘稿版面配置區 2"/>
+          <p:cNvSpPr>
+            <a:spLocks noGrp="1"/>
+          </p:cNvSpPr>
+          <p:nvPr>
+            <p:ph type="body" idx="1"/>
+          </p:nvPr>
+        </p:nvSpPr>
+        <p:spPr/>
+        <p:txBody>
+          <a:bodyPr/>
+          <a:lstStyle/>
+          <a:p>
+            <a:endParaRPr lang="zh-TW" altLang="en-US" dirty="0"/>
+          </a:p>
+        </p:txBody>
+      </p:sp>
+      <p:sp>
+        <p:nvSpPr>
+          <p:cNvPr id="4" name="投影片編號版面配置區 3"/>
+          <p:cNvSpPr>
+            <a:spLocks noGrp="1"/>
+          </p:cNvSpPr>
+          <p:nvPr>
+            <p:ph type="sldNum" sz="quarter" idx="10"/>
+          </p:nvPr>
+        </p:nvSpPr>
+        <p:spPr/>
+        <p:txBody>
+          <a:bodyPr/>
+          <a:lstStyle/>
+          <a:p>
+            <a:fld id="{CFE64396-17FF-48F5-8D3A-20E869976B7E}" type="slidenum">
+              <a:rPr lang="zh-TW" altLang="en-US" smtClean="0"/>
+              <a:t>10</a:t>
+            </a:fld>
+            <a:endParaRPr lang="zh-TW" altLang="en-US"/>
+          </a:p>
+        </p:txBody>
+      </p:sp>
+    </p:spTree>
+    <p:extLst>
+      <p:ext uri="{BB962C8B-B14F-4D97-AF65-F5344CB8AC3E}">
+        <p14:creationId xmlns:p14="http://schemas.microsoft.com/office/powerpoint/2010/main" val="3133995983"/>
       </p:ext>
     </p:extLst>
   </p:cSld>
@@ -1780,14 +1865,7 @@
                 <a:latin typeface="微軟正黑體" panose="020B0604030504040204" pitchFamily="34" charset="-120"/>
                 <a:ea typeface="微軟正黑體" panose="020B0604030504040204" pitchFamily="34" charset="-120"/>
               </a:rPr>
-              <a:t>2017 / 10 / </a:t>
-            </a:r>
-            <a:r>
-              <a:rPr lang="en-US" dirty="0" smtClean="0">
-                <a:latin typeface="微軟正黑體" panose="020B0604030504040204" pitchFamily="34" charset="-120"/>
-                <a:ea typeface="微軟正黑體" panose="020B0604030504040204" pitchFamily="34" charset="-120"/>
-              </a:rPr>
-              <a:t>2</a:t>
+              <a:t>2017 / 10 / 2</a:t>
             </a:r>
             <a:r>
               <a:rPr lang="en-US" altLang="zh-TW" dirty="0" smtClean="0">
@@ -1824,6 +1902,2820 @@
 </file>
 
 <file path=ppt/slides/slide10.xml><?xml version="1.0" encoding="utf-8"?>
+<p:sld xmlns:a="http://schemas.openxmlformats.org/drawingml/2006/main" xmlns:r="http://schemas.openxmlformats.org/officeDocument/2006/relationships" xmlns:p="http://schemas.openxmlformats.org/presentationml/2006/main">
+  <p:cSld>
+    <p:spTree>
+      <p:nvGrpSpPr>
+        <p:cNvPr id="1" name=""/>
+        <p:cNvGrpSpPr/>
+        <p:nvPr/>
+      </p:nvGrpSpPr>
+      <p:grpSpPr>
+        <a:xfrm>
+          <a:off x="0" y="0"/>
+          <a:ext cx="0" cy="0"/>
+          <a:chOff x="0" y="0"/>
+          <a:chExt cx="0" cy="0"/>
+        </a:xfrm>
+      </p:grpSpPr>
+      <p:sp>
+        <p:nvSpPr>
+          <p:cNvPr id="4" name="Title 3"/>
+          <p:cNvSpPr>
+            <a:spLocks noGrp="1"/>
+          </p:cNvSpPr>
+          <p:nvPr>
+            <p:ph type="title"/>
+          </p:nvPr>
+        </p:nvSpPr>
+        <p:spPr>
+          <a:xfrm>
+            <a:off x="233169" y="141555"/>
+            <a:ext cx="6362158" cy="406715"/>
+          </a:xfrm>
+          <a:prstGeom prst="rect">
+            <a:avLst/>
+          </a:prstGeom>
+        </p:spPr>
+        <p:txBody>
+          <a:bodyPr/>
+          <a:lstStyle/>
+          <a:p>
+            <a:r>
+              <a:rPr lang="en-US" dirty="0" smtClean="0"/>
+              <a:t>arrange</a:t>
+            </a:r>
+            <a:endParaRPr lang="en-US" dirty="0"/>
+          </a:p>
+        </p:txBody>
+      </p:sp>
+      <p:sp>
+        <p:nvSpPr>
+          <p:cNvPr id="2" name="文字方塊 1"/>
+          <p:cNvSpPr txBox="1"/>
+          <p:nvPr/>
+        </p:nvSpPr>
+        <p:spPr>
+          <a:xfrm>
+            <a:off x="-38057" y="1202054"/>
+            <a:ext cx="3073209" cy="646331"/>
+          </a:xfrm>
+          <a:prstGeom prst="rect">
+            <a:avLst/>
+          </a:prstGeom>
+          <a:noFill/>
+        </p:spPr>
+        <p:txBody>
+          <a:bodyPr wrap="square" rtlCol="0">
+            <a:spAutoFit/>
+          </a:bodyPr>
+          <a:lstStyle/>
+          <a:p>
+            <a:pPr marL="342900" indent="-342900">
+              <a:buFont typeface="Consolas" panose="020B0609020204030204" pitchFamily="49" charset="0"/>
+              <a:buChar char="›"/>
+            </a:pPr>
+            <a:r>
+              <a:rPr lang="en-US" altLang="zh-TW" dirty="0" smtClean="0">
+                <a:solidFill>
+                  <a:prstClr val="black"/>
+                </a:solidFill>
+                <a:latin typeface="Consolas" panose="020B0609020204030204" pitchFamily="49" charset="0"/>
+              </a:rPr>
+              <a:t>Salaries</a:t>
+            </a:r>
+            <a:endParaRPr lang="en-US" altLang="zh-TW" dirty="0">
+              <a:latin typeface="Consolas" panose="020B0609020204030204" pitchFamily="49" charset="0"/>
+            </a:endParaRPr>
+          </a:p>
+          <a:p>
+            <a:pPr marL="342900" indent="-342900">
+              <a:buFont typeface="Consolas" panose="020B0609020204030204" pitchFamily="49" charset="0"/>
+              <a:buChar char="›"/>
+            </a:pPr>
+            <a:endParaRPr lang="zh-TW" altLang="en-US" dirty="0"/>
+          </a:p>
+        </p:txBody>
+      </p:sp>
+      <p:graphicFrame>
+        <p:nvGraphicFramePr>
+          <p:cNvPr id="6" name="表格 5"/>
+          <p:cNvGraphicFramePr>
+            <a:graphicFrameLocks noGrp="1"/>
+          </p:cNvGraphicFramePr>
+          <p:nvPr/>
+        </p:nvGraphicFramePr>
+        <p:xfrm>
+          <a:off x="47533" y="1555476"/>
+          <a:ext cx="4517593" cy="2769000"/>
+        </p:xfrm>
+        <a:graphic>
+          <a:graphicData uri="http://schemas.openxmlformats.org/drawingml/2006/table">
+            <a:tbl>
+              <a:tblPr firstRow="1">
+                <a:tableStyleId>{5C22544A-7EE6-4342-B048-85BDC9FD1C3A}</a:tableStyleId>
+              </a:tblPr>
+              <a:tblGrid>
+                <a:gridCol w="900493"/>
+                <a:gridCol w="900493"/>
+                <a:gridCol w="900493"/>
+                <a:gridCol w="900493"/>
+                <a:gridCol w="915621"/>
+              </a:tblGrid>
+              <a:tr h="213000">
+                <a:tc>
+                  <a:txBody>
+                    <a:bodyPr/>
+                    <a:lstStyle/>
+                    <a:p>
+                      <a:endParaRPr lang="zh-TW" altLang="en-US" sz="1100" dirty="0"/>
+                    </a:p>
+                  </a:txBody>
+                  <a:tcPr marL="38867" marR="38867" marT="19435" marB="19435"/>
+                </a:tc>
+                <a:tc>
+                  <a:txBody>
+                    <a:bodyPr/>
+                    <a:lstStyle/>
+                    <a:p>
+                      <a:endParaRPr lang="zh-TW" altLang="en-US" sz="1100"/>
+                    </a:p>
+                  </a:txBody>
+                  <a:tcPr marL="38867" marR="38867" marT="19435" marB="19435"/>
+                </a:tc>
+                <a:tc>
+                  <a:txBody>
+                    <a:bodyPr/>
+                    <a:lstStyle/>
+                    <a:p>
+                      <a:endParaRPr lang="zh-TW" altLang="en-US" sz="1100"/>
+                    </a:p>
+                  </a:txBody>
+                  <a:tcPr marL="38867" marR="38867" marT="19435" marB="19435"/>
+                </a:tc>
+                <a:tc>
+                  <a:txBody>
+                    <a:bodyPr/>
+                    <a:lstStyle/>
+                    <a:p>
+                      <a:endParaRPr lang="zh-TW" altLang="en-US" sz="1100"/>
+                    </a:p>
+                  </a:txBody>
+                  <a:tcPr marL="38867" marR="38867" marT="19435" marB="19435"/>
+                </a:tc>
+                <a:tc>
+                  <a:txBody>
+                    <a:bodyPr/>
+                    <a:lstStyle/>
+                    <a:p>
+                      <a:endParaRPr lang="zh-TW" altLang="en-US" sz="1100" dirty="0"/>
+                    </a:p>
+                  </a:txBody>
+                  <a:tcPr marL="38867" marR="38867" marT="19435" marB="19435"/>
+                </a:tc>
+              </a:tr>
+              <a:tr h="213000">
+                <a:tc>
+                  <a:txBody>
+                    <a:bodyPr/>
+                    <a:lstStyle/>
+                    <a:p>
+                      <a:endParaRPr lang="zh-TW" altLang="en-US" sz="1100"/>
+                    </a:p>
+                  </a:txBody>
+                  <a:tcPr marL="38867" marR="38867" marT="19435" marB="19435"/>
+                </a:tc>
+                <a:tc>
+                  <a:txBody>
+                    <a:bodyPr/>
+                    <a:lstStyle/>
+                    <a:p>
+                      <a:endParaRPr lang="zh-TW" altLang="en-US" sz="1100"/>
+                    </a:p>
+                  </a:txBody>
+                  <a:tcPr marL="38867" marR="38867" marT="19435" marB="19435"/>
+                </a:tc>
+                <a:tc>
+                  <a:txBody>
+                    <a:bodyPr/>
+                    <a:lstStyle/>
+                    <a:p>
+                      <a:endParaRPr lang="zh-TW" altLang="en-US" sz="1100"/>
+                    </a:p>
+                  </a:txBody>
+                  <a:tcPr marL="38867" marR="38867" marT="19435" marB="19435"/>
+                </a:tc>
+                <a:tc>
+                  <a:txBody>
+                    <a:bodyPr/>
+                    <a:lstStyle/>
+                    <a:p>
+                      <a:endParaRPr lang="zh-TW" altLang="en-US" sz="1100"/>
+                    </a:p>
+                  </a:txBody>
+                  <a:tcPr marL="38867" marR="38867" marT="19435" marB="19435"/>
+                </a:tc>
+                <a:tc>
+                  <a:txBody>
+                    <a:bodyPr/>
+                    <a:lstStyle/>
+                    <a:p>
+                      <a:endParaRPr lang="zh-TW" altLang="en-US" sz="1100"/>
+                    </a:p>
+                  </a:txBody>
+                  <a:tcPr marL="38867" marR="38867" marT="19435" marB="19435"/>
+                </a:tc>
+              </a:tr>
+              <a:tr h="213000">
+                <a:tc>
+                  <a:txBody>
+                    <a:bodyPr/>
+                    <a:lstStyle/>
+                    <a:p>
+                      <a:endParaRPr lang="zh-TW" altLang="en-US" sz="1100"/>
+                    </a:p>
+                  </a:txBody>
+                  <a:tcPr marL="38867" marR="38867" marT="19435" marB="19435"/>
+                </a:tc>
+                <a:tc>
+                  <a:txBody>
+                    <a:bodyPr/>
+                    <a:lstStyle/>
+                    <a:p>
+                      <a:endParaRPr lang="zh-TW" altLang="en-US" sz="1100"/>
+                    </a:p>
+                  </a:txBody>
+                  <a:tcPr marL="38867" marR="38867" marT="19435" marB="19435"/>
+                </a:tc>
+                <a:tc>
+                  <a:txBody>
+                    <a:bodyPr/>
+                    <a:lstStyle/>
+                    <a:p>
+                      <a:endParaRPr lang="zh-TW" altLang="en-US" sz="1100"/>
+                    </a:p>
+                  </a:txBody>
+                  <a:tcPr marL="38867" marR="38867" marT="19435" marB="19435"/>
+                </a:tc>
+                <a:tc>
+                  <a:txBody>
+                    <a:bodyPr/>
+                    <a:lstStyle/>
+                    <a:p>
+                      <a:endParaRPr lang="zh-TW" altLang="en-US" sz="1100"/>
+                    </a:p>
+                  </a:txBody>
+                  <a:tcPr marL="38867" marR="38867" marT="19435" marB="19435"/>
+                </a:tc>
+                <a:tc>
+                  <a:txBody>
+                    <a:bodyPr/>
+                    <a:lstStyle/>
+                    <a:p>
+                      <a:endParaRPr lang="zh-TW" altLang="en-US" sz="1100"/>
+                    </a:p>
+                  </a:txBody>
+                  <a:tcPr marL="38867" marR="38867" marT="19435" marB="19435"/>
+                </a:tc>
+              </a:tr>
+              <a:tr h="213000">
+                <a:tc>
+                  <a:txBody>
+                    <a:bodyPr/>
+                    <a:lstStyle/>
+                    <a:p>
+                      <a:endParaRPr lang="zh-TW" altLang="en-US" sz="1100"/>
+                    </a:p>
+                  </a:txBody>
+                  <a:tcPr marL="38867" marR="38867" marT="19435" marB="19435"/>
+                </a:tc>
+                <a:tc>
+                  <a:txBody>
+                    <a:bodyPr/>
+                    <a:lstStyle/>
+                    <a:p>
+                      <a:endParaRPr lang="zh-TW" altLang="en-US" sz="1100"/>
+                    </a:p>
+                  </a:txBody>
+                  <a:tcPr marL="38867" marR="38867" marT="19435" marB="19435"/>
+                </a:tc>
+                <a:tc>
+                  <a:txBody>
+                    <a:bodyPr/>
+                    <a:lstStyle/>
+                    <a:p>
+                      <a:endParaRPr lang="zh-TW" altLang="en-US" sz="1100"/>
+                    </a:p>
+                  </a:txBody>
+                  <a:tcPr marL="38867" marR="38867" marT="19435" marB="19435"/>
+                </a:tc>
+                <a:tc>
+                  <a:txBody>
+                    <a:bodyPr/>
+                    <a:lstStyle/>
+                    <a:p>
+                      <a:endParaRPr lang="zh-TW" altLang="en-US" sz="1100"/>
+                    </a:p>
+                  </a:txBody>
+                  <a:tcPr marL="38867" marR="38867" marT="19435" marB="19435"/>
+                </a:tc>
+                <a:tc>
+                  <a:txBody>
+                    <a:bodyPr/>
+                    <a:lstStyle/>
+                    <a:p>
+                      <a:endParaRPr lang="zh-TW" altLang="en-US" sz="1100"/>
+                    </a:p>
+                  </a:txBody>
+                  <a:tcPr marL="38867" marR="38867" marT="19435" marB="19435"/>
+                </a:tc>
+              </a:tr>
+              <a:tr h="213000">
+                <a:tc>
+                  <a:txBody>
+                    <a:bodyPr/>
+                    <a:lstStyle/>
+                    <a:p>
+                      <a:endParaRPr lang="zh-TW" altLang="en-US" sz="1100"/>
+                    </a:p>
+                  </a:txBody>
+                  <a:tcPr marL="38867" marR="38867" marT="19435" marB="19435"/>
+                </a:tc>
+                <a:tc>
+                  <a:txBody>
+                    <a:bodyPr/>
+                    <a:lstStyle/>
+                    <a:p>
+                      <a:endParaRPr lang="zh-TW" altLang="en-US" sz="1100"/>
+                    </a:p>
+                  </a:txBody>
+                  <a:tcPr marL="38867" marR="38867" marT="19435" marB="19435"/>
+                </a:tc>
+                <a:tc>
+                  <a:txBody>
+                    <a:bodyPr/>
+                    <a:lstStyle/>
+                    <a:p>
+                      <a:endParaRPr lang="zh-TW" altLang="en-US" sz="1100"/>
+                    </a:p>
+                  </a:txBody>
+                  <a:tcPr marL="38867" marR="38867" marT="19435" marB="19435"/>
+                </a:tc>
+                <a:tc>
+                  <a:txBody>
+                    <a:bodyPr/>
+                    <a:lstStyle/>
+                    <a:p>
+                      <a:endParaRPr lang="zh-TW" altLang="en-US" sz="1100"/>
+                    </a:p>
+                  </a:txBody>
+                  <a:tcPr marL="38867" marR="38867" marT="19435" marB="19435"/>
+                </a:tc>
+                <a:tc>
+                  <a:txBody>
+                    <a:bodyPr/>
+                    <a:lstStyle/>
+                    <a:p>
+                      <a:endParaRPr lang="zh-TW" altLang="en-US" sz="1100"/>
+                    </a:p>
+                  </a:txBody>
+                  <a:tcPr marL="38867" marR="38867" marT="19435" marB="19435"/>
+                </a:tc>
+              </a:tr>
+              <a:tr h="213000">
+                <a:tc>
+                  <a:txBody>
+                    <a:bodyPr/>
+                    <a:lstStyle/>
+                    <a:p>
+                      <a:endParaRPr lang="zh-TW" altLang="en-US" sz="1100"/>
+                    </a:p>
+                  </a:txBody>
+                  <a:tcPr marL="38867" marR="38867" marT="19435" marB="19435"/>
+                </a:tc>
+                <a:tc>
+                  <a:txBody>
+                    <a:bodyPr/>
+                    <a:lstStyle/>
+                    <a:p>
+                      <a:endParaRPr lang="zh-TW" altLang="en-US" sz="1100"/>
+                    </a:p>
+                  </a:txBody>
+                  <a:tcPr marL="38867" marR="38867" marT="19435" marB="19435"/>
+                </a:tc>
+                <a:tc>
+                  <a:txBody>
+                    <a:bodyPr/>
+                    <a:lstStyle/>
+                    <a:p>
+                      <a:endParaRPr lang="zh-TW" altLang="en-US" sz="1100"/>
+                    </a:p>
+                  </a:txBody>
+                  <a:tcPr marL="38867" marR="38867" marT="19435" marB="19435"/>
+                </a:tc>
+                <a:tc>
+                  <a:txBody>
+                    <a:bodyPr/>
+                    <a:lstStyle/>
+                    <a:p>
+                      <a:endParaRPr lang="zh-TW" altLang="en-US" sz="1100"/>
+                    </a:p>
+                  </a:txBody>
+                  <a:tcPr marL="38867" marR="38867" marT="19435" marB="19435"/>
+                </a:tc>
+                <a:tc>
+                  <a:txBody>
+                    <a:bodyPr/>
+                    <a:lstStyle/>
+                    <a:p>
+                      <a:endParaRPr lang="zh-TW" altLang="en-US" sz="1100" dirty="0"/>
+                    </a:p>
+                  </a:txBody>
+                  <a:tcPr marL="38867" marR="38867" marT="19435" marB="19435"/>
+                </a:tc>
+              </a:tr>
+              <a:tr h="213000">
+                <a:tc>
+                  <a:txBody>
+                    <a:bodyPr/>
+                    <a:lstStyle/>
+                    <a:p>
+                      <a:endParaRPr lang="zh-TW" altLang="en-US" sz="1100"/>
+                    </a:p>
+                  </a:txBody>
+                  <a:tcPr marL="38867" marR="38867" marT="19435" marB="19435"/>
+                </a:tc>
+                <a:tc>
+                  <a:txBody>
+                    <a:bodyPr/>
+                    <a:lstStyle/>
+                    <a:p>
+                      <a:endParaRPr lang="zh-TW" altLang="en-US" sz="1100"/>
+                    </a:p>
+                  </a:txBody>
+                  <a:tcPr marL="38867" marR="38867" marT="19435" marB="19435"/>
+                </a:tc>
+                <a:tc>
+                  <a:txBody>
+                    <a:bodyPr/>
+                    <a:lstStyle/>
+                    <a:p>
+                      <a:endParaRPr lang="zh-TW" altLang="en-US" sz="1100"/>
+                    </a:p>
+                  </a:txBody>
+                  <a:tcPr marL="38867" marR="38867" marT="19435" marB="19435"/>
+                </a:tc>
+                <a:tc>
+                  <a:txBody>
+                    <a:bodyPr/>
+                    <a:lstStyle/>
+                    <a:p>
+                      <a:endParaRPr lang="zh-TW" altLang="en-US" sz="1100"/>
+                    </a:p>
+                  </a:txBody>
+                  <a:tcPr marL="38867" marR="38867" marT="19435" marB="19435"/>
+                </a:tc>
+                <a:tc>
+                  <a:txBody>
+                    <a:bodyPr/>
+                    <a:lstStyle/>
+                    <a:p>
+                      <a:endParaRPr lang="zh-TW" altLang="en-US" sz="1100"/>
+                    </a:p>
+                  </a:txBody>
+                  <a:tcPr marL="38867" marR="38867" marT="19435" marB="19435"/>
+                </a:tc>
+              </a:tr>
+              <a:tr h="213000">
+                <a:tc>
+                  <a:txBody>
+                    <a:bodyPr/>
+                    <a:lstStyle/>
+                    <a:p>
+                      <a:endParaRPr lang="zh-TW" altLang="en-US" sz="1100" dirty="0"/>
+                    </a:p>
+                  </a:txBody>
+                  <a:tcPr marL="38867" marR="38867" marT="19435" marB="19435"/>
+                </a:tc>
+                <a:tc>
+                  <a:txBody>
+                    <a:bodyPr/>
+                    <a:lstStyle/>
+                    <a:p>
+                      <a:endParaRPr lang="zh-TW" altLang="en-US" sz="1100"/>
+                    </a:p>
+                  </a:txBody>
+                  <a:tcPr marL="38867" marR="38867" marT="19435" marB="19435"/>
+                </a:tc>
+                <a:tc>
+                  <a:txBody>
+                    <a:bodyPr/>
+                    <a:lstStyle/>
+                    <a:p>
+                      <a:endParaRPr lang="zh-TW" altLang="en-US" sz="1100"/>
+                    </a:p>
+                  </a:txBody>
+                  <a:tcPr marL="38867" marR="38867" marT="19435" marB="19435"/>
+                </a:tc>
+                <a:tc>
+                  <a:txBody>
+                    <a:bodyPr/>
+                    <a:lstStyle/>
+                    <a:p>
+                      <a:endParaRPr lang="zh-TW" altLang="en-US" sz="1100"/>
+                    </a:p>
+                  </a:txBody>
+                  <a:tcPr marL="38867" marR="38867" marT="19435" marB="19435"/>
+                </a:tc>
+                <a:tc>
+                  <a:txBody>
+                    <a:bodyPr/>
+                    <a:lstStyle/>
+                    <a:p>
+                      <a:endParaRPr lang="zh-TW" altLang="en-US" sz="1100" dirty="0"/>
+                    </a:p>
+                  </a:txBody>
+                  <a:tcPr marL="38867" marR="38867" marT="19435" marB="19435"/>
+                </a:tc>
+              </a:tr>
+              <a:tr h="213000">
+                <a:tc>
+                  <a:txBody>
+                    <a:bodyPr/>
+                    <a:lstStyle/>
+                    <a:p>
+                      <a:endParaRPr lang="zh-TW" altLang="en-US" sz="1100" dirty="0"/>
+                    </a:p>
+                  </a:txBody>
+                  <a:tcPr marL="38867" marR="38867" marT="19435" marB="19435"/>
+                </a:tc>
+                <a:tc>
+                  <a:txBody>
+                    <a:bodyPr/>
+                    <a:lstStyle/>
+                    <a:p>
+                      <a:endParaRPr lang="zh-TW" altLang="en-US" sz="1100"/>
+                    </a:p>
+                  </a:txBody>
+                  <a:tcPr marL="38867" marR="38867" marT="19435" marB="19435"/>
+                </a:tc>
+                <a:tc>
+                  <a:txBody>
+                    <a:bodyPr/>
+                    <a:lstStyle/>
+                    <a:p>
+                      <a:endParaRPr lang="zh-TW" altLang="en-US" sz="1100"/>
+                    </a:p>
+                  </a:txBody>
+                  <a:tcPr marL="38867" marR="38867" marT="19435" marB="19435"/>
+                </a:tc>
+                <a:tc>
+                  <a:txBody>
+                    <a:bodyPr/>
+                    <a:lstStyle/>
+                    <a:p>
+                      <a:endParaRPr lang="zh-TW" altLang="en-US" sz="1100"/>
+                    </a:p>
+                  </a:txBody>
+                  <a:tcPr marL="38867" marR="38867" marT="19435" marB="19435"/>
+                </a:tc>
+                <a:tc>
+                  <a:txBody>
+                    <a:bodyPr/>
+                    <a:lstStyle/>
+                    <a:p>
+                      <a:endParaRPr lang="zh-TW" altLang="en-US" sz="1100" dirty="0"/>
+                    </a:p>
+                  </a:txBody>
+                  <a:tcPr marL="38867" marR="38867" marT="19435" marB="19435"/>
+                </a:tc>
+              </a:tr>
+              <a:tr h="213000">
+                <a:tc>
+                  <a:txBody>
+                    <a:bodyPr/>
+                    <a:lstStyle/>
+                    <a:p>
+                      <a:endParaRPr lang="zh-TW" altLang="en-US" sz="1100" dirty="0"/>
+                    </a:p>
+                  </a:txBody>
+                  <a:tcPr marL="38867" marR="38867" marT="19435" marB="19435"/>
+                </a:tc>
+                <a:tc>
+                  <a:txBody>
+                    <a:bodyPr/>
+                    <a:lstStyle/>
+                    <a:p>
+                      <a:endParaRPr lang="zh-TW" altLang="en-US" sz="1100"/>
+                    </a:p>
+                  </a:txBody>
+                  <a:tcPr marL="38867" marR="38867" marT="19435" marB="19435"/>
+                </a:tc>
+                <a:tc>
+                  <a:txBody>
+                    <a:bodyPr/>
+                    <a:lstStyle/>
+                    <a:p>
+                      <a:endParaRPr lang="zh-TW" altLang="en-US" sz="1100"/>
+                    </a:p>
+                  </a:txBody>
+                  <a:tcPr marL="38867" marR="38867" marT="19435" marB="19435"/>
+                </a:tc>
+                <a:tc>
+                  <a:txBody>
+                    <a:bodyPr/>
+                    <a:lstStyle/>
+                    <a:p>
+                      <a:endParaRPr lang="zh-TW" altLang="en-US" sz="1100"/>
+                    </a:p>
+                  </a:txBody>
+                  <a:tcPr marL="38867" marR="38867" marT="19435" marB="19435"/>
+                </a:tc>
+                <a:tc>
+                  <a:txBody>
+                    <a:bodyPr/>
+                    <a:lstStyle/>
+                    <a:p>
+                      <a:endParaRPr lang="zh-TW" altLang="en-US" sz="1100" dirty="0"/>
+                    </a:p>
+                  </a:txBody>
+                  <a:tcPr marL="38867" marR="38867" marT="19435" marB="19435"/>
+                </a:tc>
+              </a:tr>
+              <a:tr h="213000">
+                <a:tc>
+                  <a:txBody>
+                    <a:bodyPr/>
+                    <a:lstStyle/>
+                    <a:p>
+                      <a:endParaRPr lang="zh-TW" altLang="en-US" sz="1100" dirty="0"/>
+                    </a:p>
+                  </a:txBody>
+                  <a:tcPr marL="38867" marR="38867" marT="19435" marB="19435"/>
+                </a:tc>
+                <a:tc>
+                  <a:txBody>
+                    <a:bodyPr/>
+                    <a:lstStyle/>
+                    <a:p>
+                      <a:endParaRPr lang="zh-TW" altLang="en-US" sz="1100"/>
+                    </a:p>
+                  </a:txBody>
+                  <a:tcPr marL="38867" marR="38867" marT="19435" marB="19435"/>
+                </a:tc>
+                <a:tc>
+                  <a:txBody>
+                    <a:bodyPr/>
+                    <a:lstStyle/>
+                    <a:p>
+                      <a:endParaRPr lang="zh-TW" altLang="en-US" sz="1100"/>
+                    </a:p>
+                  </a:txBody>
+                  <a:tcPr marL="38867" marR="38867" marT="19435" marB="19435"/>
+                </a:tc>
+                <a:tc>
+                  <a:txBody>
+                    <a:bodyPr/>
+                    <a:lstStyle/>
+                    <a:p>
+                      <a:endParaRPr lang="zh-TW" altLang="en-US" sz="1100"/>
+                    </a:p>
+                  </a:txBody>
+                  <a:tcPr marL="38867" marR="38867" marT="19435" marB="19435"/>
+                </a:tc>
+                <a:tc>
+                  <a:txBody>
+                    <a:bodyPr/>
+                    <a:lstStyle/>
+                    <a:p>
+                      <a:endParaRPr lang="zh-TW" altLang="en-US" sz="1100" dirty="0"/>
+                    </a:p>
+                  </a:txBody>
+                  <a:tcPr marL="38867" marR="38867" marT="19435" marB="19435"/>
+                </a:tc>
+              </a:tr>
+              <a:tr h="213000">
+                <a:tc>
+                  <a:txBody>
+                    <a:bodyPr/>
+                    <a:lstStyle/>
+                    <a:p>
+                      <a:endParaRPr lang="zh-TW" altLang="en-US" sz="1100" dirty="0"/>
+                    </a:p>
+                  </a:txBody>
+                  <a:tcPr marL="38867" marR="38867" marT="19435" marB="19435"/>
+                </a:tc>
+                <a:tc>
+                  <a:txBody>
+                    <a:bodyPr/>
+                    <a:lstStyle/>
+                    <a:p>
+                      <a:endParaRPr lang="zh-TW" altLang="en-US" sz="1100" dirty="0"/>
+                    </a:p>
+                  </a:txBody>
+                  <a:tcPr marL="38867" marR="38867" marT="19435" marB="19435"/>
+                </a:tc>
+                <a:tc>
+                  <a:txBody>
+                    <a:bodyPr/>
+                    <a:lstStyle/>
+                    <a:p>
+                      <a:endParaRPr lang="zh-TW" altLang="en-US" sz="1100" dirty="0"/>
+                    </a:p>
+                  </a:txBody>
+                  <a:tcPr marL="38867" marR="38867" marT="19435" marB="19435"/>
+                </a:tc>
+                <a:tc>
+                  <a:txBody>
+                    <a:bodyPr/>
+                    <a:lstStyle/>
+                    <a:p>
+                      <a:endParaRPr lang="zh-TW" altLang="en-US" sz="1100" dirty="0"/>
+                    </a:p>
+                  </a:txBody>
+                  <a:tcPr marL="38867" marR="38867" marT="19435" marB="19435"/>
+                </a:tc>
+                <a:tc>
+                  <a:txBody>
+                    <a:bodyPr/>
+                    <a:lstStyle/>
+                    <a:p>
+                      <a:endParaRPr lang="zh-TW" altLang="en-US" sz="1100" dirty="0"/>
+                    </a:p>
+                  </a:txBody>
+                  <a:tcPr marL="38867" marR="38867" marT="19435" marB="19435"/>
+                </a:tc>
+              </a:tr>
+              <a:tr h="213000">
+                <a:tc>
+                  <a:txBody>
+                    <a:bodyPr/>
+                    <a:lstStyle/>
+                    <a:p>
+                      <a:endParaRPr lang="zh-TW" altLang="en-US" sz="1100" dirty="0"/>
+                    </a:p>
+                  </a:txBody>
+                  <a:tcPr marL="38867" marR="38867" marT="19435" marB="19435"/>
+                </a:tc>
+                <a:tc>
+                  <a:txBody>
+                    <a:bodyPr/>
+                    <a:lstStyle/>
+                    <a:p>
+                      <a:endParaRPr lang="zh-TW" altLang="en-US" sz="1100" dirty="0"/>
+                    </a:p>
+                  </a:txBody>
+                  <a:tcPr marL="38867" marR="38867" marT="19435" marB="19435"/>
+                </a:tc>
+                <a:tc>
+                  <a:txBody>
+                    <a:bodyPr/>
+                    <a:lstStyle/>
+                    <a:p>
+                      <a:endParaRPr lang="zh-TW" altLang="en-US" sz="1100"/>
+                    </a:p>
+                  </a:txBody>
+                  <a:tcPr marL="38867" marR="38867" marT="19435" marB="19435"/>
+                </a:tc>
+                <a:tc>
+                  <a:txBody>
+                    <a:bodyPr/>
+                    <a:lstStyle/>
+                    <a:p>
+                      <a:endParaRPr lang="zh-TW" altLang="en-US" sz="1100"/>
+                    </a:p>
+                  </a:txBody>
+                  <a:tcPr marL="38867" marR="38867" marT="19435" marB="19435"/>
+                </a:tc>
+                <a:tc>
+                  <a:txBody>
+                    <a:bodyPr/>
+                    <a:lstStyle/>
+                    <a:p>
+                      <a:endParaRPr lang="zh-TW" altLang="en-US" sz="1100" dirty="0"/>
+                    </a:p>
+                  </a:txBody>
+                  <a:tcPr marL="38867" marR="38867" marT="19435" marB="19435"/>
+                </a:tc>
+              </a:tr>
+            </a:tbl>
+          </a:graphicData>
+        </a:graphic>
+      </p:graphicFrame>
+      <p:sp>
+        <p:nvSpPr>
+          <p:cNvPr id="8" name="矩形 7"/>
+          <p:cNvSpPr/>
+          <p:nvPr/>
+        </p:nvSpPr>
+        <p:spPr>
+          <a:xfrm>
+            <a:off x="-248096" y="1505989"/>
+            <a:ext cx="4943855" cy="2462213"/>
+          </a:xfrm>
+          <a:prstGeom prst="rect">
+            <a:avLst/>
+          </a:prstGeom>
+        </p:spPr>
+        <p:txBody>
+          <a:bodyPr wrap="square">
+            <a:spAutoFit/>
+          </a:bodyPr>
+          <a:lstStyle/>
+          <a:p>
+            <a:r>
+              <a:rPr lang="en-US" altLang="zh-TW" sz="1400" dirty="0"/>
+              <a:t> </a:t>
+            </a:r>
+            <a:r>
+              <a:rPr lang="en-US" altLang="zh-TW" sz="1400" dirty="0" smtClean="0"/>
+              <a:t>       </a:t>
+            </a:r>
+            <a:r>
+              <a:rPr lang="en-US" altLang="zh-TW" sz="1400" dirty="0" err="1" smtClean="0">
+                <a:solidFill>
+                  <a:schemeClr val="bg1"/>
+                </a:solidFill>
+              </a:rPr>
+              <a:t>yearID</a:t>
+            </a:r>
+            <a:r>
+              <a:rPr lang="en-US" altLang="zh-TW" sz="1400" dirty="0" smtClean="0">
+                <a:solidFill>
+                  <a:schemeClr val="bg1"/>
+                </a:solidFill>
+              </a:rPr>
+              <a:t>        </a:t>
+            </a:r>
+            <a:r>
+              <a:rPr lang="en-US" altLang="zh-TW" sz="1400" dirty="0" err="1" smtClean="0">
+                <a:solidFill>
+                  <a:schemeClr val="bg1"/>
+                </a:solidFill>
+              </a:rPr>
+              <a:t>teamID</a:t>
+            </a:r>
+            <a:r>
+              <a:rPr lang="en-US" altLang="zh-TW" sz="1400" dirty="0" smtClean="0">
+                <a:solidFill>
+                  <a:schemeClr val="bg1"/>
+                </a:solidFill>
+              </a:rPr>
+              <a:t>         </a:t>
+            </a:r>
+            <a:r>
+              <a:rPr lang="en-US" altLang="zh-TW" sz="1400" dirty="0" err="1" smtClean="0">
+                <a:solidFill>
+                  <a:schemeClr val="bg1"/>
+                </a:solidFill>
+              </a:rPr>
+              <a:t>lgID</a:t>
+            </a:r>
+            <a:r>
+              <a:rPr lang="en-US" altLang="zh-TW" sz="1400" dirty="0" smtClean="0">
+                <a:solidFill>
+                  <a:schemeClr val="bg1"/>
+                </a:solidFill>
+              </a:rPr>
+              <a:t>        </a:t>
+            </a:r>
+            <a:r>
+              <a:rPr lang="en-US" altLang="zh-TW" sz="1400" dirty="0" err="1" smtClean="0">
+                <a:solidFill>
+                  <a:schemeClr val="bg1"/>
+                </a:solidFill>
+              </a:rPr>
+              <a:t>playerID</a:t>
+            </a:r>
+            <a:r>
+              <a:rPr lang="en-US" altLang="zh-TW" sz="1400" dirty="0" smtClean="0">
+                <a:solidFill>
+                  <a:schemeClr val="bg1"/>
+                </a:solidFill>
+              </a:rPr>
+              <a:t>   </a:t>
+            </a:r>
+            <a:r>
+              <a:rPr lang="zh-TW" altLang="en-US" sz="1400" dirty="0" smtClean="0">
+                <a:solidFill>
+                  <a:schemeClr val="bg1"/>
+                </a:solidFill>
+              </a:rPr>
+              <a:t>  </a:t>
+            </a:r>
+            <a:r>
+              <a:rPr lang="en-US" altLang="zh-TW" sz="1400" dirty="0" smtClean="0">
+                <a:solidFill>
+                  <a:schemeClr val="bg1"/>
+                </a:solidFill>
+              </a:rPr>
+              <a:t> </a:t>
+            </a:r>
+            <a:r>
+              <a:rPr lang="zh-TW" altLang="en-US" sz="1400" dirty="0" smtClean="0">
+                <a:solidFill>
+                  <a:schemeClr val="bg1"/>
+                </a:solidFill>
+              </a:rPr>
+              <a:t> </a:t>
+            </a:r>
+            <a:r>
+              <a:rPr lang="en-US" altLang="zh-TW" sz="1400" dirty="0" smtClean="0">
+                <a:solidFill>
+                  <a:schemeClr val="bg1"/>
+                </a:solidFill>
+              </a:rPr>
+              <a:t> salary</a:t>
+            </a:r>
+          </a:p>
+          <a:p>
+            <a:r>
+              <a:rPr lang="en-US" altLang="zh-TW" sz="1400" dirty="0" smtClean="0"/>
+              <a:t> </a:t>
+            </a:r>
+            <a:r>
+              <a:rPr lang="zh-TW" altLang="en-US" sz="1400" dirty="0" smtClean="0"/>
+              <a:t>  </a:t>
+            </a:r>
+            <a:r>
+              <a:rPr lang="en-US" altLang="zh-TW" sz="1400" dirty="0" smtClean="0"/>
+              <a:t>      </a:t>
+            </a:r>
+            <a:r>
+              <a:rPr lang="en-US" altLang="zh-TW" sz="1400" dirty="0"/>
+              <a:t>1985 </a:t>
+            </a:r>
+            <a:r>
+              <a:rPr lang="en-US" altLang="zh-TW" sz="1400" dirty="0" smtClean="0"/>
+              <a:t>           </a:t>
+            </a:r>
+            <a:r>
+              <a:rPr lang="en-US" altLang="zh-TW" sz="1400" dirty="0"/>
+              <a:t>ATL  </a:t>
+            </a:r>
+            <a:r>
+              <a:rPr lang="en-US" altLang="zh-TW" sz="1400" dirty="0" smtClean="0"/>
+              <a:t>           </a:t>
+            </a:r>
+            <a:r>
+              <a:rPr lang="en-US" altLang="zh-TW" sz="1400" dirty="0"/>
+              <a:t>NL </a:t>
+            </a:r>
+            <a:r>
+              <a:rPr lang="en-US" altLang="zh-TW" sz="1400" dirty="0" smtClean="0"/>
+              <a:t>        barkele01   </a:t>
+            </a:r>
+            <a:r>
+              <a:rPr lang="zh-TW" altLang="en-US" sz="1400" dirty="0" smtClean="0"/>
+              <a:t> </a:t>
+            </a:r>
+            <a:r>
+              <a:rPr lang="en-US" altLang="zh-TW" sz="1400" dirty="0" smtClean="0"/>
+              <a:t> 870000</a:t>
+            </a:r>
+            <a:endParaRPr lang="en-US" altLang="zh-TW" sz="1400" dirty="0"/>
+          </a:p>
+          <a:p>
+            <a:r>
+              <a:rPr lang="en-US" altLang="zh-TW" sz="1400" dirty="0" smtClean="0"/>
+              <a:t> </a:t>
+            </a:r>
+            <a:r>
+              <a:rPr lang="zh-TW" altLang="en-US" sz="1400" dirty="0" smtClean="0"/>
+              <a:t>  </a:t>
+            </a:r>
+            <a:r>
+              <a:rPr lang="en-US" altLang="zh-TW" sz="1400" dirty="0" smtClean="0"/>
+              <a:t>      1985            ATL             </a:t>
+            </a:r>
+            <a:r>
+              <a:rPr lang="en-US" altLang="zh-TW" sz="1400" dirty="0"/>
+              <a:t>NL </a:t>
+            </a:r>
+            <a:r>
+              <a:rPr lang="en-US" altLang="zh-TW" sz="1400" dirty="0" smtClean="0"/>
+              <a:t>        bedrost01  </a:t>
+            </a:r>
+            <a:r>
+              <a:rPr lang="zh-TW" altLang="en-US" sz="1400" dirty="0" smtClean="0"/>
+              <a:t> </a:t>
+            </a:r>
+            <a:r>
+              <a:rPr lang="en-US" altLang="zh-TW" sz="1400" dirty="0" smtClean="0"/>
+              <a:t> 550000</a:t>
+            </a:r>
+          </a:p>
+          <a:p>
+            <a:r>
+              <a:rPr lang="en-US" altLang="zh-TW" sz="1400" dirty="0" smtClean="0"/>
+              <a:t> </a:t>
+            </a:r>
+            <a:r>
+              <a:rPr lang="zh-TW" altLang="en-US" sz="1400" dirty="0" smtClean="0"/>
+              <a:t>  </a:t>
+            </a:r>
+            <a:r>
+              <a:rPr lang="en-US" altLang="zh-TW" sz="1400" dirty="0" smtClean="0"/>
+              <a:t>      1985            ATL             NL        benedbr01  </a:t>
+            </a:r>
+            <a:r>
+              <a:rPr lang="zh-TW" altLang="en-US" sz="1400" dirty="0" smtClean="0"/>
+              <a:t>  </a:t>
+            </a:r>
+            <a:r>
+              <a:rPr lang="en-US" altLang="zh-TW" sz="1400" dirty="0" smtClean="0"/>
+              <a:t>545000</a:t>
+            </a:r>
+            <a:endParaRPr lang="en-US" altLang="zh-TW" sz="1400" dirty="0"/>
+          </a:p>
+          <a:p>
+            <a:r>
+              <a:rPr lang="en-US" altLang="zh-TW" sz="1400" dirty="0" smtClean="0"/>
+              <a:t> </a:t>
+            </a:r>
+            <a:r>
+              <a:rPr lang="zh-TW" altLang="en-US" sz="1400" dirty="0" smtClean="0"/>
+              <a:t>  </a:t>
+            </a:r>
+            <a:r>
+              <a:rPr lang="en-US" altLang="zh-TW" sz="1400" dirty="0" smtClean="0"/>
+              <a:t>      1985            ATL             </a:t>
+            </a:r>
+            <a:r>
+              <a:rPr lang="en-US" altLang="zh-TW" sz="1400" dirty="0"/>
+              <a:t>NL  </a:t>
+            </a:r>
+            <a:r>
+              <a:rPr lang="en-US" altLang="zh-TW" sz="1400" dirty="0" smtClean="0"/>
+              <a:t>       campri01    </a:t>
+            </a:r>
+            <a:r>
+              <a:rPr lang="zh-TW" altLang="en-US" sz="1400" dirty="0" smtClean="0"/>
+              <a:t> </a:t>
+            </a:r>
+            <a:r>
+              <a:rPr lang="en-US" altLang="zh-TW" sz="1400" dirty="0" smtClean="0"/>
+              <a:t>633333</a:t>
+            </a:r>
+            <a:endParaRPr lang="en-US" altLang="zh-TW" sz="1400" dirty="0"/>
+          </a:p>
+          <a:p>
+            <a:r>
+              <a:rPr lang="en-US" altLang="zh-TW" sz="1400" dirty="0" smtClean="0"/>
+              <a:t> </a:t>
+            </a:r>
+            <a:r>
+              <a:rPr lang="zh-TW" altLang="en-US" sz="1400" dirty="0" smtClean="0"/>
+              <a:t>  </a:t>
+            </a:r>
+            <a:r>
+              <a:rPr lang="en-US" altLang="zh-TW" sz="1400" dirty="0" smtClean="0"/>
+              <a:t>      1985            </a:t>
+            </a:r>
+            <a:r>
+              <a:rPr lang="en-US" altLang="zh-TW" sz="1400" dirty="0"/>
+              <a:t>ATL  </a:t>
+            </a:r>
+            <a:r>
+              <a:rPr lang="en-US" altLang="zh-TW" sz="1400" dirty="0" smtClean="0"/>
+              <a:t>           </a:t>
+            </a:r>
+            <a:r>
+              <a:rPr lang="en-US" altLang="zh-TW" sz="1400" dirty="0"/>
+              <a:t>NL </a:t>
+            </a:r>
+            <a:r>
+              <a:rPr lang="en-US" altLang="zh-TW" sz="1400" dirty="0" smtClean="0"/>
+              <a:t>        ceronri01     </a:t>
+            </a:r>
+            <a:r>
+              <a:rPr lang="en-US" altLang="zh-TW" sz="1400" dirty="0"/>
+              <a:t>625000</a:t>
+            </a:r>
+          </a:p>
+          <a:p>
+            <a:r>
+              <a:rPr lang="en-US" altLang="zh-TW" sz="1400" dirty="0" smtClean="0"/>
+              <a:t> </a:t>
+            </a:r>
+            <a:r>
+              <a:rPr lang="zh-TW" altLang="en-US" sz="1400" dirty="0" smtClean="0"/>
+              <a:t>  </a:t>
+            </a:r>
+            <a:r>
+              <a:rPr lang="en-US" altLang="zh-TW" sz="1400" dirty="0" smtClean="0"/>
+              <a:t>      </a:t>
+            </a:r>
+            <a:r>
+              <a:rPr lang="en-US" altLang="zh-TW" sz="1400" dirty="0"/>
+              <a:t>1985   </a:t>
+            </a:r>
+            <a:r>
+              <a:rPr lang="en-US" altLang="zh-TW" sz="1400" dirty="0" smtClean="0"/>
+              <a:t>         </a:t>
+            </a:r>
+            <a:r>
+              <a:rPr lang="en-US" altLang="zh-TW" sz="1400" dirty="0"/>
+              <a:t>ATL  </a:t>
+            </a:r>
+            <a:r>
+              <a:rPr lang="en-US" altLang="zh-TW" sz="1400" dirty="0" smtClean="0"/>
+              <a:t>           </a:t>
+            </a:r>
+            <a:r>
+              <a:rPr lang="en-US" altLang="zh-TW" sz="1400" dirty="0"/>
+              <a:t>NL </a:t>
+            </a:r>
+            <a:r>
+              <a:rPr lang="en-US" altLang="zh-TW" sz="1400" dirty="0" smtClean="0"/>
+              <a:t>       chambch01 </a:t>
+            </a:r>
+            <a:r>
+              <a:rPr lang="zh-TW" altLang="en-US" sz="1400" dirty="0" smtClean="0"/>
+              <a:t>  </a:t>
+            </a:r>
+            <a:r>
+              <a:rPr lang="en-US" altLang="zh-TW" sz="1400" dirty="0" smtClean="0"/>
+              <a:t>800000</a:t>
+            </a:r>
+          </a:p>
+          <a:p>
+            <a:r>
+              <a:rPr lang="en-US" altLang="zh-TW" sz="1400" dirty="0" smtClean="0"/>
+              <a:t> </a:t>
+            </a:r>
+            <a:r>
+              <a:rPr lang="zh-TW" altLang="en-US" sz="1400" dirty="0" smtClean="0"/>
+              <a:t>  </a:t>
+            </a:r>
+            <a:r>
+              <a:rPr lang="en-US" altLang="zh-TW" sz="1400" dirty="0" smtClean="0"/>
+              <a:t>      1985            ATL             NL        dedmoje01 </a:t>
+            </a:r>
+            <a:r>
+              <a:rPr lang="zh-TW" altLang="en-US" sz="1400" dirty="0" smtClean="0"/>
+              <a:t> </a:t>
+            </a:r>
+            <a:r>
+              <a:rPr lang="en-US" altLang="zh-TW" sz="1400" dirty="0" smtClean="0"/>
+              <a:t> </a:t>
+            </a:r>
+            <a:r>
+              <a:rPr lang="en-US" altLang="zh-TW" sz="1400" dirty="0"/>
+              <a:t>150000</a:t>
+            </a:r>
+          </a:p>
+          <a:p>
+            <a:r>
+              <a:rPr lang="en-US" altLang="zh-TW" sz="1400" dirty="0" smtClean="0"/>
+              <a:t> </a:t>
+            </a:r>
+            <a:r>
+              <a:rPr lang="zh-TW" altLang="en-US" sz="1400" dirty="0" smtClean="0"/>
+              <a:t>  </a:t>
+            </a:r>
+            <a:r>
+              <a:rPr lang="en-US" altLang="zh-TW" sz="1400" dirty="0" smtClean="0"/>
+              <a:t>      1985            ATL             </a:t>
+            </a:r>
+            <a:r>
+              <a:rPr lang="en-US" altLang="zh-TW" sz="1400" dirty="0"/>
+              <a:t>NL </a:t>
+            </a:r>
+            <a:r>
+              <a:rPr lang="en-US" altLang="zh-TW" sz="1400" dirty="0" smtClean="0"/>
+              <a:t>      </a:t>
+            </a:r>
+            <a:r>
+              <a:rPr lang="zh-TW" altLang="en-US" sz="1400" dirty="0" smtClean="0"/>
+              <a:t> </a:t>
+            </a:r>
+            <a:r>
+              <a:rPr lang="en-US" altLang="zh-TW" sz="1400" dirty="0" smtClean="0"/>
+              <a:t> forstte01   </a:t>
+            </a:r>
+            <a:r>
+              <a:rPr lang="zh-TW" altLang="en-US" sz="1400" dirty="0" smtClean="0"/>
+              <a:t> </a:t>
+            </a:r>
+            <a:r>
+              <a:rPr lang="en-US" altLang="zh-TW" sz="1400" dirty="0" smtClean="0"/>
+              <a:t>  483333</a:t>
+            </a:r>
+            <a:endParaRPr lang="en-US" altLang="zh-TW" sz="1400" dirty="0"/>
+          </a:p>
+          <a:p>
+            <a:r>
+              <a:rPr lang="en-US" altLang="zh-TW" sz="1400" dirty="0" smtClean="0"/>
+              <a:t> </a:t>
+            </a:r>
+            <a:r>
+              <a:rPr lang="zh-TW" altLang="en-US" sz="1400" dirty="0" smtClean="0"/>
+              <a:t>  </a:t>
+            </a:r>
+            <a:r>
+              <a:rPr lang="en-US" altLang="zh-TW" sz="1400" dirty="0" smtClean="0"/>
+              <a:t>      1985            </a:t>
+            </a:r>
+            <a:r>
+              <a:rPr lang="en-US" altLang="zh-TW" sz="1400" dirty="0"/>
+              <a:t>ATL  </a:t>
+            </a:r>
+            <a:r>
+              <a:rPr lang="en-US" altLang="zh-TW" sz="1400" dirty="0" smtClean="0"/>
+              <a:t>           </a:t>
+            </a:r>
+            <a:r>
+              <a:rPr lang="en-US" altLang="zh-TW" sz="1400" dirty="0"/>
+              <a:t>NL </a:t>
+            </a:r>
+            <a:r>
+              <a:rPr lang="en-US" altLang="zh-TW" sz="1400" dirty="0" smtClean="0"/>
+              <a:t>       garbege01  </a:t>
+            </a:r>
+            <a:r>
+              <a:rPr lang="zh-TW" altLang="en-US" sz="1400" dirty="0" smtClean="0"/>
+              <a:t> </a:t>
+            </a:r>
+            <a:r>
+              <a:rPr lang="en-US" altLang="zh-TW" sz="1400" dirty="0" smtClean="0"/>
+              <a:t> 772000 </a:t>
+            </a:r>
+          </a:p>
+          <a:p>
+            <a:r>
+              <a:rPr lang="zh-TW" altLang="en-US" sz="1400" dirty="0"/>
+              <a:t> </a:t>
+            </a:r>
+            <a:r>
+              <a:rPr lang="zh-TW" altLang="en-US" sz="1400" dirty="0" smtClean="0"/>
+              <a:t>   </a:t>
+            </a:r>
+            <a:r>
+              <a:rPr lang="en-US" altLang="zh-TW" sz="1400" dirty="0" smtClean="0"/>
+              <a:t>     1985            ATL             NL        </a:t>
+            </a:r>
+            <a:r>
+              <a:rPr lang="en-US" altLang="zh-TW" sz="1400" dirty="0"/>
+              <a:t>harpete01  </a:t>
+            </a:r>
+            <a:r>
+              <a:rPr lang="zh-TW" altLang="en-US" sz="1400" dirty="0" smtClean="0"/>
+              <a:t> </a:t>
+            </a:r>
+            <a:r>
+              <a:rPr lang="en-US" altLang="zh-TW" sz="1400" dirty="0" smtClean="0"/>
+              <a:t> </a:t>
+            </a:r>
+            <a:r>
+              <a:rPr lang="zh-TW" altLang="en-US" sz="1400" dirty="0" smtClean="0"/>
+              <a:t> </a:t>
+            </a:r>
+            <a:r>
+              <a:rPr lang="en-US" altLang="zh-TW" sz="1400" dirty="0" smtClean="0"/>
+              <a:t>250000</a:t>
+            </a:r>
+            <a:endParaRPr lang="zh-TW" altLang="en-US" sz="1400" dirty="0"/>
+          </a:p>
+        </p:txBody>
+      </p:sp>
+      <p:sp>
+        <p:nvSpPr>
+          <p:cNvPr id="9" name="文字方塊 8"/>
+          <p:cNvSpPr txBox="1"/>
+          <p:nvPr/>
+        </p:nvSpPr>
+        <p:spPr>
+          <a:xfrm>
+            <a:off x="2137376" y="3872075"/>
+            <a:ext cx="461665" cy="273664"/>
+          </a:xfrm>
+          <a:prstGeom prst="rect">
+            <a:avLst/>
+          </a:prstGeom>
+          <a:noFill/>
+        </p:spPr>
+        <p:txBody>
+          <a:bodyPr vert="eaVert" wrap="square" rtlCol="0">
+            <a:spAutoFit/>
+          </a:bodyPr>
+          <a:lstStyle/>
+          <a:p>
+            <a:r>
+              <a:rPr lang="en-US" altLang="zh-TW" dirty="0" smtClean="0"/>
+              <a:t>…</a:t>
+            </a:r>
+            <a:endParaRPr lang="zh-TW" altLang="en-US" dirty="0"/>
+          </a:p>
+        </p:txBody>
+      </p:sp>
+      <p:sp>
+        <p:nvSpPr>
+          <p:cNvPr id="10" name="文字方塊 9"/>
+          <p:cNvSpPr txBox="1"/>
+          <p:nvPr/>
+        </p:nvSpPr>
+        <p:spPr>
+          <a:xfrm>
+            <a:off x="2137375" y="4085733"/>
+            <a:ext cx="461665" cy="273664"/>
+          </a:xfrm>
+          <a:prstGeom prst="rect">
+            <a:avLst/>
+          </a:prstGeom>
+          <a:noFill/>
+        </p:spPr>
+        <p:txBody>
+          <a:bodyPr vert="eaVert" wrap="square" rtlCol="0">
+            <a:spAutoFit/>
+          </a:bodyPr>
+          <a:lstStyle/>
+          <a:p>
+            <a:r>
+              <a:rPr lang="en-US" altLang="zh-TW" dirty="0" smtClean="0"/>
+              <a:t>…</a:t>
+            </a:r>
+            <a:endParaRPr lang="zh-TW" altLang="en-US" dirty="0"/>
+          </a:p>
+        </p:txBody>
+      </p:sp>
+      <p:sp>
+        <p:nvSpPr>
+          <p:cNvPr id="11" name="文字方塊 10"/>
+          <p:cNvSpPr txBox="1"/>
+          <p:nvPr/>
+        </p:nvSpPr>
+        <p:spPr>
+          <a:xfrm>
+            <a:off x="-21224" y="4288951"/>
+            <a:ext cx="4634118" cy="307777"/>
+          </a:xfrm>
+          <a:prstGeom prst="rect">
+            <a:avLst/>
+          </a:prstGeom>
+          <a:noFill/>
+        </p:spPr>
+        <p:txBody>
+          <a:bodyPr wrap="square" rtlCol="0">
+            <a:spAutoFit/>
+          </a:bodyPr>
+          <a:lstStyle/>
+          <a:p>
+            <a:r>
+              <a:rPr lang="en-US" altLang="zh-TW" sz="1400" dirty="0"/>
+              <a:t>[ reached </a:t>
+            </a:r>
+            <a:r>
+              <a:rPr lang="en-US" altLang="zh-TW" sz="1400" dirty="0" err="1"/>
+              <a:t>getOption</a:t>
+            </a:r>
+            <a:r>
+              <a:rPr lang="en-US" altLang="zh-TW" sz="1400" dirty="0"/>
+              <a:t>("</a:t>
+            </a:r>
+            <a:r>
+              <a:rPr lang="en-US" altLang="zh-TW" sz="1400" dirty="0" err="1"/>
+              <a:t>max.print</a:t>
+            </a:r>
+            <a:r>
+              <a:rPr lang="en-US" altLang="zh-TW" sz="1400" dirty="0"/>
+              <a:t>") -- omitted 26228 rows ]</a:t>
+            </a:r>
+            <a:endParaRPr lang="zh-TW" altLang="en-US" sz="1400" dirty="0"/>
+          </a:p>
+        </p:txBody>
+      </p:sp>
+      <p:graphicFrame>
+        <p:nvGraphicFramePr>
+          <p:cNvPr id="13" name="表格 12"/>
+          <p:cNvGraphicFramePr>
+            <a:graphicFrameLocks noGrp="1"/>
+          </p:cNvGraphicFramePr>
+          <p:nvPr/>
+        </p:nvGraphicFramePr>
+        <p:xfrm>
+          <a:off x="4612893" y="1554039"/>
+          <a:ext cx="4517593" cy="2982000"/>
+        </p:xfrm>
+        <a:graphic>
+          <a:graphicData uri="http://schemas.openxmlformats.org/drawingml/2006/table">
+            <a:tbl>
+              <a:tblPr firstRow="1" lastRow="1">
+                <a:tableStyleId>{5C22544A-7EE6-4342-B048-85BDC9FD1C3A}</a:tableStyleId>
+              </a:tblPr>
+              <a:tblGrid>
+                <a:gridCol w="900493"/>
+                <a:gridCol w="900493"/>
+                <a:gridCol w="900493"/>
+                <a:gridCol w="900493"/>
+                <a:gridCol w="915621"/>
+              </a:tblGrid>
+              <a:tr h="213000">
+                <a:tc>
+                  <a:txBody>
+                    <a:bodyPr/>
+                    <a:lstStyle/>
+                    <a:p>
+                      <a:endParaRPr lang="zh-TW" altLang="en-US" sz="1100" dirty="0"/>
+                    </a:p>
+                  </a:txBody>
+                  <a:tcPr marL="38867" marR="38867" marT="19435" marB="19435"/>
+                </a:tc>
+                <a:tc>
+                  <a:txBody>
+                    <a:bodyPr/>
+                    <a:lstStyle/>
+                    <a:p>
+                      <a:endParaRPr lang="zh-TW" altLang="en-US" sz="1100"/>
+                    </a:p>
+                  </a:txBody>
+                  <a:tcPr marL="38867" marR="38867" marT="19435" marB="19435"/>
+                </a:tc>
+                <a:tc>
+                  <a:txBody>
+                    <a:bodyPr/>
+                    <a:lstStyle/>
+                    <a:p>
+                      <a:endParaRPr lang="zh-TW" altLang="en-US" sz="1100"/>
+                    </a:p>
+                  </a:txBody>
+                  <a:tcPr marL="38867" marR="38867" marT="19435" marB="19435"/>
+                </a:tc>
+                <a:tc>
+                  <a:txBody>
+                    <a:bodyPr/>
+                    <a:lstStyle/>
+                    <a:p>
+                      <a:endParaRPr lang="zh-TW" altLang="en-US" sz="1100"/>
+                    </a:p>
+                  </a:txBody>
+                  <a:tcPr marL="38867" marR="38867" marT="19435" marB="19435"/>
+                </a:tc>
+                <a:tc>
+                  <a:txBody>
+                    <a:bodyPr/>
+                    <a:lstStyle/>
+                    <a:p>
+                      <a:endParaRPr lang="zh-TW" altLang="en-US" sz="1100" dirty="0"/>
+                    </a:p>
+                  </a:txBody>
+                  <a:tcPr marL="38867" marR="38867" marT="19435" marB="19435"/>
+                </a:tc>
+              </a:tr>
+              <a:tr h="213000">
+                <a:tc>
+                  <a:txBody>
+                    <a:bodyPr/>
+                    <a:lstStyle/>
+                    <a:p>
+                      <a:endParaRPr lang="zh-TW" altLang="en-US" sz="1100"/>
+                    </a:p>
+                  </a:txBody>
+                  <a:tcPr marL="38867" marR="38867" marT="19435" marB="19435"/>
+                </a:tc>
+                <a:tc>
+                  <a:txBody>
+                    <a:bodyPr/>
+                    <a:lstStyle/>
+                    <a:p>
+                      <a:endParaRPr lang="zh-TW" altLang="en-US" sz="1100"/>
+                    </a:p>
+                  </a:txBody>
+                  <a:tcPr marL="38867" marR="38867" marT="19435" marB="19435"/>
+                </a:tc>
+                <a:tc>
+                  <a:txBody>
+                    <a:bodyPr/>
+                    <a:lstStyle/>
+                    <a:p>
+                      <a:endParaRPr lang="zh-TW" altLang="en-US" sz="1100"/>
+                    </a:p>
+                  </a:txBody>
+                  <a:tcPr marL="38867" marR="38867" marT="19435" marB="19435"/>
+                </a:tc>
+                <a:tc>
+                  <a:txBody>
+                    <a:bodyPr/>
+                    <a:lstStyle/>
+                    <a:p>
+                      <a:endParaRPr lang="zh-TW" altLang="en-US" sz="1100"/>
+                    </a:p>
+                  </a:txBody>
+                  <a:tcPr marL="38867" marR="38867" marT="19435" marB="19435"/>
+                </a:tc>
+                <a:tc>
+                  <a:txBody>
+                    <a:bodyPr/>
+                    <a:lstStyle/>
+                    <a:p>
+                      <a:endParaRPr lang="zh-TW" altLang="en-US" sz="1100"/>
+                    </a:p>
+                  </a:txBody>
+                  <a:tcPr marL="38867" marR="38867" marT="19435" marB="19435"/>
+                </a:tc>
+              </a:tr>
+              <a:tr h="213000">
+                <a:tc>
+                  <a:txBody>
+                    <a:bodyPr/>
+                    <a:lstStyle/>
+                    <a:p>
+                      <a:endParaRPr lang="zh-TW" altLang="en-US" sz="1100"/>
+                    </a:p>
+                  </a:txBody>
+                  <a:tcPr marL="38867" marR="38867" marT="19435" marB="19435"/>
+                </a:tc>
+                <a:tc>
+                  <a:txBody>
+                    <a:bodyPr/>
+                    <a:lstStyle/>
+                    <a:p>
+                      <a:endParaRPr lang="zh-TW" altLang="en-US" sz="1100"/>
+                    </a:p>
+                  </a:txBody>
+                  <a:tcPr marL="38867" marR="38867" marT="19435" marB="19435"/>
+                </a:tc>
+                <a:tc>
+                  <a:txBody>
+                    <a:bodyPr/>
+                    <a:lstStyle/>
+                    <a:p>
+                      <a:endParaRPr lang="zh-TW" altLang="en-US" sz="1100"/>
+                    </a:p>
+                  </a:txBody>
+                  <a:tcPr marL="38867" marR="38867" marT="19435" marB="19435"/>
+                </a:tc>
+                <a:tc>
+                  <a:txBody>
+                    <a:bodyPr/>
+                    <a:lstStyle/>
+                    <a:p>
+                      <a:endParaRPr lang="zh-TW" altLang="en-US" sz="1100"/>
+                    </a:p>
+                  </a:txBody>
+                  <a:tcPr marL="38867" marR="38867" marT="19435" marB="19435"/>
+                </a:tc>
+                <a:tc>
+                  <a:txBody>
+                    <a:bodyPr/>
+                    <a:lstStyle/>
+                    <a:p>
+                      <a:endParaRPr lang="zh-TW" altLang="en-US" sz="1100" dirty="0"/>
+                    </a:p>
+                  </a:txBody>
+                  <a:tcPr marL="38867" marR="38867" marT="19435" marB="19435"/>
+                </a:tc>
+              </a:tr>
+              <a:tr h="213000">
+                <a:tc>
+                  <a:txBody>
+                    <a:bodyPr/>
+                    <a:lstStyle/>
+                    <a:p>
+                      <a:endParaRPr lang="zh-TW" altLang="en-US" sz="1100"/>
+                    </a:p>
+                  </a:txBody>
+                  <a:tcPr marL="38867" marR="38867" marT="19435" marB="19435"/>
+                </a:tc>
+                <a:tc>
+                  <a:txBody>
+                    <a:bodyPr/>
+                    <a:lstStyle/>
+                    <a:p>
+                      <a:endParaRPr lang="zh-TW" altLang="en-US" sz="1100"/>
+                    </a:p>
+                  </a:txBody>
+                  <a:tcPr marL="38867" marR="38867" marT="19435" marB="19435"/>
+                </a:tc>
+                <a:tc>
+                  <a:txBody>
+                    <a:bodyPr/>
+                    <a:lstStyle/>
+                    <a:p>
+                      <a:endParaRPr lang="zh-TW" altLang="en-US" sz="1100"/>
+                    </a:p>
+                  </a:txBody>
+                  <a:tcPr marL="38867" marR="38867" marT="19435" marB="19435"/>
+                </a:tc>
+                <a:tc>
+                  <a:txBody>
+                    <a:bodyPr/>
+                    <a:lstStyle/>
+                    <a:p>
+                      <a:endParaRPr lang="zh-TW" altLang="en-US" sz="1100"/>
+                    </a:p>
+                  </a:txBody>
+                  <a:tcPr marL="38867" marR="38867" marT="19435" marB="19435"/>
+                </a:tc>
+                <a:tc>
+                  <a:txBody>
+                    <a:bodyPr/>
+                    <a:lstStyle/>
+                    <a:p>
+                      <a:endParaRPr lang="zh-TW" altLang="en-US" sz="1100"/>
+                    </a:p>
+                  </a:txBody>
+                  <a:tcPr marL="38867" marR="38867" marT="19435" marB="19435"/>
+                </a:tc>
+              </a:tr>
+              <a:tr h="213000">
+                <a:tc>
+                  <a:txBody>
+                    <a:bodyPr/>
+                    <a:lstStyle/>
+                    <a:p>
+                      <a:endParaRPr lang="zh-TW" altLang="en-US" sz="1100"/>
+                    </a:p>
+                  </a:txBody>
+                  <a:tcPr marL="38867" marR="38867" marT="19435" marB="19435"/>
+                </a:tc>
+                <a:tc>
+                  <a:txBody>
+                    <a:bodyPr/>
+                    <a:lstStyle/>
+                    <a:p>
+                      <a:endParaRPr lang="zh-TW" altLang="en-US" sz="1100"/>
+                    </a:p>
+                  </a:txBody>
+                  <a:tcPr marL="38867" marR="38867" marT="19435" marB="19435"/>
+                </a:tc>
+                <a:tc>
+                  <a:txBody>
+                    <a:bodyPr/>
+                    <a:lstStyle/>
+                    <a:p>
+                      <a:endParaRPr lang="zh-TW" altLang="en-US" sz="1100"/>
+                    </a:p>
+                  </a:txBody>
+                  <a:tcPr marL="38867" marR="38867" marT="19435" marB="19435"/>
+                </a:tc>
+                <a:tc>
+                  <a:txBody>
+                    <a:bodyPr/>
+                    <a:lstStyle/>
+                    <a:p>
+                      <a:endParaRPr lang="zh-TW" altLang="en-US" sz="1100"/>
+                    </a:p>
+                  </a:txBody>
+                  <a:tcPr marL="38867" marR="38867" marT="19435" marB="19435"/>
+                </a:tc>
+                <a:tc>
+                  <a:txBody>
+                    <a:bodyPr/>
+                    <a:lstStyle/>
+                    <a:p>
+                      <a:endParaRPr lang="zh-TW" altLang="en-US" sz="1100"/>
+                    </a:p>
+                  </a:txBody>
+                  <a:tcPr marL="38867" marR="38867" marT="19435" marB="19435"/>
+                </a:tc>
+              </a:tr>
+              <a:tr h="213000">
+                <a:tc>
+                  <a:txBody>
+                    <a:bodyPr/>
+                    <a:lstStyle/>
+                    <a:p>
+                      <a:endParaRPr lang="zh-TW" altLang="en-US" sz="1100"/>
+                    </a:p>
+                  </a:txBody>
+                  <a:tcPr marL="38867" marR="38867" marT="19435" marB="19435"/>
+                </a:tc>
+                <a:tc>
+                  <a:txBody>
+                    <a:bodyPr/>
+                    <a:lstStyle/>
+                    <a:p>
+                      <a:endParaRPr lang="zh-TW" altLang="en-US" sz="1100"/>
+                    </a:p>
+                  </a:txBody>
+                  <a:tcPr marL="38867" marR="38867" marT="19435" marB="19435"/>
+                </a:tc>
+                <a:tc>
+                  <a:txBody>
+                    <a:bodyPr/>
+                    <a:lstStyle/>
+                    <a:p>
+                      <a:endParaRPr lang="zh-TW" altLang="en-US" sz="1100"/>
+                    </a:p>
+                  </a:txBody>
+                  <a:tcPr marL="38867" marR="38867" marT="19435" marB="19435"/>
+                </a:tc>
+                <a:tc>
+                  <a:txBody>
+                    <a:bodyPr/>
+                    <a:lstStyle/>
+                    <a:p>
+                      <a:endParaRPr lang="zh-TW" altLang="en-US" sz="1100"/>
+                    </a:p>
+                  </a:txBody>
+                  <a:tcPr marL="38867" marR="38867" marT="19435" marB="19435"/>
+                </a:tc>
+                <a:tc>
+                  <a:txBody>
+                    <a:bodyPr/>
+                    <a:lstStyle/>
+                    <a:p>
+                      <a:endParaRPr lang="zh-TW" altLang="en-US" sz="1100" dirty="0"/>
+                    </a:p>
+                  </a:txBody>
+                  <a:tcPr marL="38867" marR="38867" marT="19435" marB="19435"/>
+                </a:tc>
+              </a:tr>
+              <a:tr h="213000">
+                <a:tc>
+                  <a:txBody>
+                    <a:bodyPr/>
+                    <a:lstStyle/>
+                    <a:p>
+                      <a:endParaRPr lang="zh-TW" altLang="en-US" sz="1100"/>
+                    </a:p>
+                  </a:txBody>
+                  <a:tcPr marL="38867" marR="38867" marT="19435" marB="19435"/>
+                </a:tc>
+                <a:tc>
+                  <a:txBody>
+                    <a:bodyPr/>
+                    <a:lstStyle/>
+                    <a:p>
+                      <a:endParaRPr lang="zh-TW" altLang="en-US" sz="1100" dirty="0"/>
+                    </a:p>
+                  </a:txBody>
+                  <a:tcPr marL="38867" marR="38867" marT="19435" marB="19435"/>
+                </a:tc>
+                <a:tc>
+                  <a:txBody>
+                    <a:bodyPr/>
+                    <a:lstStyle/>
+                    <a:p>
+                      <a:endParaRPr lang="zh-TW" altLang="en-US" sz="1100"/>
+                    </a:p>
+                  </a:txBody>
+                  <a:tcPr marL="38867" marR="38867" marT="19435" marB="19435"/>
+                </a:tc>
+                <a:tc>
+                  <a:txBody>
+                    <a:bodyPr/>
+                    <a:lstStyle/>
+                    <a:p>
+                      <a:endParaRPr lang="zh-TW" altLang="en-US" sz="1100"/>
+                    </a:p>
+                  </a:txBody>
+                  <a:tcPr marL="38867" marR="38867" marT="19435" marB="19435"/>
+                </a:tc>
+                <a:tc>
+                  <a:txBody>
+                    <a:bodyPr/>
+                    <a:lstStyle/>
+                    <a:p>
+                      <a:endParaRPr lang="zh-TW" altLang="en-US" sz="1100" dirty="0"/>
+                    </a:p>
+                  </a:txBody>
+                  <a:tcPr marL="38867" marR="38867" marT="19435" marB="19435"/>
+                </a:tc>
+              </a:tr>
+              <a:tr h="213000">
+                <a:tc>
+                  <a:txBody>
+                    <a:bodyPr/>
+                    <a:lstStyle/>
+                    <a:p>
+                      <a:endParaRPr lang="zh-TW" altLang="en-US" sz="1100" dirty="0"/>
+                    </a:p>
+                  </a:txBody>
+                  <a:tcPr marL="38867" marR="38867" marT="19435" marB="19435"/>
+                </a:tc>
+                <a:tc>
+                  <a:txBody>
+                    <a:bodyPr/>
+                    <a:lstStyle/>
+                    <a:p>
+                      <a:endParaRPr lang="zh-TW" altLang="en-US" sz="1100"/>
+                    </a:p>
+                  </a:txBody>
+                  <a:tcPr marL="38867" marR="38867" marT="19435" marB="19435"/>
+                </a:tc>
+                <a:tc>
+                  <a:txBody>
+                    <a:bodyPr/>
+                    <a:lstStyle/>
+                    <a:p>
+                      <a:endParaRPr lang="zh-TW" altLang="en-US" sz="1100"/>
+                    </a:p>
+                  </a:txBody>
+                  <a:tcPr marL="38867" marR="38867" marT="19435" marB="19435"/>
+                </a:tc>
+                <a:tc>
+                  <a:txBody>
+                    <a:bodyPr/>
+                    <a:lstStyle/>
+                    <a:p>
+                      <a:endParaRPr lang="zh-TW" altLang="en-US" sz="1100"/>
+                    </a:p>
+                  </a:txBody>
+                  <a:tcPr marL="38867" marR="38867" marT="19435" marB="19435"/>
+                </a:tc>
+                <a:tc>
+                  <a:txBody>
+                    <a:bodyPr/>
+                    <a:lstStyle/>
+                    <a:p>
+                      <a:endParaRPr lang="zh-TW" altLang="en-US" sz="1100" dirty="0"/>
+                    </a:p>
+                  </a:txBody>
+                  <a:tcPr marL="38867" marR="38867" marT="19435" marB="19435"/>
+                </a:tc>
+              </a:tr>
+              <a:tr h="213000">
+                <a:tc>
+                  <a:txBody>
+                    <a:bodyPr/>
+                    <a:lstStyle/>
+                    <a:p>
+                      <a:endParaRPr lang="zh-TW" altLang="en-US" sz="1100" dirty="0"/>
+                    </a:p>
+                  </a:txBody>
+                  <a:tcPr marL="38867" marR="38867" marT="19435" marB="19435"/>
+                </a:tc>
+                <a:tc>
+                  <a:txBody>
+                    <a:bodyPr/>
+                    <a:lstStyle/>
+                    <a:p>
+                      <a:endParaRPr lang="zh-TW" altLang="en-US" sz="1100"/>
+                    </a:p>
+                  </a:txBody>
+                  <a:tcPr marL="38867" marR="38867" marT="19435" marB="19435"/>
+                </a:tc>
+                <a:tc>
+                  <a:txBody>
+                    <a:bodyPr/>
+                    <a:lstStyle/>
+                    <a:p>
+                      <a:endParaRPr lang="zh-TW" altLang="en-US" sz="1100"/>
+                    </a:p>
+                  </a:txBody>
+                  <a:tcPr marL="38867" marR="38867" marT="19435" marB="19435"/>
+                </a:tc>
+                <a:tc>
+                  <a:txBody>
+                    <a:bodyPr/>
+                    <a:lstStyle/>
+                    <a:p>
+                      <a:endParaRPr lang="zh-TW" altLang="en-US" sz="1100"/>
+                    </a:p>
+                  </a:txBody>
+                  <a:tcPr marL="38867" marR="38867" marT="19435" marB="19435"/>
+                </a:tc>
+                <a:tc>
+                  <a:txBody>
+                    <a:bodyPr/>
+                    <a:lstStyle/>
+                    <a:p>
+                      <a:endParaRPr lang="zh-TW" altLang="en-US" sz="1100" dirty="0"/>
+                    </a:p>
+                  </a:txBody>
+                  <a:tcPr marL="38867" marR="38867" marT="19435" marB="19435"/>
+                </a:tc>
+              </a:tr>
+              <a:tr h="213000">
+                <a:tc>
+                  <a:txBody>
+                    <a:bodyPr/>
+                    <a:lstStyle/>
+                    <a:p>
+                      <a:endParaRPr lang="zh-TW" altLang="en-US" sz="1100" dirty="0"/>
+                    </a:p>
+                  </a:txBody>
+                  <a:tcPr marL="38867" marR="38867" marT="19435" marB="19435"/>
+                </a:tc>
+                <a:tc>
+                  <a:txBody>
+                    <a:bodyPr/>
+                    <a:lstStyle/>
+                    <a:p>
+                      <a:endParaRPr lang="zh-TW" altLang="en-US" sz="1100" dirty="0"/>
+                    </a:p>
+                  </a:txBody>
+                  <a:tcPr marL="38867" marR="38867" marT="19435" marB="19435"/>
+                </a:tc>
+                <a:tc>
+                  <a:txBody>
+                    <a:bodyPr/>
+                    <a:lstStyle/>
+                    <a:p>
+                      <a:endParaRPr lang="zh-TW" altLang="en-US" sz="1100"/>
+                    </a:p>
+                  </a:txBody>
+                  <a:tcPr marL="38867" marR="38867" marT="19435" marB="19435"/>
+                </a:tc>
+                <a:tc>
+                  <a:txBody>
+                    <a:bodyPr/>
+                    <a:lstStyle/>
+                    <a:p>
+                      <a:endParaRPr lang="zh-TW" altLang="en-US" sz="1100"/>
+                    </a:p>
+                  </a:txBody>
+                  <a:tcPr marL="38867" marR="38867" marT="19435" marB="19435"/>
+                </a:tc>
+                <a:tc>
+                  <a:txBody>
+                    <a:bodyPr/>
+                    <a:lstStyle/>
+                    <a:p>
+                      <a:endParaRPr lang="zh-TW" altLang="en-US" sz="1100" dirty="0"/>
+                    </a:p>
+                  </a:txBody>
+                  <a:tcPr marL="38867" marR="38867" marT="19435" marB="19435"/>
+                </a:tc>
+              </a:tr>
+              <a:tr h="213000">
+                <a:tc>
+                  <a:txBody>
+                    <a:bodyPr/>
+                    <a:lstStyle/>
+                    <a:p>
+                      <a:endParaRPr lang="zh-TW" altLang="en-US" sz="1100" dirty="0"/>
+                    </a:p>
+                  </a:txBody>
+                  <a:tcPr marL="38867" marR="38867" marT="19435" marB="19435"/>
+                </a:tc>
+                <a:tc>
+                  <a:txBody>
+                    <a:bodyPr/>
+                    <a:lstStyle/>
+                    <a:p>
+                      <a:endParaRPr lang="zh-TW" altLang="en-US" sz="1100"/>
+                    </a:p>
+                  </a:txBody>
+                  <a:tcPr marL="38867" marR="38867" marT="19435" marB="19435"/>
+                </a:tc>
+                <a:tc>
+                  <a:txBody>
+                    <a:bodyPr/>
+                    <a:lstStyle/>
+                    <a:p>
+                      <a:endParaRPr lang="zh-TW" altLang="en-US" sz="1100"/>
+                    </a:p>
+                  </a:txBody>
+                  <a:tcPr marL="38867" marR="38867" marT="19435" marB="19435"/>
+                </a:tc>
+                <a:tc>
+                  <a:txBody>
+                    <a:bodyPr/>
+                    <a:lstStyle/>
+                    <a:p>
+                      <a:endParaRPr lang="zh-TW" altLang="en-US" sz="1100"/>
+                    </a:p>
+                  </a:txBody>
+                  <a:tcPr marL="38867" marR="38867" marT="19435" marB="19435"/>
+                </a:tc>
+                <a:tc>
+                  <a:txBody>
+                    <a:bodyPr/>
+                    <a:lstStyle/>
+                    <a:p>
+                      <a:endParaRPr lang="zh-TW" altLang="en-US" sz="1100" dirty="0"/>
+                    </a:p>
+                  </a:txBody>
+                  <a:tcPr marL="38867" marR="38867" marT="19435" marB="19435"/>
+                </a:tc>
+              </a:tr>
+              <a:tr h="213000">
+                <a:tc>
+                  <a:txBody>
+                    <a:bodyPr/>
+                    <a:lstStyle/>
+                    <a:p>
+                      <a:endParaRPr lang="zh-TW" altLang="en-US" sz="1100" dirty="0"/>
+                    </a:p>
+                  </a:txBody>
+                  <a:tcPr marL="38867" marR="38867" marT="19435" marB="19435"/>
+                </a:tc>
+                <a:tc>
+                  <a:txBody>
+                    <a:bodyPr/>
+                    <a:lstStyle/>
+                    <a:p>
+                      <a:endParaRPr lang="zh-TW" altLang="en-US" sz="1100" dirty="0"/>
+                    </a:p>
+                  </a:txBody>
+                  <a:tcPr marL="38867" marR="38867" marT="19435" marB="19435"/>
+                </a:tc>
+                <a:tc>
+                  <a:txBody>
+                    <a:bodyPr/>
+                    <a:lstStyle/>
+                    <a:p>
+                      <a:endParaRPr lang="zh-TW" altLang="en-US" sz="1100" dirty="0"/>
+                    </a:p>
+                  </a:txBody>
+                  <a:tcPr marL="38867" marR="38867" marT="19435" marB="19435"/>
+                </a:tc>
+                <a:tc>
+                  <a:txBody>
+                    <a:bodyPr/>
+                    <a:lstStyle/>
+                    <a:p>
+                      <a:endParaRPr lang="zh-TW" altLang="en-US" sz="1100" dirty="0"/>
+                    </a:p>
+                  </a:txBody>
+                  <a:tcPr marL="38867" marR="38867" marT="19435" marB="19435"/>
+                </a:tc>
+                <a:tc>
+                  <a:txBody>
+                    <a:bodyPr/>
+                    <a:lstStyle/>
+                    <a:p>
+                      <a:endParaRPr lang="zh-TW" altLang="en-US" sz="1100" dirty="0"/>
+                    </a:p>
+                  </a:txBody>
+                  <a:tcPr marL="38867" marR="38867" marT="19435" marB="19435"/>
+                </a:tc>
+              </a:tr>
+              <a:tr h="213000">
+                <a:tc>
+                  <a:txBody>
+                    <a:bodyPr/>
+                    <a:lstStyle/>
+                    <a:p>
+                      <a:endParaRPr lang="zh-TW" altLang="en-US" sz="1100" dirty="0"/>
+                    </a:p>
+                  </a:txBody>
+                  <a:tcPr marL="38867" marR="38867" marT="19435" marB="19435"/>
+                </a:tc>
+                <a:tc>
+                  <a:txBody>
+                    <a:bodyPr/>
+                    <a:lstStyle/>
+                    <a:p>
+                      <a:endParaRPr lang="zh-TW" altLang="en-US" sz="1100" dirty="0"/>
+                    </a:p>
+                  </a:txBody>
+                  <a:tcPr marL="38867" marR="38867" marT="19435" marB="19435"/>
+                </a:tc>
+                <a:tc>
+                  <a:txBody>
+                    <a:bodyPr/>
+                    <a:lstStyle/>
+                    <a:p>
+                      <a:endParaRPr lang="zh-TW" altLang="en-US" sz="1100"/>
+                    </a:p>
+                  </a:txBody>
+                  <a:tcPr marL="38867" marR="38867" marT="19435" marB="19435"/>
+                </a:tc>
+                <a:tc>
+                  <a:txBody>
+                    <a:bodyPr/>
+                    <a:lstStyle/>
+                    <a:p>
+                      <a:endParaRPr lang="zh-TW" altLang="en-US" sz="1100"/>
+                    </a:p>
+                  </a:txBody>
+                  <a:tcPr marL="38867" marR="38867" marT="19435" marB="19435"/>
+                </a:tc>
+                <a:tc>
+                  <a:txBody>
+                    <a:bodyPr/>
+                    <a:lstStyle/>
+                    <a:p>
+                      <a:endParaRPr lang="zh-TW" altLang="en-US" sz="1100" dirty="0"/>
+                    </a:p>
+                  </a:txBody>
+                  <a:tcPr marL="38867" marR="38867" marT="19435" marB="19435"/>
+                </a:tc>
+              </a:tr>
+              <a:tr h="213000">
+                <a:tc>
+                  <a:txBody>
+                    <a:bodyPr/>
+                    <a:lstStyle/>
+                    <a:p>
+                      <a:endParaRPr lang="zh-TW" altLang="en-US" sz="1100" dirty="0"/>
+                    </a:p>
+                  </a:txBody>
+                  <a:tcPr marL="38867" marR="38867" marT="19435" marB="19435"/>
+                </a:tc>
+                <a:tc>
+                  <a:txBody>
+                    <a:bodyPr/>
+                    <a:lstStyle/>
+                    <a:p>
+                      <a:endParaRPr lang="zh-TW" altLang="en-US" sz="1100" dirty="0"/>
+                    </a:p>
+                  </a:txBody>
+                  <a:tcPr marL="38867" marR="38867" marT="19435" marB="19435"/>
+                </a:tc>
+                <a:tc>
+                  <a:txBody>
+                    <a:bodyPr/>
+                    <a:lstStyle/>
+                    <a:p>
+                      <a:endParaRPr lang="zh-TW" altLang="en-US" sz="1100"/>
+                    </a:p>
+                  </a:txBody>
+                  <a:tcPr marL="38867" marR="38867" marT="19435" marB="19435"/>
+                </a:tc>
+                <a:tc>
+                  <a:txBody>
+                    <a:bodyPr/>
+                    <a:lstStyle/>
+                    <a:p>
+                      <a:endParaRPr lang="zh-TW" altLang="en-US" sz="1100"/>
+                    </a:p>
+                  </a:txBody>
+                  <a:tcPr marL="38867" marR="38867" marT="19435" marB="19435"/>
+                </a:tc>
+                <a:tc>
+                  <a:txBody>
+                    <a:bodyPr/>
+                    <a:lstStyle/>
+                    <a:p>
+                      <a:endParaRPr lang="zh-TW" altLang="en-US" sz="1100" dirty="0"/>
+                    </a:p>
+                  </a:txBody>
+                  <a:tcPr marL="38867" marR="38867" marT="19435" marB="19435"/>
+                </a:tc>
+              </a:tr>
+            </a:tbl>
+          </a:graphicData>
+        </a:graphic>
+      </p:graphicFrame>
+      <p:sp>
+        <p:nvSpPr>
+          <p:cNvPr id="15" name="矩形 14"/>
+          <p:cNvSpPr/>
+          <p:nvPr/>
+        </p:nvSpPr>
+        <p:spPr>
+          <a:xfrm>
+            <a:off x="4530620" y="1504260"/>
+            <a:ext cx="4678694" cy="3108543"/>
+          </a:xfrm>
+          <a:prstGeom prst="rect">
+            <a:avLst/>
+          </a:prstGeom>
+        </p:spPr>
+        <p:txBody>
+          <a:bodyPr wrap="square">
+            <a:spAutoFit/>
+          </a:bodyPr>
+          <a:lstStyle/>
+          <a:p>
+            <a:r>
+              <a:rPr lang="en-US" altLang="zh-TW" sz="1400" dirty="0" smtClean="0">
+                <a:solidFill>
+                  <a:schemeClr val="bg1"/>
+                </a:solidFill>
+              </a:rPr>
+              <a:t> # </a:t>
+            </a:r>
+            <a:r>
+              <a:rPr lang="en-US" altLang="zh-TW" sz="1400" dirty="0">
+                <a:solidFill>
+                  <a:schemeClr val="bg1"/>
+                </a:solidFill>
+              </a:rPr>
+              <a:t>A </a:t>
+            </a:r>
+            <a:r>
+              <a:rPr lang="en-US" altLang="zh-TW" sz="1400" dirty="0" err="1">
+                <a:solidFill>
+                  <a:schemeClr val="bg1"/>
+                </a:solidFill>
+              </a:rPr>
+              <a:t>tibble</a:t>
+            </a:r>
+            <a:r>
+              <a:rPr lang="en-US" altLang="zh-TW" sz="1400" dirty="0" smtClean="0">
+                <a:solidFill>
+                  <a:schemeClr val="bg1"/>
+                </a:solidFill>
+              </a:rPr>
+              <a:t>:  </a:t>
+            </a:r>
+            <a:r>
+              <a:rPr lang="en-US" altLang="zh-TW" sz="1400" dirty="0">
+                <a:solidFill>
+                  <a:schemeClr val="bg1"/>
+                </a:solidFill>
+              </a:rPr>
+              <a:t>26,428 x 5</a:t>
+            </a:r>
+          </a:p>
+          <a:p>
+            <a:r>
+              <a:rPr lang="en-US" altLang="zh-TW" sz="1400" dirty="0"/>
+              <a:t>   </a:t>
+            </a:r>
+            <a:r>
+              <a:rPr lang="en-US" altLang="zh-TW" sz="1400" dirty="0" err="1"/>
+              <a:t>yearID</a:t>
+            </a:r>
+            <a:r>
+              <a:rPr lang="en-US" altLang="zh-TW" sz="1400" dirty="0"/>
+              <a:t> </a:t>
+            </a:r>
+            <a:r>
+              <a:rPr lang="zh-TW" altLang="en-US" sz="1400" dirty="0" smtClean="0"/>
+              <a:t>       </a:t>
+            </a:r>
+            <a:r>
+              <a:rPr lang="en-US" altLang="zh-TW" sz="1400" dirty="0" err="1" smtClean="0"/>
+              <a:t>teamID</a:t>
+            </a:r>
+            <a:r>
+              <a:rPr lang="en-US" altLang="zh-TW" sz="1400" dirty="0" smtClean="0"/>
+              <a:t>   </a:t>
+            </a:r>
+            <a:r>
+              <a:rPr lang="zh-TW" altLang="en-US" sz="1400" dirty="0" smtClean="0"/>
+              <a:t>      </a:t>
+            </a:r>
+            <a:r>
+              <a:rPr lang="en-US" altLang="zh-TW" sz="1400" dirty="0" err="1" smtClean="0"/>
+              <a:t>lgID</a:t>
+            </a:r>
+            <a:r>
+              <a:rPr lang="zh-TW" altLang="en-US" sz="1400" dirty="0" smtClean="0"/>
+              <a:t>       </a:t>
+            </a:r>
+            <a:r>
+              <a:rPr lang="en-US" altLang="zh-TW" sz="1400" dirty="0" smtClean="0"/>
+              <a:t>  </a:t>
+            </a:r>
+            <a:r>
+              <a:rPr lang="en-US" altLang="zh-TW" sz="1400" dirty="0" err="1"/>
+              <a:t>playerID</a:t>
+            </a:r>
+            <a:r>
+              <a:rPr lang="en-US" altLang="zh-TW" sz="1400" dirty="0"/>
+              <a:t> </a:t>
+            </a:r>
+            <a:r>
+              <a:rPr lang="zh-TW" altLang="en-US" sz="1400" dirty="0" smtClean="0"/>
+              <a:t>      </a:t>
+            </a:r>
+            <a:r>
+              <a:rPr lang="en-US" altLang="zh-TW" sz="1400" dirty="0" smtClean="0"/>
+              <a:t>salary</a:t>
+            </a:r>
+            <a:endParaRPr lang="en-US" altLang="zh-TW" sz="1400" dirty="0"/>
+          </a:p>
+          <a:p>
+            <a:r>
+              <a:rPr lang="en-US" altLang="zh-TW" sz="1400" dirty="0"/>
+              <a:t>    &lt;</a:t>
+            </a:r>
+            <a:r>
+              <a:rPr lang="en-US" altLang="zh-TW" sz="1400" dirty="0" err="1"/>
+              <a:t>int</a:t>
+            </a:r>
+            <a:r>
+              <a:rPr lang="en-US" altLang="zh-TW" sz="1400" dirty="0"/>
+              <a:t>&gt; </a:t>
+            </a:r>
+            <a:r>
+              <a:rPr lang="zh-TW" altLang="en-US" sz="1400" dirty="0" smtClean="0"/>
+              <a:t>        </a:t>
+            </a:r>
+            <a:r>
+              <a:rPr lang="en-US" altLang="zh-TW" sz="1400" dirty="0" smtClean="0"/>
+              <a:t>&lt;</a:t>
+            </a:r>
+            <a:r>
+              <a:rPr lang="en-US" altLang="zh-TW" sz="1400" dirty="0" err="1"/>
+              <a:t>fctr</a:t>
+            </a:r>
+            <a:r>
+              <a:rPr lang="en-US" altLang="zh-TW" sz="1400" dirty="0"/>
+              <a:t>&gt; </a:t>
+            </a:r>
+            <a:r>
+              <a:rPr lang="zh-TW" altLang="en-US" sz="1400" dirty="0" smtClean="0"/>
+              <a:t>       </a:t>
+            </a:r>
+            <a:r>
+              <a:rPr lang="en-US" altLang="zh-TW" sz="1400" dirty="0" smtClean="0"/>
+              <a:t>&lt;</a:t>
+            </a:r>
+            <a:r>
+              <a:rPr lang="en-US" altLang="zh-TW" sz="1400" dirty="0" err="1"/>
+              <a:t>fctr</a:t>
+            </a:r>
+            <a:r>
+              <a:rPr lang="en-US" altLang="zh-TW" sz="1400" dirty="0"/>
+              <a:t>&gt; </a:t>
+            </a:r>
+            <a:r>
+              <a:rPr lang="zh-TW" altLang="en-US" sz="1400" dirty="0" smtClean="0"/>
+              <a:t>    </a:t>
+            </a:r>
+            <a:r>
+              <a:rPr lang="en-US" altLang="zh-TW" sz="1400" dirty="0" smtClean="0"/>
+              <a:t>    </a:t>
+            </a:r>
+            <a:r>
+              <a:rPr lang="en-US" altLang="zh-TW" sz="1400" dirty="0"/>
+              <a:t>&lt;</a:t>
+            </a:r>
+            <a:r>
+              <a:rPr lang="en-US" altLang="zh-TW" sz="1400" dirty="0" err="1"/>
+              <a:t>chr</a:t>
+            </a:r>
+            <a:r>
+              <a:rPr lang="en-US" altLang="zh-TW" sz="1400" dirty="0"/>
+              <a:t>&gt;  </a:t>
+            </a:r>
+            <a:r>
+              <a:rPr lang="zh-TW" altLang="en-US" sz="1400" dirty="0" smtClean="0"/>
+              <a:t>    </a:t>
+            </a:r>
+            <a:r>
+              <a:rPr lang="zh-TW" altLang="en-US" sz="1400" dirty="0" smtClean="0"/>
+              <a:t>  </a:t>
+            </a:r>
+            <a:r>
+              <a:rPr lang="en-US" altLang="zh-TW" sz="1400" dirty="0"/>
+              <a:t>&lt;</a:t>
+            </a:r>
+            <a:r>
+              <a:rPr lang="en-US" altLang="zh-TW" sz="1400" dirty="0" err="1" smtClean="0"/>
+              <a:t>int</a:t>
+            </a:r>
+            <a:r>
+              <a:rPr lang="en-US" altLang="zh-TW" sz="1400" dirty="0" smtClean="0"/>
+              <a:t>&gt;</a:t>
+            </a:r>
+          </a:p>
+          <a:p>
+            <a:r>
+              <a:rPr lang="en-US" altLang="zh-TW" sz="1400" dirty="0"/>
+              <a:t> </a:t>
+            </a:r>
+            <a:r>
+              <a:rPr lang="en-US" altLang="zh-TW" sz="1400" dirty="0" smtClean="0"/>
+              <a:t>    </a:t>
+            </a:r>
+            <a:r>
+              <a:rPr lang="es-ES" altLang="zh-TW" sz="1400" dirty="0" smtClean="0"/>
+              <a:t>2009	     NYA	      AL	 rodrial01	33000000</a:t>
+            </a:r>
+            <a:endParaRPr lang="es-ES" altLang="zh-TW" sz="1400" dirty="0"/>
+          </a:p>
+          <a:p>
+            <a:r>
+              <a:rPr lang="es-ES" altLang="zh-TW" sz="1400" dirty="0"/>
+              <a:t> </a:t>
+            </a:r>
+            <a:r>
+              <a:rPr lang="es-ES" altLang="zh-TW" sz="1400" dirty="0" smtClean="0"/>
+              <a:t>    2010	     NYA	      AL	 rodrial01	33000000</a:t>
+            </a:r>
+            <a:endParaRPr lang="es-ES" altLang="zh-TW" sz="1400" dirty="0"/>
+          </a:p>
+          <a:p>
+            <a:r>
+              <a:rPr lang="es-ES" altLang="zh-TW" sz="1400" dirty="0"/>
+              <a:t> </a:t>
+            </a:r>
+            <a:r>
+              <a:rPr lang="es-ES" altLang="zh-TW" sz="1400" dirty="0" smtClean="0"/>
+              <a:t>    2016	     LAD	      NL	 kershcl01	33000000</a:t>
+            </a:r>
+            <a:endParaRPr lang="es-ES" altLang="zh-TW" sz="1400" dirty="0"/>
+          </a:p>
+          <a:p>
+            <a:r>
+              <a:rPr lang="es-ES" altLang="zh-TW" sz="1400" dirty="0"/>
+              <a:t> </a:t>
+            </a:r>
+            <a:r>
+              <a:rPr lang="es-ES" altLang="zh-TW" sz="1400" dirty="0" smtClean="0"/>
+              <a:t>    2015	     LAN	      NL	 kershcl01	32571000</a:t>
+            </a:r>
+            <a:endParaRPr lang="es-ES" altLang="zh-TW" sz="1400" dirty="0"/>
+          </a:p>
+          <a:p>
+            <a:r>
+              <a:rPr lang="es-ES" altLang="zh-TW" sz="1400" dirty="0"/>
+              <a:t> </a:t>
+            </a:r>
+            <a:r>
+              <a:rPr lang="es-ES" altLang="zh-TW" sz="1400" dirty="0" smtClean="0"/>
+              <a:t>    2011	     NYA	      AL	 rodrial01	32000000</a:t>
+            </a:r>
+            <a:endParaRPr lang="es-ES" altLang="zh-TW" sz="1400" dirty="0"/>
+          </a:p>
+          <a:p>
+            <a:r>
+              <a:rPr lang="es-ES" altLang="zh-TW" sz="1400" dirty="0"/>
+              <a:t> </a:t>
+            </a:r>
+            <a:r>
+              <a:rPr lang="es-ES" altLang="zh-TW" sz="1400" dirty="0" smtClean="0"/>
+              <a:t>    2016	     ARI	      NL	 greinza01	31799030</a:t>
+            </a:r>
+            <a:endParaRPr lang="es-ES" altLang="zh-TW" sz="1400" dirty="0"/>
+          </a:p>
+          <a:p>
+            <a:r>
+              <a:rPr lang="es-ES" altLang="zh-TW" sz="1400" dirty="0"/>
+              <a:t> </a:t>
+            </a:r>
+            <a:r>
+              <a:rPr lang="es-ES" altLang="zh-TW" sz="1400" dirty="0" smtClean="0"/>
+              <a:t>    2012	     NYA	      AL	 rodrial01	30000000</a:t>
+            </a:r>
+            <a:endParaRPr lang="es-ES" altLang="zh-TW" sz="1400" dirty="0"/>
+          </a:p>
+          <a:p>
+            <a:r>
+              <a:rPr lang="es-ES" altLang="zh-TW" sz="1400" dirty="0"/>
+              <a:t> </a:t>
+            </a:r>
+            <a:r>
+              <a:rPr lang="es-ES" altLang="zh-TW" sz="1400" dirty="0" smtClean="0"/>
+              <a:t>    2016	     BOS	      AL	 priceda01	30000000</a:t>
+            </a:r>
+            <a:endParaRPr lang="es-ES" altLang="zh-TW" sz="1400" dirty="0"/>
+          </a:p>
+          <a:p>
+            <a:r>
+              <a:rPr lang="es-ES" altLang="zh-TW" sz="1400" dirty="0"/>
+              <a:t> </a:t>
+            </a:r>
+            <a:r>
+              <a:rPr lang="es-ES" altLang="zh-TW" sz="1400" dirty="0" smtClean="0"/>
+              <a:t>    2013	     NYA	      AL	 rodrial01	29000000</a:t>
+            </a:r>
+            <a:endParaRPr lang="es-ES" altLang="zh-TW" sz="1400" dirty="0"/>
+          </a:p>
+          <a:p>
+            <a:r>
+              <a:rPr lang="es-ES" altLang="zh-TW" sz="1400" dirty="0"/>
+              <a:t> </a:t>
+            </a:r>
+            <a:r>
+              <a:rPr lang="es-ES" altLang="zh-TW" sz="1400" dirty="0" smtClean="0"/>
+              <a:t>    2008	     NYA	      AL	 rodrial01	28000000</a:t>
+            </a:r>
+          </a:p>
+          <a:p>
+            <a:r>
+              <a:rPr lang="en-US" altLang="zh-TW" sz="1400" dirty="0" smtClean="0">
+                <a:solidFill>
+                  <a:schemeClr val="bg1"/>
+                </a:solidFill>
+              </a:rPr>
+              <a:t># </a:t>
+            </a:r>
+            <a:r>
+              <a:rPr lang="en-US" altLang="zh-TW" sz="1400" dirty="0">
+                <a:solidFill>
+                  <a:schemeClr val="bg1"/>
+                </a:solidFill>
+              </a:rPr>
+              <a:t>... with 26,418 more rows</a:t>
+            </a:r>
+            <a:endParaRPr lang="zh-TW" altLang="en-US" sz="1400" dirty="0">
+              <a:solidFill>
+                <a:schemeClr val="bg1"/>
+              </a:solidFill>
+            </a:endParaRPr>
+          </a:p>
+        </p:txBody>
+      </p:sp>
+      <p:sp>
+        <p:nvSpPr>
+          <p:cNvPr id="22" name="文字方塊 21"/>
+          <p:cNvSpPr txBox="1"/>
+          <p:nvPr/>
+        </p:nvSpPr>
+        <p:spPr>
+          <a:xfrm>
+            <a:off x="45342" y="773957"/>
+            <a:ext cx="4898949" cy="369332"/>
+          </a:xfrm>
+          <a:prstGeom prst="rect">
+            <a:avLst/>
+          </a:prstGeom>
+          <a:solidFill>
+            <a:schemeClr val="accent6">
+              <a:lumMod val="85000"/>
+            </a:schemeClr>
+          </a:solidFill>
+          <a:ln>
+            <a:noFill/>
+          </a:ln>
+        </p:spPr>
+        <p:txBody>
+          <a:bodyPr wrap="square" rtlCol="0">
+            <a:spAutoFit/>
+          </a:bodyPr>
+          <a:lstStyle/>
+          <a:p>
+            <a:pPr marL="342900" indent="-342900">
+              <a:buFont typeface="Consolas" panose="020B0609020204030204" pitchFamily="49" charset="0"/>
+              <a:buChar char="›"/>
+            </a:pPr>
+            <a:r>
+              <a:rPr lang="en-US" altLang="zh-TW" b="1" dirty="0">
+                <a:latin typeface="Consolas" panose="020B0609020204030204" pitchFamily="49" charset="0"/>
+              </a:rPr>
+              <a:t>arrange(</a:t>
+            </a:r>
+            <a:r>
+              <a:rPr lang="en-US" altLang="zh-TW" b="1" dirty="0" err="1">
+                <a:latin typeface="Consolas" panose="020B0609020204030204" pitchFamily="49" charset="0"/>
+              </a:rPr>
+              <a:t>tbl_Salaries</a:t>
+            </a:r>
+            <a:r>
+              <a:rPr lang="en-US" altLang="zh-TW" b="1" dirty="0">
+                <a:latin typeface="Consolas" panose="020B0609020204030204" pitchFamily="49" charset="0"/>
+              </a:rPr>
+              <a:t>, </a:t>
+            </a:r>
+            <a:r>
+              <a:rPr lang="en-US" altLang="zh-TW" b="1" dirty="0" err="1">
+                <a:latin typeface="Consolas" panose="020B0609020204030204" pitchFamily="49" charset="0"/>
+              </a:rPr>
+              <a:t>desc</a:t>
+            </a:r>
+            <a:r>
+              <a:rPr lang="en-US" altLang="zh-TW" b="1" dirty="0">
+                <a:latin typeface="Consolas" panose="020B0609020204030204" pitchFamily="49" charset="0"/>
+              </a:rPr>
+              <a:t>(salary))</a:t>
+            </a:r>
+            <a:endParaRPr lang="en-US" altLang="zh-TW" b="1" dirty="0">
+              <a:latin typeface="Consolas" panose="020B0609020204030204" pitchFamily="49" charset="0"/>
+            </a:endParaRPr>
+          </a:p>
+        </p:txBody>
+      </p:sp>
+      <p:cxnSp>
+        <p:nvCxnSpPr>
+          <p:cNvPr id="16" name="直線單箭頭接點 15"/>
+          <p:cNvCxnSpPr/>
+          <p:nvPr/>
+        </p:nvCxnSpPr>
+        <p:spPr>
+          <a:xfrm>
+            <a:off x="4104167" y="1136201"/>
+            <a:ext cx="1304261" cy="368059"/>
+          </a:xfrm>
+          <a:prstGeom prst="straightConnector1">
+            <a:avLst/>
+          </a:prstGeom>
+          <a:ln w="38100">
+            <a:prstDash val="dashDot"/>
+            <a:headEnd type="none" w="med" len="med"/>
+            <a:tailEnd type="arrow" w="med" len="med"/>
+          </a:ln>
+          <a:effectLst/>
+        </p:spPr>
+        <p:style>
+          <a:lnRef idx="2">
+            <a:schemeClr val="accent1"/>
+          </a:lnRef>
+          <a:fillRef idx="0">
+            <a:schemeClr val="accent1"/>
+          </a:fillRef>
+          <a:effectRef idx="1">
+            <a:schemeClr val="accent1"/>
+          </a:effectRef>
+          <a:fontRef idx="minor">
+            <a:schemeClr val="tx1"/>
+          </a:fontRef>
+        </p:style>
+      </p:cxnSp>
+    </p:spTree>
+    <p:extLst>
+      <p:ext uri="{BB962C8B-B14F-4D97-AF65-F5344CB8AC3E}">
+        <p14:creationId xmlns:p14="http://schemas.microsoft.com/office/powerpoint/2010/main" val="4027619692"/>
+      </p:ext>
+    </p:extLst>
+  </p:cSld>
+  <p:clrMapOvr>
+    <a:masterClrMapping/>
+  </p:clrMapOvr>
+  <p:timing>
+    <p:tnLst>
+      <p:par>
+        <p:cTn id="1" dur="indefinite" restart="never" nodeType="tmRoot">
+          <p:childTnLst>
+            <p:seq concurrent="1" nextAc="seek">
+              <p:cTn id="2" dur="indefinite" nodeType="mainSeq">
+                <p:childTnLst>
+                  <p:par>
+                    <p:cTn id="3" fill="hold">
+                      <p:stCondLst>
+                        <p:cond delay="indefinite"/>
+                      </p:stCondLst>
+                      <p:childTnLst>
+                        <p:par>
+                          <p:cTn id="4" fill="hold">
+                            <p:stCondLst>
+                              <p:cond delay="0"/>
+                            </p:stCondLst>
+                            <p:childTnLst>
+                              <p:par>
+                                <p:cTn id="5" presetID="22" presetClass="entr" presetSubtype="8" fill="hold" grpId="0" nodeType="clickEffect">
+                                  <p:stCondLst>
+                                    <p:cond delay="0"/>
+                                  </p:stCondLst>
+                                  <p:childTnLst>
+                                    <p:set>
+                                      <p:cBhvr>
+                                        <p:cTn id="6" dur="1" fill="hold">
+                                          <p:stCondLst>
+                                            <p:cond delay="0"/>
+                                          </p:stCondLst>
+                                        </p:cTn>
+                                        <p:tgtEl>
+                                          <p:spTgt spid="22"/>
+                                        </p:tgtEl>
+                                        <p:attrNameLst>
+                                          <p:attrName>style.visibility</p:attrName>
+                                        </p:attrNameLst>
+                                      </p:cBhvr>
+                                      <p:to>
+                                        <p:strVal val="visible"/>
+                                      </p:to>
+                                    </p:set>
+                                    <p:animEffect transition="in" filter="wipe(left)">
+                                      <p:cBhvr>
+                                        <p:cTn id="7" dur="1000"/>
+                                        <p:tgtEl>
+                                          <p:spTgt spid="22"/>
+                                        </p:tgtEl>
+                                      </p:cBhvr>
+                                    </p:animEffect>
+                                  </p:childTnLst>
+                                </p:cTn>
+                              </p:par>
+                            </p:childTnLst>
+                          </p:cTn>
+                        </p:par>
+                      </p:childTnLst>
+                    </p:cTn>
+                  </p:par>
+                  <p:par>
+                    <p:cTn id="8" fill="hold">
+                      <p:stCondLst>
+                        <p:cond delay="indefinite"/>
+                      </p:stCondLst>
+                      <p:childTnLst>
+                        <p:par>
+                          <p:cTn id="9" fill="hold">
+                            <p:stCondLst>
+                              <p:cond delay="0"/>
+                            </p:stCondLst>
+                            <p:childTnLst>
+                              <p:par>
+                                <p:cTn id="10" presetID="10" presetClass="entr" presetSubtype="0" fill="hold" nodeType="clickEffect">
+                                  <p:stCondLst>
+                                    <p:cond delay="0"/>
+                                  </p:stCondLst>
+                                  <p:childTnLst>
+                                    <p:set>
+                                      <p:cBhvr>
+                                        <p:cTn id="11" dur="1" fill="hold">
+                                          <p:stCondLst>
+                                            <p:cond delay="0"/>
+                                          </p:stCondLst>
+                                        </p:cTn>
+                                        <p:tgtEl>
+                                          <p:spTgt spid="13"/>
+                                        </p:tgtEl>
+                                        <p:attrNameLst>
+                                          <p:attrName>style.visibility</p:attrName>
+                                        </p:attrNameLst>
+                                      </p:cBhvr>
+                                      <p:to>
+                                        <p:strVal val="visible"/>
+                                      </p:to>
+                                    </p:set>
+                                    <p:animEffect transition="in" filter="fade">
+                                      <p:cBhvr>
+                                        <p:cTn id="12" dur="500"/>
+                                        <p:tgtEl>
+                                          <p:spTgt spid="13"/>
+                                        </p:tgtEl>
+                                      </p:cBhvr>
+                                    </p:animEffect>
+                                  </p:childTnLst>
+                                </p:cTn>
+                              </p:par>
+                              <p:par>
+                                <p:cTn id="13" presetID="10" presetClass="entr" presetSubtype="0" fill="hold" grpId="0" nodeType="withEffect">
+                                  <p:stCondLst>
+                                    <p:cond delay="0"/>
+                                  </p:stCondLst>
+                                  <p:childTnLst>
+                                    <p:set>
+                                      <p:cBhvr>
+                                        <p:cTn id="14" dur="1" fill="hold">
+                                          <p:stCondLst>
+                                            <p:cond delay="0"/>
+                                          </p:stCondLst>
+                                        </p:cTn>
+                                        <p:tgtEl>
+                                          <p:spTgt spid="15"/>
+                                        </p:tgtEl>
+                                        <p:attrNameLst>
+                                          <p:attrName>style.visibility</p:attrName>
+                                        </p:attrNameLst>
+                                      </p:cBhvr>
+                                      <p:to>
+                                        <p:strVal val="visible"/>
+                                      </p:to>
+                                    </p:set>
+                                    <p:animEffect transition="in" filter="fade">
+                                      <p:cBhvr>
+                                        <p:cTn id="15" dur="500"/>
+                                        <p:tgtEl>
+                                          <p:spTgt spid="15"/>
+                                        </p:tgtEl>
+                                      </p:cBhvr>
+                                    </p:animEffect>
+                                  </p:childTnLst>
+                                </p:cTn>
+                              </p:par>
+                              <p:par>
+                                <p:cTn id="16" presetID="10" presetClass="entr" presetSubtype="0" fill="hold" nodeType="withEffect">
+                                  <p:stCondLst>
+                                    <p:cond delay="0"/>
+                                  </p:stCondLst>
+                                  <p:childTnLst>
+                                    <p:set>
+                                      <p:cBhvr>
+                                        <p:cTn id="17" dur="1" fill="hold">
+                                          <p:stCondLst>
+                                            <p:cond delay="0"/>
+                                          </p:stCondLst>
+                                        </p:cTn>
+                                        <p:tgtEl>
+                                          <p:spTgt spid="16"/>
+                                        </p:tgtEl>
+                                        <p:attrNameLst>
+                                          <p:attrName>style.visibility</p:attrName>
+                                        </p:attrNameLst>
+                                      </p:cBhvr>
+                                      <p:to>
+                                        <p:strVal val="visible"/>
+                                      </p:to>
+                                    </p:set>
+                                    <p:animEffect transition="in" filter="fade">
+                                      <p:cBhvr>
+                                        <p:cTn id="18" dur="500"/>
+                                        <p:tgtEl>
+                                          <p:spTgt spid="16"/>
+                                        </p:tgtEl>
+                                      </p:cBhvr>
+                                    </p:animEffect>
+                                  </p:childTnLst>
+                                </p:cTn>
+                              </p:par>
+                            </p:childTnLst>
+                          </p:cTn>
+                        </p:par>
+                      </p:childTnLst>
+                    </p:cTn>
+                  </p:par>
+                </p:childTnLst>
+              </p:cTn>
+              <p:prevCondLst>
+                <p:cond evt="onPrev" delay="0">
+                  <p:tgtEl>
+                    <p:sldTgt/>
+                  </p:tgtEl>
+                </p:cond>
+              </p:prevCondLst>
+              <p:nextCondLst>
+                <p:cond evt="onNext" delay="0">
+                  <p:tgtEl>
+                    <p:sldTgt/>
+                  </p:tgtEl>
+                </p:cond>
+              </p:nextCondLst>
+            </p:seq>
+          </p:childTnLst>
+        </p:cTn>
+      </p:par>
+    </p:tnLst>
+    <p:bldLst>
+      <p:bldP spid="15" grpId="0"/>
+      <p:bldP spid="22" grpId="0" animBg="1"/>
+    </p:bldLst>
+  </p:timing>
+</p:sld>
+</file>
+
+<file path=ppt/slides/slide11.xml><?xml version="1.0" encoding="utf-8"?>
 <p:sld xmlns:a="http://schemas.openxmlformats.org/drawingml/2006/main" xmlns:r="http://schemas.openxmlformats.org/officeDocument/2006/relationships" xmlns:p="http://schemas.openxmlformats.org/presentationml/2006/main">
   <p:cSld>
     <p:spTree>
@@ -3770,7 +6662,7 @@
 </p:sld>
 </file>
 
-<file path=ppt/slides/slide11.xml><?xml version="1.0" encoding="utf-8"?>
+<file path=ppt/slides/slide12.xml><?xml version="1.0" encoding="utf-8"?>
 <p:sld xmlns:a="http://schemas.openxmlformats.org/drawingml/2006/main" xmlns:r="http://schemas.openxmlformats.org/officeDocument/2006/relationships" xmlns:p="http://schemas.openxmlformats.org/presentationml/2006/main">
   <p:cSld>
     <p:spTree>
@@ -6328,7 +9220,7 @@
 </p:sld>
 </file>
 
-<file path=ppt/slides/slide12.xml><?xml version="1.0" encoding="utf-8"?>
+<file path=ppt/slides/slide13.xml><?xml version="1.0" encoding="utf-8"?>
 <p:sld xmlns:a="http://schemas.openxmlformats.org/drawingml/2006/main" xmlns:r="http://schemas.openxmlformats.org/officeDocument/2006/relationships" xmlns:p="http://schemas.openxmlformats.org/presentationml/2006/main">
   <p:cSld>
     <p:spTree>
@@ -8238,8 +11130,21 @@
                   <a:schemeClr val="bg1"/>
                 </a:solidFill>
               </a:rPr>
-              <a:t>:  26,428 x 5</a:t>
-            </a:r>
+              <a:t>:  26,428 x </a:t>
+            </a:r>
+            <a:r>
+              <a:rPr lang="en-US" altLang="zh-TW" sz="1400" dirty="0" smtClean="0">
+                <a:solidFill>
+                  <a:schemeClr val="bg1"/>
+                </a:solidFill>
+              </a:rPr>
+              <a:t>3</a:t>
+            </a:r>
+            <a:endParaRPr lang="en-US" altLang="zh-TW" sz="1400" dirty="0">
+              <a:solidFill>
+                <a:schemeClr val="bg1"/>
+              </a:solidFill>
+            </a:endParaRPr>
           </a:p>
           <a:p>
             <a:r>
@@ -9079,7 +11984,7 @@
 </p:sld>
 </file>
 
-<file path=ppt/slides/slide13.xml><?xml version="1.0" encoding="utf-8"?>
+<file path=ppt/slides/slide14.xml><?xml version="1.0" encoding="utf-8"?>
 <p:sld xmlns:a="http://schemas.openxmlformats.org/drawingml/2006/main" xmlns:r="http://schemas.openxmlformats.org/officeDocument/2006/relationships" xmlns:p="http://schemas.openxmlformats.org/presentationml/2006/main">
   <p:cSld>
     <p:spTree>
@@ -10476,7 +13381,7 @@
 </p:sld>
 </file>
 
-<file path=ppt/slides/slide14.xml><?xml version="1.0" encoding="utf-8"?>
+<file path=ppt/slides/slide15.xml><?xml version="1.0" encoding="utf-8"?>
 <p:sld xmlns:a="http://schemas.openxmlformats.org/drawingml/2006/main" xmlns:r="http://schemas.openxmlformats.org/officeDocument/2006/relationships" xmlns:p="http://schemas.openxmlformats.org/presentationml/2006/main">
   <p:cSld>
     <p:spTree>
@@ -10798,7 +13703,7 @@
 </p:sld>
 </file>
 
-<file path=ppt/slides/slide15.xml><?xml version="1.0" encoding="utf-8"?>
+<file path=ppt/slides/slide16.xml><?xml version="1.0" encoding="utf-8"?>
 <p:sld xmlns:a="http://schemas.openxmlformats.org/drawingml/2006/main" xmlns:r="http://schemas.openxmlformats.org/officeDocument/2006/relationships" xmlns:p="http://schemas.openxmlformats.org/presentationml/2006/main">
   <p:cSld>
     <p:spTree>
@@ -11773,7 +14678,7 @@
           <p:nvPr>
             <p:extLst>
               <p:ext uri="{D42A27DB-BD31-4B8C-83A1-F6EECF244321}">
-                <p14:modId xmlns:p14="http://schemas.microsoft.com/office/powerpoint/2010/main" val="1099164652"/>
+                <p14:modId xmlns:p14="http://schemas.microsoft.com/office/powerpoint/2010/main" val="2962962993"/>
               </p:ext>
             </p:extLst>
           </p:nvPr>
@@ -11835,7 +14740,11 @@
                       </a:pPr>
                       <a:r>
                         <a:rPr lang="en-US" altLang="zh-TW" sz="1100" dirty="0" smtClean="0"/>
-                        <a:t>Variable 1</a:t>
+                        <a:t>Variable </a:t>
+                      </a:r>
+                      <a:r>
+                        <a:rPr lang="en-US" altLang="zh-TW" sz="1100" dirty="0" smtClean="0"/>
+                        <a:t>2</a:t>
                       </a:r>
                       <a:endParaRPr lang="zh-TW" altLang="en-US" sz="1100" dirty="0" smtClean="0"/>
                     </a:p>
@@ -11904,7 +14813,7 @@
                     <a:bodyPr/>
                     <a:lstStyle/>
                     <a:p>
-                      <a:endParaRPr lang="zh-TW" altLang="en-US" sz="1100"/>
+                      <a:endParaRPr lang="zh-TW" altLang="en-US" sz="1100" dirty="0"/>
                     </a:p>
                   </a:txBody>
                   <a:tcPr marL="38867" marR="38867" marT="19435" marB="19435"/>
@@ -12664,8 +15573,8 @@
         </p:nvSpPr>
         <p:spPr>
           <a:xfrm>
-            <a:off x="4517147" y="3199996"/>
-            <a:ext cx="2702233" cy="1169551"/>
+            <a:off x="4517147" y="3422060"/>
+            <a:ext cx="2702233" cy="954107"/>
           </a:xfrm>
           <a:prstGeom prst="rect">
             <a:avLst/>
@@ -12679,26 +15588,12 @@
           <a:lstStyle/>
           <a:p>
             <a:r>
-              <a:rPr lang="en-US" altLang="zh-TW" sz="1400" dirty="0" smtClean="0"/>
-              <a:t>    </a:t>
-            </a:r>
-            <a:r>
               <a:rPr lang="en-US" altLang="zh-TW" sz="1400" dirty="0" smtClean="0">
                 <a:solidFill>
                   <a:srgbClr val="FF0000"/>
                 </a:solidFill>
               </a:rPr>
-              <a:t>NA		    NA		    NA</a:t>
-            </a:r>
-          </a:p>
-          <a:p>
-            <a:r>
-              <a:rPr lang="en-US" altLang="zh-TW" sz="1400" dirty="0">
-                <a:solidFill>
-                  <a:srgbClr val="FF0000"/>
-                </a:solidFill>
-              </a:rPr>
-              <a:t> </a:t>
+              <a:t>    NA</a:t>
             </a:r>
             <a:r>
               <a:rPr lang="en-US" altLang="zh-TW" sz="1400" dirty="0" smtClean="0">
@@ -12706,7 +15601,7 @@
                   <a:srgbClr val="FF0000"/>
                 </a:solidFill>
               </a:rPr>
-              <a:t>   NA		    NA		    NA</a:t>
+              <a:t>		    NA		    NA</a:t>
             </a:r>
           </a:p>
           <a:p>
@@ -12939,7 +15834,7 @@
 </p:sld>
 </file>
 
-<file path=ppt/slides/slide16.xml><?xml version="1.0" encoding="utf-8"?>
+<file path=ppt/slides/slide17.xml><?xml version="1.0" encoding="utf-8"?>
 <p:sld xmlns:a="http://schemas.openxmlformats.org/drawingml/2006/main" xmlns:r="http://schemas.openxmlformats.org/officeDocument/2006/relationships" xmlns:p="http://schemas.openxmlformats.org/presentationml/2006/main">
   <p:cSld>
     <p:spTree>
@@ -12965,7 +15860,7 @@
           <p:nvPr>
             <p:extLst>
               <p:ext uri="{D42A27DB-BD31-4B8C-83A1-F6EECF244321}">
-                <p14:modId xmlns:p14="http://schemas.microsoft.com/office/powerpoint/2010/main" val="4197831515"/>
+                <p14:modId xmlns:p14="http://schemas.microsoft.com/office/powerpoint/2010/main" val="3427818403"/>
               </p:ext>
             </p:extLst>
           </p:nvPr>
@@ -13027,7 +15922,11 @@
                       </a:pPr>
                       <a:r>
                         <a:rPr lang="en-US" altLang="zh-TW" sz="1100" dirty="0" smtClean="0"/>
-                        <a:t>Variable 1</a:t>
+                        <a:t>Variable </a:t>
+                      </a:r>
+                      <a:r>
+                        <a:rPr lang="en-US" altLang="zh-TW" sz="1100" dirty="0" smtClean="0"/>
+                        <a:t>2</a:t>
                       </a:r>
                       <a:endParaRPr lang="zh-TW" altLang="en-US" sz="1100" dirty="0" smtClean="0"/>
                     </a:p>
@@ -14809,8 +17708,8 @@
         </p:nvSpPr>
         <p:spPr>
           <a:xfrm>
-            <a:off x="1937235" y="3199996"/>
-            <a:ext cx="2702233" cy="1169551"/>
+            <a:off x="1937235" y="3415535"/>
+            <a:ext cx="2702233" cy="954107"/>
           </a:xfrm>
           <a:prstGeom prst="rect">
             <a:avLst/>
@@ -14824,26 +17723,12 @@
           <a:lstStyle/>
           <a:p>
             <a:r>
-              <a:rPr lang="en-US" altLang="zh-TW" sz="1400" dirty="0" smtClean="0"/>
-              <a:t>    </a:t>
-            </a:r>
-            <a:r>
               <a:rPr lang="en-US" altLang="zh-TW" sz="1400" dirty="0" smtClean="0">
                 <a:solidFill>
                   <a:srgbClr val="FF0000"/>
                 </a:solidFill>
               </a:rPr>
-              <a:t>NA		    NA		    NA</a:t>
-            </a:r>
-          </a:p>
-          <a:p>
-            <a:r>
-              <a:rPr lang="en-US" altLang="zh-TW" sz="1400" dirty="0">
-                <a:solidFill>
-                  <a:srgbClr val="FF0000"/>
-                </a:solidFill>
-              </a:rPr>
-              <a:t> </a:t>
+              <a:t>    NA</a:t>
             </a:r>
             <a:r>
               <a:rPr lang="en-US" altLang="zh-TW" sz="1400" dirty="0" smtClean="0">
@@ -14851,7 +17736,7 @@
                   <a:srgbClr val="FF0000"/>
                 </a:solidFill>
               </a:rPr>
-              <a:t>   NA		    NA		    NA</a:t>
+              <a:t>		    NA		    NA</a:t>
             </a:r>
           </a:p>
           <a:p>
@@ -15084,7 +17969,7 @@
 </p:sld>
 </file>
 
-<file path=ppt/slides/slide17.xml><?xml version="1.0" encoding="utf-8"?>
+<file path=ppt/slides/slide18.xml><?xml version="1.0" encoding="utf-8"?>
 <p:sld xmlns:a="http://schemas.openxmlformats.org/drawingml/2006/main" xmlns:r="http://schemas.openxmlformats.org/officeDocument/2006/relationships" xmlns:p="http://schemas.openxmlformats.org/presentationml/2006/main">
   <p:cSld>
     <p:spTree>
@@ -16061,7 +18946,11 @@
             <a:graphicFrameLocks noGrp="1"/>
           </p:cNvGraphicFramePr>
           <p:nvPr>
-            <p:extLst/>
+            <p:extLst>
+              <p:ext uri="{D42A27DB-BD31-4B8C-83A1-F6EECF244321}">
+                <p14:modId xmlns:p14="http://schemas.microsoft.com/office/powerpoint/2010/main" val="2695195827"/>
+              </p:ext>
+            </p:extLst>
           </p:nvPr>
         </p:nvGraphicFramePr>
         <p:xfrm>
@@ -16121,7 +19010,11 @@
                       </a:pPr>
                       <a:r>
                         <a:rPr lang="en-US" altLang="zh-TW" sz="1100" dirty="0" smtClean="0"/>
-                        <a:t>Variable 1</a:t>
+                        <a:t>Variable </a:t>
+                      </a:r>
+                      <a:r>
+                        <a:rPr lang="en-US" altLang="zh-TW" sz="1100" dirty="0" smtClean="0"/>
+                        <a:t>2</a:t>
                       </a:r>
                       <a:endParaRPr lang="zh-TW" altLang="en-US" sz="1100" dirty="0" smtClean="0"/>
                     </a:p>
@@ -17174,7 +20067,7 @@
 </p:sld>
 </file>
 
-<file path=ppt/slides/slide18.xml><?xml version="1.0" encoding="utf-8"?>
+<file path=ppt/slides/slide19.xml><?xml version="1.0" encoding="utf-8"?>
 <p:sld xmlns:a="http://schemas.openxmlformats.org/drawingml/2006/main" xmlns:r="http://schemas.openxmlformats.org/officeDocument/2006/relationships" xmlns:p="http://schemas.openxmlformats.org/presentationml/2006/main">
   <p:cSld>
     <p:spTree>
@@ -17980,124 +20873,6 @@
 </p:sld>
 </file>
 
-<file path=ppt/slides/slide19.xml><?xml version="1.0" encoding="utf-8"?>
-<p:sld xmlns:a="http://schemas.openxmlformats.org/drawingml/2006/main" xmlns:r="http://schemas.openxmlformats.org/officeDocument/2006/relationships" xmlns:p="http://schemas.openxmlformats.org/presentationml/2006/main">
-  <p:cSld>
-    <p:spTree>
-      <p:nvGrpSpPr>
-        <p:cNvPr id="1" name=""/>
-        <p:cNvGrpSpPr/>
-        <p:nvPr/>
-      </p:nvGrpSpPr>
-      <p:grpSpPr>
-        <a:xfrm>
-          <a:off x="0" y="0"/>
-          <a:ext cx="0" cy="0"/>
-          <a:chOff x="0" y="0"/>
-          <a:chExt cx="0" cy="0"/>
-        </a:xfrm>
-      </p:grpSpPr>
-      <p:sp>
-        <p:nvSpPr>
-          <p:cNvPr id="2" name="矩形 1"/>
-          <p:cNvSpPr/>
-          <p:nvPr/>
-        </p:nvSpPr>
-        <p:spPr>
-          <a:xfrm>
-            <a:off x="1417320" y="1672046"/>
-            <a:ext cx="6237515" cy="1691640"/>
-          </a:xfrm>
-          <a:prstGeom prst="rect">
-            <a:avLst/>
-          </a:prstGeom>
-          <a:solidFill>
-            <a:schemeClr val="accent1"/>
-          </a:solidFill>
-          <a:ln>
-            <a:noFill/>
-          </a:ln>
-          <a:effectLst/>
-        </p:spPr>
-        <p:style>
-          <a:lnRef idx="1">
-            <a:schemeClr val="accent1"/>
-          </a:lnRef>
-          <a:fillRef idx="3">
-            <a:schemeClr val="accent1"/>
-          </a:fillRef>
-          <a:effectRef idx="2">
-            <a:schemeClr val="accent1"/>
-          </a:effectRef>
-          <a:fontRef idx="minor">
-            <a:schemeClr val="lt1"/>
-          </a:fontRef>
-        </p:style>
-        <p:txBody>
-          <a:bodyPr rtlCol="0" anchor="ctr"/>
-          <a:lstStyle/>
-          <a:p>
-            <a:pPr algn="ctr"/>
-            <a:r>
-              <a:rPr lang="en-US" altLang="zh-TW" sz="4800" dirty="0" smtClean="0"/>
-              <a:t>Demo – </a:t>
-            </a:r>
-            <a:r>
-              <a:rPr lang="en-US" altLang="zh-TW" sz="4800" dirty="0" err="1" smtClean="0"/>
-              <a:t>RStudio</a:t>
-            </a:r>
-            <a:endParaRPr lang="en-US" altLang="zh-TW" sz="4800" dirty="0" smtClean="0"/>
-          </a:p>
-          <a:p>
-            <a:pPr algn="ctr"/>
-            <a:r>
-              <a:rPr lang="en-US" altLang="zh-TW" sz="2400" dirty="0" smtClean="0"/>
-              <a:t>(Short Link</a:t>
-            </a:r>
-            <a:r>
-              <a:rPr lang="en-US" altLang="zh-TW" sz="2400" dirty="0"/>
-              <a:t>: </a:t>
-            </a:r>
-            <a:r>
-              <a:rPr lang="en-US" altLang="zh-TW" sz="2400" dirty="0">
-                <a:hlinkClick r:id="rId2"/>
-              </a:rPr>
-              <a:t>https://</a:t>
-            </a:r>
-            <a:r>
-              <a:rPr lang="en-US" altLang="zh-TW" sz="2400" dirty="0" smtClean="0">
-                <a:hlinkClick r:id="rId2"/>
-              </a:rPr>
-              <a:t>goo.gl/CHMuas</a:t>
-            </a:r>
-            <a:r>
-              <a:rPr lang="en-US" altLang="zh-TW" sz="2400" dirty="0" smtClean="0"/>
-              <a:t>)</a:t>
-            </a:r>
-            <a:endParaRPr lang="zh-TW" altLang="en-US" sz="2400" dirty="0"/>
-          </a:p>
-        </p:txBody>
-      </p:sp>
-    </p:spTree>
-    <p:extLst>
-      <p:ext uri="{BB962C8B-B14F-4D97-AF65-F5344CB8AC3E}">
-        <p14:creationId xmlns:p14="http://schemas.microsoft.com/office/powerpoint/2010/main" val="1842062971"/>
-      </p:ext>
-    </p:extLst>
-  </p:cSld>
-  <p:clrMapOvr>
-    <a:masterClrMapping/>
-  </p:clrMapOvr>
-  <p:timing>
-    <p:tnLst>
-      <p:par>
-        <p:cTn id="1" dur="indefinite" restart="never" nodeType="tmRoot"/>
-      </p:par>
-    </p:tnLst>
-  </p:timing>
-</p:sld>
-</file>
-
 <file path=ppt/slides/slide2.xml><?xml version="1.0" encoding="utf-8"?>
 <p:sld xmlns:a="http://schemas.openxmlformats.org/drawingml/2006/main" xmlns:r="http://schemas.openxmlformats.org/officeDocument/2006/relationships" xmlns:p="http://schemas.openxmlformats.org/presentationml/2006/main">
   <p:cSld>
@@ -18485,8 +21260,17 @@
             <a:pPr algn="ctr"/>
             <a:r>
               <a:rPr lang="en-US" altLang="zh-TW" sz="4800" dirty="0" smtClean="0"/>
-              <a:t>Demo - AML Studio</a:t>
-            </a:r>
+              <a:t>Demo </a:t>
+            </a:r>
+            <a:r>
+              <a:rPr lang="en-US" altLang="zh-TW" sz="4800" dirty="0" smtClean="0"/>
+              <a:t>- </a:t>
+            </a:r>
+            <a:r>
+              <a:rPr lang="en-US" altLang="zh-TW" sz="4800" dirty="0" err="1" smtClean="0"/>
+              <a:t>RStudio</a:t>
+            </a:r>
+            <a:endParaRPr lang="en-US" altLang="zh-TW" sz="4800" dirty="0" smtClean="0"/>
           </a:p>
           <a:p>
             <a:pPr algn="ctr"/>
@@ -18502,10 +21286,16 @@
               <a:rPr lang="en-US" altLang="zh-TW" sz="2400" dirty="0">
                 <a:hlinkClick r:id="rId2"/>
               </a:rPr>
-              <a:t>https://goo.gl/SfJanw</a:t>
-            </a:r>
-            <a:r>
-              <a:rPr lang="en-US" altLang="zh-TW" sz="2400" dirty="0"/>
+              <a:t>https://</a:t>
+            </a:r>
+            <a:r>
+              <a:rPr lang="en-US" altLang="zh-TW" sz="2400" dirty="0" smtClean="0">
+                <a:hlinkClick r:id="rId2"/>
+              </a:rPr>
+              <a:t>goo.gl/CHMuas</a:t>
+            </a:r>
+            <a:r>
+              <a:rPr lang="en-US" altLang="zh-TW" sz="2400" dirty="0" smtClean="0"/>
               <a:t>)</a:t>
             </a:r>
             <a:endParaRPr lang="zh-TW" altLang="en-US" sz="2400" dirty="0"/>
@@ -18515,7 +21305,7 @@
     </p:spTree>
     <p:extLst>
       <p:ext uri="{BB962C8B-B14F-4D97-AF65-F5344CB8AC3E}">
-        <p14:creationId xmlns:p14="http://schemas.microsoft.com/office/powerpoint/2010/main" val="3290429186"/>
+        <p14:creationId xmlns:p14="http://schemas.microsoft.com/office/powerpoint/2010/main" val="1842062971"/>
       </p:ext>
     </p:extLst>
   </p:cSld>
@@ -18533,239 +21323,6 @@
 </file>
 
 <file path=ppt/slides/slide21.xml><?xml version="1.0" encoding="utf-8"?>
-<p:sld xmlns:a="http://schemas.openxmlformats.org/drawingml/2006/main" xmlns:r="http://schemas.openxmlformats.org/officeDocument/2006/relationships" xmlns:p="http://schemas.openxmlformats.org/presentationml/2006/main">
-  <p:cSld>
-    <p:spTree>
-      <p:nvGrpSpPr>
-        <p:cNvPr id="1" name=""/>
-        <p:cNvGrpSpPr/>
-        <p:nvPr/>
-      </p:nvGrpSpPr>
-      <p:grpSpPr>
-        <a:xfrm>
-          <a:off x="0" y="0"/>
-          <a:ext cx="0" cy="0"/>
-          <a:chOff x="0" y="0"/>
-          <a:chExt cx="0" cy="0"/>
-        </a:xfrm>
-      </p:grpSpPr>
-      <p:sp>
-        <p:nvSpPr>
-          <p:cNvPr id="4" name="Title 3"/>
-          <p:cNvSpPr>
-            <a:spLocks noGrp="1"/>
-          </p:cNvSpPr>
-          <p:nvPr>
-            <p:ph type="title"/>
-          </p:nvPr>
-        </p:nvSpPr>
-        <p:spPr>
-          <a:xfrm>
-            <a:off x="233169" y="141555"/>
-            <a:ext cx="6362158" cy="406715"/>
-          </a:xfrm>
-          <a:prstGeom prst="rect">
-            <a:avLst/>
-          </a:prstGeom>
-        </p:spPr>
-        <p:txBody>
-          <a:bodyPr/>
-          <a:lstStyle/>
-          <a:p>
-            <a:r>
-              <a:rPr lang="en-US" dirty="0"/>
-              <a:t>L</a:t>
-            </a:r>
-            <a:r>
-              <a:rPr lang="en-US" dirty="0" smtClean="0"/>
-              <a:t>earn more</a:t>
-            </a:r>
-            <a:endParaRPr lang="en-US" dirty="0"/>
-          </a:p>
-        </p:txBody>
-      </p:sp>
-      <p:sp>
-        <p:nvSpPr>
-          <p:cNvPr id="5" name="Content Placeholder 4"/>
-          <p:cNvSpPr>
-            <a:spLocks noGrp="1"/>
-          </p:cNvSpPr>
-          <p:nvPr>
-            <p:ph idx="1"/>
-          </p:nvPr>
-        </p:nvSpPr>
-        <p:spPr>
-          <a:xfrm>
-            <a:off x="233167" y="775292"/>
-            <a:ext cx="8683819" cy="3554416"/>
-          </a:xfrm>
-        </p:spPr>
-        <p:txBody>
-          <a:bodyPr/>
-          <a:lstStyle/>
-          <a:p>
-            <a:pPr marL="514350" indent="-457200"/>
-            <a:r>
-              <a:rPr lang="en-US" sz="1800" dirty="0" smtClean="0"/>
-              <a:t>Manual of </a:t>
-            </a:r>
-            <a:r>
-              <a:rPr lang="en-US" sz="1800" dirty="0" err="1" smtClean="0"/>
-              <a:t>dplyr</a:t>
-            </a:r>
-            <a:r>
-              <a:rPr lang="en-US" sz="1800" dirty="0" smtClean="0"/>
-              <a:t> package - </a:t>
-            </a:r>
-            <a:r>
-              <a:rPr lang="en-US" sz="1800" dirty="0"/>
-              <a:t>The R Project for Statistical </a:t>
-            </a:r>
-            <a:r>
-              <a:rPr lang="en-US" sz="1800" dirty="0" smtClean="0"/>
-              <a:t>Computing</a:t>
-            </a:r>
-          </a:p>
-          <a:p>
-            <a:pPr marL="914400" lvl="1" indent="-457200"/>
-            <a:r>
-              <a:rPr lang="en-US" sz="1600" u="sng" dirty="0"/>
-              <a:t>https://</a:t>
-            </a:r>
-            <a:r>
-              <a:rPr lang="en-US" sz="1600" u="sng" dirty="0" smtClean="0"/>
-              <a:t>cran.r-project.org/web/packages/dplyr/dplyr.pdf</a:t>
-            </a:r>
-            <a:endParaRPr lang="en-US" sz="1800" u="sng" dirty="0"/>
-          </a:p>
-          <a:p>
-            <a:pPr marL="514350" indent="-457200"/>
-            <a:r>
-              <a:rPr lang="en-US" sz="1800" dirty="0" smtClean="0"/>
-              <a:t>Cheat sheet </a:t>
-            </a:r>
-            <a:r>
-              <a:rPr lang="en-US" sz="1800" dirty="0"/>
-              <a:t>of </a:t>
-            </a:r>
-            <a:r>
-              <a:rPr lang="en-US" sz="1800" dirty="0" err="1"/>
-              <a:t>dplyr</a:t>
-            </a:r>
-            <a:r>
-              <a:rPr lang="en-US" sz="1800" dirty="0"/>
-              <a:t> package -</a:t>
-            </a:r>
-            <a:r>
-              <a:rPr lang="en-US" sz="1800" dirty="0" smtClean="0"/>
-              <a:t> </a:t>
-            </a:r>
-            <a:r>
-              <a:rPr lang="en-US" sz="1800" dirty="0" err="1" smtClean="0"/>
-              <a:t>Rstudio</a:t>
-            </a:r>
-            <a:endParaRPr lang="en-US" sz="1800" dirty="0" smtClean="0"/>
-          </a:p>
-          <a:p>
-            <a:pPr marL="914400" lvl="1" indent="-457200"/>
-            <a:r>
-              <a:rPr lang="en-US" sz="1600" dirty="0" smtClean="0"/>
-              <a:t>https://www.rstudio.com/wp-content/uploads/2015/02/data-wrangling-cheatsheet.pdf</a:t>
-            </a:r>
-          </a:p>
-          <a:p>
-            <a:pPr marL="514350" indent="-457200"/>
-            <a:r>
-              <a:rPr lang="en-US" sz="1800" dirty="0" smtClean="0"/>
-              <a:t>Introduction to Statistical Learning</a:t>
-            </a:r>
-          </a:p>
-          <a:p>
-            <a:pPr marL="914400" lvl="1" indent="-457200"/>
-            <a:r>
-              <a:rPr lang="en-US" sz="1600" u="sng" dirty="0" smtClean="0"/>
-              <a:t>http</a:t>
-            </a:r>
-            <a:r>
-              <a:rPr lang="en-US" sz="1600" u="sng" dirty="0"/>
-              <a:t>://www-bcf.usc.edu/~gareth/ISL/</a:t>
-            </a:r>
-          </a:p>
-          <a:p>
-            <a:pPr marL="514350" indent="-457200"/>
-            <a:r>
-              <a:rPr lang="en-US" sz="1800" dirty="0" smtClean="0"/>
-              <a:t>Elements </a:t>
-            </a:r>
-            <a:r>
-              <a:rPr lang="en-US" sz="1800" dirty="0"/>
-              <a:t>of Statistical Learning: data mining, inference, and </a:t>
-            </a:r>
-            <a:r>
-              <a:rPr lang="en-US" sz="1800" dirty="0" smtClean="0"/>
-              <a:t>prediction</a:t>
-            </a:r>
-          </a:p>
-          <a:p>
-            <a:pPr marL="914400" lvl="1" indent="-457200"/>
-            <a:r>
-              <a:rPr lang="en-US" sz="1600" u="sng" dirty="0"/>
-              <a:t>https://web.stanford.edu/~hastie/ElemStatLearn/</a:t>
-            </a:r>
-          </a:p>
-          <a:p>
-            <a:pPr marL="514350" indent="-457200"/>
-            <a:r>
-              <a:rPr lang="en-US" sz="1800" dirty="0" smtClean="0"/>
-              <a:t>Facebook Page: Microsoft </a:t>
-            </a:r>
-            <a:r>
-              <a:rPr lang="en-US" sz="1800" dirty="0"/>
-              <a:t>Student Partners in Taiwan </a:t>
-            </a:r>
-            <a:r>
-              <a:rPr lang="zh-TW" altLang="en-US" sz="1800" dirty="0"/>
-              <a:t>微軟學生大使 </a:t>
-            </a:r>
-            <a:r>
-              <a:rPr lang="en-US" altLang="zh-TW" sz="1800" dirty="0" smtClean="0"/>
-              <a:t>– </a:t>
-            </a:r>
-            <a:r>
-              <a:rPr lang="en-US" sz="1800" dirty="0" smtClean="0"/>
-              <a:t>MSP</a:t>
-            </a:r>
-          </a:p>
-          <a:p>
-            <a:pPr marL="914400" lvl="1" indent="-457200"/>
-            <a:r>
-              <a:rPr lang="en-US" sz="1600" u="sng" dirty="0"/>
-              <a:t>https://www.facebook.com/MSPTaiwan/</a:t>
-            </a:r>
-          </a:p>
-        </p:txBody>
-      </p:sp>
-    </p:spTree>
-    <p:extLst>
-      <p:ext uri="{BB962C8B-B14F-4D97-AF65-F5344CB8AC3E}">
-        <p14:creationId xmlns:p14="http://schemas.microsoft.com/office/powerpoint/2010/main" val="421959605"/>
-      </p:ext>
-    </p:extLst>
-  </p:cSld>
-  <p:clrMapOvr>
-    <a:masterClrMapping/>
-  </p:clrMapOvr>
-  <p:timing>
-    <p:tnLst>
-      <p:par>
-        <p:cTn id="1" dur="indefinite" restart="never" nodeType="tmRoot"/>
-      </p:par>
-    </p:tnLst>
-  </p:timing>
-</p:sld>
-</file>
-
-<file path=ppt/slides/slide22.xml><?xml version="1.0" encoding="utf-8"?>
 <p:sld xmlns:a="http://schemas.openxmlformats.org/drawingml/2006/main" xmlns:r="http://schemas.openxmlformats.org/officeDocument/2006/relationships" xmlns:p="http://schemas.openxmlformats.org/presentationml/2006/main">
   <p:cSld>
     <p:spTree>
@@ -18825,6 +21382,346 @@
             <a:pPr algn="ctr"/>
             <a:r>
               <a:rPr lang="en-US" altLang="zh-TW" sz="4800" dirty="0" smtClean="0"/>
+              <a:t>Demo - AML Studio</a:t>
+            </a:r>
+          </a:p>
+          <a:p>
+            <a:pPr algn="ctr"/>
+            <a:r>
+              <a:rPr lang="en-US" altLang="zh-TW" sz="2400" dirty="0" smtClean="0"/>
+              <a:t>(Short Link</a:t>
+            </a:r>
+            <a:r>
+              <a:rPr lang="en-US" altLang="zh-TW" sz="2400" dirty="0"/>
+              <a:t>: </a:t>
+            </a:r>
+            <a:r>
+              <a:rPr lang="en-US" altLang="zh-TW" sz="2400" dirty="0">
+                <a:hlinkClick r:id="rId2"/>
+              </a:rPr>
+              <a:t>https://goo.gl/SfJanw</a:t>
+            </a:r>
+            <a:r>
+              <a:rPr lang="en-US" altLang="zh-TW" sz="2400" dirty="0"/>
+              <a:t>)</a:t>
+            </a:r>
+            <a:endParaRPr lang="zh-TW" altLang="en-US" sz="2400" dirty="0"/>
+          </a:p>
+        </p:txBody>
+      </p:sp>
+    </p:spTree>
+    <p:extLst>
+      <p:ext uri="{BB962C8B-B14F-4D97-AF65-F5344CB8AC3E}">
+        <p14:creationId xmlns:p14="http://schemas.microsoft.com/office/powerpoint/2010/main" val="3290429186"/>
+      </p:ext>
+    </p:extLst>
+  </p:cSld>
+  <p:clrMapOvr>
+    <a:masterClrMapping/>
+  </p:clrMapOvr>
+  <p:timing>
+    <p:tnLst>
+      <p:par>
+        <p:cTn id="1" dur="indefinite" restart="never" nodeType="tmRoot"/>
+      </p:par>
+    </p:tnLst>
+  </p:timing>
+</p:sld>
+</file>
+
+<file path=ppt/slides/slide22.xml><?xml version="1.0" encoding="utf-8"?>
+<p:sld xmlns:a="http://schemas.openxmlformats.org/drawingml/2006/main" xmlns:r="http://schemas.openxmlformats.org/officeDocument/2006/relationships" xmlns:p="http://schemas.openxmlformats.org/presentationml/2006/main">
+  <p:cSld>
+    <p:spTree>
+      <p:nvGrpSpPr>
+        <p:cNvPr id="1" name=""/>
+        <p:cNvGrpSpPr/>
+        <p:nvPr/>
+      </p:nvGrpSpPr>
+      <p:grpSpPr>
+        <a:xfrm>
+          <a:off x="0" y="0"/>
+          <a:ext cx="0" cy="0"/>
+          <a:chOff x="0" y="0"/>
+          <a:chExt cx="0" cy="0"/>
+        </a:xfrm>
+      </p:grpSpPr>
+      <p:sp>
+        <p:nvSpPr>
+          <p:cNvPr id="4" name="Title 3"/>
+          <p:cNvSpPr>
+            <a:spLocks noGrp="1"/>
+          </p:cNvSpPr>
+          <p:nvPr>
+            <p:ph type="title"/>
+          </p:nvPr>
+        </p:nvSpPr>
+        <p:spPr>
+          <a:xfrm>
+            <a:off x="233169" y="141555"/>
+            <a:ext cx="6362158" cy="406715"/>
+          </a:xfrm>
+          <a:prstGeom prst="rect">
+            <a:avLst/>
+          </a:prstGeom>
+        </p:spPr>
+        <p:txBody>
+          <a:bodyPr/>
+          <a:lstStyle/>
+          <a:p>
+            <a:r>
+              <a:rPr lang="en-US" dirty="0"/>
+              <a:t>L</a:t>
+            </a:r>
+            <a:r>
+              <a:rPr lang="en-US" dirty="0" smtClean="0"/>
+              <a:t>earn more</a:t>
+            </a:r>
+            <a:endParaRPr lang="en-US" dirty="0"/>
+          </a:p>
+        </p:txBody>
+      </p:sp>
+      <p:sp>
+        <p:nvSpPr>
+          <p:cNvPr id="5" name="Content Placeholder 4"/>
+          <p:cNvSpPr>
+            <a:spLocks noGrp="1"/>
+          </p:cNvSpPr>
+          <p:nvPr>
+            <p:ph idx="1"/>
+          </p:nvPr>
+        </p:nvSpPr>
+        <p:spPr>
+          <a:xfrm>
+            <a:off x="233167" y="775292"/>
+            <a:ext cx="8683819" cy="3554416"/>
+          </a:xfrm>
+        </p:spPr>
+        <p:txBody>
+          <a:bodyPr/>
+          <a:lstStyle/>
+          <a:p>
+            <a:pPr marL="514350" indent="-457200"/>
+            <a:r>
+              <a:rPr lang="en-US" sz="1800" dirty="0" smtClean="0"/>
+              <a:t>Manual of </a:t>
+            </a:r>
+            <a:r>
+              <a:rPr lang="en-US" sz="1800" dirty="0" err="1" smtClean="0"/>
+              <a:t>dplyr</a:t>
+            </a:r>
+            <a:r>
+              <a:rPr lang="en-US" sz="1800" dirty="0" smtClean="0"/>
+              <a:t> package - </a:t>
+            </a:r>
+            <a:r>
+              <a:rPr lang="en-US" sz="1800" dirty="0"/>
+              <a:t>The R Project for Statistical </a:t>
+            </a:r>
+            <a:r>
+              <a:rPr lang="en-US" sz="1800" dirty="0" smtClean="0"/>
+              <a:t>Computing</a:t>
+            </a:r>
+          </a:p>
+          <a:p>
+            <a:pPr marL="914400" lvl="1" indent="-457200"/>
+            <a:r>
+              <a:rPr lang="en-US" sz="1600" u="sng" dirty="0"/>
+              <a:t>https://</a:t>
+            </a:r>
+            <a:r>
+              <a:rPr lang="en-US" sz="1600" u="sng" dirty="0" smtClean="0"/>
+              <a:t>cran.r-project.org/web/packages/dplyr/dplyr.pdf</a:t>
+            </a:r>
+            <a:endParaRPr lang="en-US" sz="1800" u="sng" dirty="0"/>
+          </a:p>
+          <a:p>
+            <a:pPr marL="514350" indent="-457200"/>
+            <a:r>
+              <a:rPr lang="en-US" sz="1800" dirty="0" smtClean="0"/>
+              <a:t>Cheat sheet </a:t>
+            </a:r>
+            <a:r>
+              <a:rPr lang="en-US" sz="1800" dirty="0"/>
+              <a:t>of </a:t>
+            </a:r>
+            <a:r>
+              <a:rPr lang="en-US" sz="1800" dirty="0" err="1"/>
+              <a:t>dplyr</a:t>
+            </a:r>
+            <a:r>
+              <a:rPr lang="en-US" sz="1800" dirty="0"/>
+              <a:t> package -</a:t>
+            </a:r>
+            <a:r>
+              <a:rPr lang="en-US" sz="1800" dirty="0" smtClean="0"/>
+              <a:t> </a:t>
+            </a:r>
+            <a:r>
+              <a:rPr lang="en-US" sz="1800" dirty="0" err="1" smtClean="0"/>
+              <a:t>Rstudio</a:t>
+            </a:r>
+            <a:endParaRPr lang="en-US" sz="1800" dirty="0" smtClean="0"/>
+          </a:p>
+          <a:p>
+            <a:pPr marL="914400" lvl="1" indent="-457200"/>
+            <a:r>
+              <a:rPr lang="en-US" sz="1600" dirty="0" smtClean="0"/>
+              <a:t>https://www.rstudio.com/wp-content/uploads/2015/02/data-wrangling-cheatsheet.pdf</a:t>
+            </a:r>
+          </a:p>
+          <a:p>
+            <a:pPr marL="514350" indent="-457200"/>
+            <a:r>
+              <a:rPr lang="en-US" sz="1800" dirty="0" smtClean="0"/>
+              <a:t>Introduction to Statistical Learning</a:t>
+            </a:r>
+          </a:p>
+          <a:p>
+            <a:pPr marL="914400" lvl="1" indent="-457200"/>
+            <a:r>
+              <a:rPr lang="en-US" sz="1600" u="sng" dirty="0" smtClean="0"/>
+              <a:t>http</a:t>
+            </a:r>
+            <a:r>
+              <a:rPr lang="en-US" sz="1600" u="sng" dirty="0"/>
+              <a:t>://www-bcf.usc.edu/~gareth/ISL/</a:t>
+            </a:r>
+          </a:p>
+          <a:p>
+            <a:pPr marL="514350" indent="-457200"/>
+            <a:r>
+              <a:rPr lang="en-US" sz="1800" dirty="0" smtClean="0"/>
+              <a:t>Elements </a:t>
+            </a:r>
+            <a:r>
+              <a:rPr lang="en-US" sz="1800" dirty="0"/>
+              <a:t>of Statistical Learning: data mining, inference, and </a:t>
+            </a:r>
+            <a:r>
+              <a:rPr lang="en-US" sz="1800" dirty="0" smtClean="0"/>
+              <a:t>prediction</a:t>
+            </a:r>
+          </a:p>
+          <a:p>
+            <a:pPr marL="914400" lvl="1" indent="-457200"/>
+            <a:r>
+              <a:rPr lang="en-US" sz="1600" u="sng" dirty="0"/>
+              <a:t>https://web.stanford.edu/~hastie/ElemStatLearn/</a:t>
+            </a:r>
+          </a:p>
+          <a:p>
+            <a:pPr marL="514350" indent="-457200"/>
+            <a:r>
+              <a:rPr lang="en-US" sz="1800" dirty="0" smtClean="0"/>
+              <a:t>Facebook Page: Microsoft </a:t>
+            </a:r>
+            <a:r>
+              <a:rPr lang="en-US" sz="1800" dirty="0"/>
+              <a:t>Student Partners in Taiwan </a:t>
+            </a:r>
+            <a:r>
+              <a:rPr lang="zh-TW" altLang="en-US" sz="1800" dirty="0"/>
+              <a:t>微軟學生大使 </a:t>
+            </a:r>
+            <a:r>
+              <a:rPr lang="en-US" altLang="zh-TW" sz="1800" dirty="0" smtClean="0"/>
+              <a:t>– </a:t>
+            </a:r>
+            <a:r>
+              <a:rPr lang="en-US" sz="1800" dirty="0" smtClean="0"/>
+              <a:t>MSP</a:t>
+            </a:r>
+          </a:p>
+          <a:p>
+            <a:pPr marL="914400" lvl="1" indent="-457200"/>
+            <a:r>
+              <a:rPr lang="en-US" sz="1600" u="sng" dirty="0"/>
+              <a:t>https://www.facebook.com/MSPTaiwan/</a:t>
+            </a:r>
+          </a:p>
+        </p:txBody>
+      </p:sp>
+    </p:spTree>
+    <p:extLst>
+      <p:ext uri="{BB962C8B-B14F-4D97-AF65-F5344CB8AC3E}">
+        <p14:creationId xmlns:p14="http://schemas.microsoft.com/office/powerpoint/2010/main" val="421959605"/>
+      </p:ext>
+    </p:extLst>
+  </p:cSld>
+  <p:clrMapOvr>
+    <a:masterClrMapping/>
+  </p:clrMapOvr>
+  <p:timing>
+    <p:tnLst>
+      <p:par>
+        <p:cTn id="1" dur="indefinite" restart="never" nodeType="tmRoot"/>
+      </p:par>
+    </p:tnLst>
+  </p:timing>
+</p:sld>
+</file>
+
+<file path=ppt/slides/slide23.xml><?xml version="1.0" encoding="utf-8"?>
+<p:sld xmlns:a="http://schemas.openxmlformats.org/drawingml/2006/main" xmlns:r="http://schemas.openxmlformats.org/officeDocument/2006/relationships" xmlns:p="http://schemas.openxmlformats.org/presentationml/2006/main">
+  <p:cSld>
+    <p:spTree>
+      <p:nvGrpSpPr>
+        <p:cNvPr id="1" name=""/>
+        <p:cNvGrpSpPr/>
+        <p:nvPr/>
+      </p:nvGrpSpPr>
+      <p:grpSpPr>
+        <a:xfrm>
+          <a:off x="0" y="0"/>
+          <a:ext cx="0" cy="0"/>
+          <a:chOff x="0" y="0"/>
+          <a:chExt cx="0" cy="0"/>
+        </a:xfrm>
+      </p:grpSpPr>
+      <p:sp>
+        <p:nvSpPr>
+          <p:cNvPr id="2" name="矩形 1"/>
+          <p:cNvSpPr/>
+          <p:nvPr/>
+        </p:nvSpPr>
+        <p:spPr>
+          <a:xfrm>
+            <a:off x="1417320" y="1672046"/>
+            <a:ext cx="6237515" cy="1691640"/>
+          </a:xfrm>
+          <a:prstGeom prst="rect">
+            <a:avLst/>
+          </a:prstGeom>
+          <a:solidFill>
+            <a:schemeClr val="accent1"/>
+          </a:solidFill>
+          <a:ln>
+            <a:noFill/>
+          </a:ln>
+          <a:effectLst/>
+        </p:spPr>
+        <p:style>
+          <a:lnRef idx="1">
+            <a:schemeClr val="accent1"/>
+          </a:lnRef>
+          <a:fillRef idx="3">
+            <a:schemeClr val="accent1"/>
+          </a:fillRef>
+          <a:effectRef idx="2">
+            <a:schemeClr val="accent1"/>
+          </a:effectRef>
+          <a:fontRef idx="minor">
+            <a:schemeClr val="lt1"/>
+          </a:fontRef>
+        </p:style>
+        <p:txBody>
+          <a:bodyPr rtlCol="0" anchor="ctr"/>
+          <a:lstStyle/>
+          <a:p>
+            <a:pPr algn="ctr"/>
+            <a:r>
+              <a:rPr lang="en-US" altLang="zh-TW" sz="4800" dirty="0" smtClean="0"/>
               <a:t>Q &amp; A</a:t>
             </a:r>
           </a:p>
@@ -18880,7 +21777,7 @@
 </p:sld>
 </file>
 
-<file path=ppt/slides/slide23.xml><?xml version="1.0" encoding="utf-8"?>
+<file path=ppt/slides/slide24.xml><?xml version="1.0" encoding="utf-8"?>
 <p:sld xmlns:a="http://schemas.openxmlformats.org/drawingml/2006/main" xmlns:r="http://schemas.openxmlformats.org/officeDocument/2006/relationships" xmlns:p="http://schemas.openxmlformats.org/presentationml/2006/main">
   <p:cSld>
     <p:spTree>
@@ -18940,11 +21837,7 @@
             <a:pPr algn="ctr"/>
             <a:r>
               <a:rPr lang="en-US" altLang="zh-TW" sz="2400" dirty="0" smtClean="0"/>
-              <a:t>Thank </a:t>
-            </a:r>
-            <a:r>
-              <a:rPr lang="en-US" altLang="zh-TW" sz="2400" dirty="0" smtClean="0"/>
-              <a:t>you for coming!</a:t>
+              <a:t>Thank you for coming!</a:t>
             </a:r>
             <a:endParaRPr lang="zh-TW" altLang="en-US" sz="2400" dirty="0"/>
           </a:p>
@@ -19546,16 +22439,33 @@
               <a:t>Output: Salary of </a:t>
             </a:r>
             <a:r>
+              <a:rPr lang="en-US" sz="1800" dirty="0"/>
+              <a:t>batters in </a:t>
+            </a:r>
+            <a:r>
               <a:rPr lang="en-US" sz="1800" dirty="0" smtClean="0"/>
-              <a:t>players</a:t>
+              <a:t>2016</a:t>
             </a:r>
           </a:p>
           <a:p>
             <a:pPr marL="914400" lvl="1" indent="-457200"/>
             <a:r>
+              <a:rPr lang="en-US" sz="1800" dirty="0" smtClean="0"/>
+              <a:t>Input</a:t>
+            </a:r>
+            <a:r>
               <a:rPr lang="en-US" sz="1800" dirty="0"/>
-              <a:t>Input: Information about players</a:t>
-            </a:r>
+              <a:t>: Information </a:t>
+            </a:r>
+            <a:r>
+              <a:rPr lang="en-US" sz="1800" dirty="0" smtClean="0"/>
+              <a:t>about </a:t>
+            </a:r>
+            <a:r>
+              <a:rPr lang="en-US" sz="1800" dirty="0"/>
+              <a:t>batters and their teams in 2015</a:t>
+            </a:r>
+            <a:endParaRPr lang="en-US" sz="1800" dirty="0"/>
           </a:p>
         </p:txBody>
       </p:sp>
@@ -22647,7 +25557,7 @@
                             </p:stCondLst>
                             <p:childTnLst>
                               <p:par>
-                                <p:cTn id="5" presetID="22" presetClass="entr" presetSubtype="8" fill="hold" grpId="0" nodeType="clickEffect">
+                                <p:cTn id="5" presetID="10" presetClass="entr" presetSubtype="0" fill="hold" grpId="0" nodeType="clickEffect">
                                   <p:stCondLst>
                                     <p:cond delay="0"/>
                                   </p:stCondLst>
@@ -22660,7 +25570,7 @@
                                           </p:stCondLst>
                                         </p:cTn>
                                         <p:tgtEl>
-                                          <p:spTgt spid="22"/>
+                                          <p:spTgt spid="2"/>
                                         </p:tgtEl>
                                         <p:attrNameLst>
                                           <p:attrName>style.visibility</p:attrName>
@@ -22670,11 +25580,11 @@
                                         <p:strVal val="visible"/>
                                       </p:to>
                                     </p:set>
-                                    <p:animEffect transition="in" filter="wipe(left)">
+                                    <p:animEffect transition="in" filter="fade">
                                       <p:cBhvr>
-                                        <p:cTn id="7" dur="1000"/>
+                                        <p:cTn id="7" dur="500"/>
                                         <p:tgtEl>
-                                          <p:spTgt spid="22"/>
+                                          <p:spTgt spid="2"/>
                                         </p:tgtEl>
                                       </p:cBhvr>
                                     </p:animEffect>
@@ -22700,7 +25610,7 @@
                             </p:stCondLst>
                             <p:childTnLst>
                               <p:par>
-                                <p:cTn id="10" presetID="10" presetClass="entr" presetSubtype="0" fill="hold" grpId="0" nodeType="clickEffect">
+                                <p:cTn id="10" presetID="10" presetClass="entr" presetSubtype="0" fill="hold" nodeType="clickEffect">
                                   <p:stCondLst>
                                     <p:cond delay="0"/>
                                   </p:stCondLst>
@@ -22708,59 +25618,6 @@
                                     <p:set>
                                       <p:cBhvr>
                                         <p:cTn id="11" dur="1" fill="hold">
-                                          <p:stCondLst>
-                                            <p:cond delay="0"/>
-                                          </p:stCondLst>
-                                        </p:cTn>
-                                        <p:tgtEl>
-                                          <p:spTgt spid="2"/>
-                                        </p:tgtEl>
-                                        <p:attrNameLst>
-                                          <p:attrName>style.visibility</p:attrName>
-                                        </p:attrNameLst>
-                                      </p:cBhvr>
-                                      <p:to>
-                                        <p:strVal val="visible"/>
-                                      </p:to>
-                                    </p:set>
-                                    <p:animEffect transition="in" filter="fade">
-                                      <p:cBhvr>
-                                        <p:cTn id="12" dur="500"/>
-                                        <p:tgtEl>
-                                          <p:spTgt spid="2"/>
-                                        </p:tgtEl>
-                                      </p:cBhvr>
-                                    </p:animEffect>
-                                  </p:childTnLst>
-                                </p:cTn>
-                              </p:par>
-                            </p:childTnLst>
-                          </p:cTn>
-                        </p:par>
-                      </p:childTnLst>
-                    </p:cTn>
-                  </p:par>
-                  <p:par>
-                    <p:cTn id="13" fill="hold">
-                      <p:stCondLst>
-                        <p:cond delay="indefinite"/>
-                      </p:stCondLst>
-                      <p:childTnLst>
-                        <p:par>
-                          <p:cTn id="14" fill="hold">
-                            <p:stCondLst>
-                              <p:cond delay="0"/>
-                            </p:stCondLst>
-                            <p:childTnLst>
-                              <p:par>
-                                <p:cTn id="15" presetID="10" presetClass="entr" presetSubtype="0" fill="hold" nodeType="clickEffect">
-                                  <p:stCondLst>
-                                    <p:cond delay="0"/>
-                                  </p:stCondLst>
-                                  <p:childTnLst>
-                                    <p:set>
-                                      <p:cBhvr>
-                                        <p:cTn id="16" dur="1" fill="hold">
                                           <p:stCondLst>
                                             <p:cond delay="0"/>
                                           </p:stCondLst>
@@ -22778,7 +25635,7 @@
                                     </p:set>
                                     <p:animEffect transition="in" filter="fade">
                                       <p:cBhvr>
-                                        <p:cTn id="17" dur="500"/>
+                                        <p:cTn id="12" dur="500"/>
                                         <p:tgtEl>
                                           <p:spTgt spid="6"/>
                                         </p:tgtEl>
@@ -22788,14 +25645,14 @@
                                 </p:cTn>
                               </p:par>
                               <p:par>
-                                <p:cTn id="18" presetID="10" presetClass="entr" presetSubtype="0" fill="hold" grpId="0" nodeType="withEffect">
+                                <p:cTn id="13" presetID="10" presetClass="entr" presetSubtype="0" fill="hold" grpId="0" nodeType="withEffect">
                                   <p:stCondLst>
                                     <p:cond delay="0"/>
                                   </p:stCondLst>
                                   <p:childTnLst>
                                     <p:set>
                                       <p:cBhvr>
-                                        <p:cTn id="19" dur="1" fill="hold">
+                                        <p:cTn id="14" dur="1" fill="hold">
                                           <p:stCondLst>
                                             <p:cond delay="0"/>
                                           </p:stCondLst>
@@ -22813,7 +25670,7 @@
                                     </p:set>
                                     <p:animEffect transition="in" filter="fade">
                                       <p:cBhvr>
-                                        <p:cTn id="20" dur="500"/>
+                                        <p:cTn id="15" dur="500"/>
                                         <p:tgtEl>
                                           <p:spTgt spid="10"/>
                                         </p:tgtEl>
@@ -22823,14 +25680,14 @@
                                 </p:cTn>
                               </p:par>
                               <p:par>
-                                <p:cTn id="21" presetID="10" presetClass="entr" presetSubtype="0" fill="hold" grpId="0" nodeType="withEffect">
+                                <p:cTn id="16" presetID="10" presetClass="entr" presetSubtype="0" fill="hold" grpId="0" nodeType="withEffect">
                                   <p:stCondLst>
                                     <p:cond delay="0"/>
                                   </p:stCondLst>
                                   <p:childTnLst>
                                     <p:set>
                                       <p:cBhvr>
-                                        <p:cTn id="22" dur="1" fill="hold">
+                                        <p:cTn id="17" dur="1" fill="hold">
                                           <p:stCondLst>
                                             <p:cond delay="0"/>
                                           </p:stCondLst>
@@ -22848,7 +25705,7 @@
                                     </p:set>
                                     <p:animEffect transition="in" filter="fade">
                                       <p:cBhvr>
-                                        <p:cTn id="23" dur="500"/>
+                                        <p:cTn id="18" dur="500"/>
                                         <p:tgtEl>
                                           <p:spTgt spid="8"/>
                                         </p:tgtEl>
@@ -22858,14 +25715,14 @@
                                 </p:cTn>
                               </p:par>
                               <p:par>
-                                <p:cTn id="24" presetID="10" presetClass="entr" presetSubtype="0" fill="hold" grpId="0" nodeType="withEffect">
+                                <p:cTn id="19" presetID="10" presetClass="entr" presetSubtype="0" fill="hold" grpId="0" nodeType="withEffect">
                                   <p:stCondLst>
                                     <p:cond delay="0"/>
                                   </p:stCondLst>
                                   <p:childTnLst>
                                     <p:set>
                                       <p:cBhvr>
-                                        <p:cTn id="25" dur="1" fill="hold">
+                                        <p:cTn id="20" dur="1" fill="hold">
                                           <p:stCondLst>
                                             <p:cond delay="0"/>
                                           </p:stCondLst>
@@ -22883,7 +25740,7 @@
                                     </p:set>
                                     <p:animEffect transition="in" filter="fade">
                                       <p:cBhvr>
-                                        <p:cTn id="26" dur="500"/>
+                                        <p:cTn id="21" dur="500"/>
                                         <p:tgtEl>
                                           <p:spTgt spid="9"/>
                                         </p:tgtEl>
@@ -22893,14 +25750,14 @@
                                 </p:cTn>
                               </p:par>
                               <p:par>
-                                <p:cTn id="27" presetID="10" presetClass="entr" presetSubtype="0" fill="hold" grpId="0" nodeType="withEffect">
+                                <p:cTn id="22" presetID="10" presetClass="entr" presetSubtype="0" fill="hold" grpId="0" nodeType="withEffect">
                                   <p:stCondLst>
                                     <p:cond delay="0"/>
                                   </p:stCondLst>
                                   <p:childTnLst>
                                     <p:set>
                                       <p:cBhvr>
-                                        <p:cTn id="28" dur="1" fill="hold">
+                                        <p:cTn id="23" dur="1" fill="hold">
                                           <p:stCondLst>
                                             <p:cond delay="0"/>
                                           </p:stCondLst>
@@ -22918,9 +25775,62 @@
                                     </p:set>
                                     <p:animEffect transition="in" filter="fade">
                                       <p:cBhvr>
-                                        <p:cTn id="29" dur="500"/>
+                                        <p:cTn id="24" dur="500"/>
                                         <p:tgtEl>
                                           <p:spTgt spid="11"/>
+                                        </p:tgtEl>
+                                      </p:cBhvr>
+                                    </p:animEffect>
+                                  </p:childTnLst>
+                                </p:cTn>
+                              </p:par>
+                            </p:childTnLst>
+                          </p:cTn>
+                        </p:par>
+                      </p:childTnLst>
+                    </p:cTn>
+                  </p:par>
+                  <p:par>
+                    <p:cTn id="25" fill="hold">
+                      <p:stCondLst>
+                        <p:cond delay="indefinite"/>
+                      </p:stCondLst>
+                      <p:childTnLst>
+                        <p:par>
+                          <p:cTn id="26" fill="hold">
+                            <p:stCondLst>
+                              <p:cond delay="0"/>
+                            </p:stCondLst>
+                            <p:childTnLst>
+                              <p:par>
+                                <p:cTn id="27" presetID="22" presetClass="entr" presetSubtype="8" fill="hold" grpId="0" nodeType="clickEffect">
+                                  <p:stCondLst>
+                                    <p:cond delay="0"/>
+                                  </p:stCondLst>
+                                  <p:childTnLst>
+                                    <p:set>
+                                      <p:cBhvr>
+                                        <p:cTn id="28" dur="1" fill="hold">
+                                          <p:stCondLst>
+                                            <p:cond delay="0"/>
+                                          </p:stCondLst>
+                                        </p:cTn>
+                                        <p:tgtEl>
+                                          <p:spTgt spid="22"/>
+                                        </p:tgtEl>
+                                        <p:attrNameLst>
+                                          <p:attrName>style.visibility</p:attrName>
+                                        </p:attrNameLst>
+                                      </p:cBhvr>
+                                      <p:to>
+                                        <p:strVal val="visible"/>
+                                      </p:to>
+                                    </p:set>
+                                    <p:animEffect transition="in" filter="wipe(left)">
+                                      <p:cBhvr>
+                                        <p:cTn id="29" dur="1000"/>
+                                        <p:tgtEl>
+                                          <p:spTgt spid="22"/>
                                         </p:tgtEl>
                                       </p:cBhvr>
                                     </p:animEffect>
@@ -25021,8 +27931,21 @@
                   <a:schemeClr val="bg1"/>
                 </a:solidFill>
               </a:rPr>
-              <a:t>:  26,428 x 5</a:t>
-            </a:r>
+              <a:t>:  26,428 x </a:t>
+            </a:r>
+            <a:r>
+              <a:rPr lang="en-US" altLang="zh-TW" sz="1400" dirty="0" smtClean="0">
+                <a:solidFill>
+                  <a:schemeClr val="bg1"/>
+                </a:solidFill>
+              </a:rPr>
+              <a:t>3</a:t>
+            </a:r>
+            <a:endParaRPr lang="en-US" altLang="zh-TW" sz="1400" dirty="0">
+              <a:solidFill>
+                <a:schemeClr val="bg1"/>
+              </a:solidFill>
+            </a:endParaRPr>
           </a:p>
           <a:p>
             <a:r>
@@ -32349,6 +35272,14 @@
 </file>
 
 <file path=customXml/item1.xml><?xml version="1.0" encoding="utf-8"?>
+<p:properties xmlns:p="http://schemas.microsoft.com/office/2006/metadata/properties" xmlns:xsi="http://www.w3.org/2001/XMLSchema-instance" xmlns:pc="http://schemas.microsoft.com/office/infopath/2007/PartnerControls">
+  <documentManagement>
+    <Program xmlns="3fce3ed0-24d1-45d0-8014-96f22eb6b0fb"/>
+  </documentManagement>
+</p:properties>
+</file>
+
+<file path=customXml/item2.xml><?xml version="1.0" encoding="utf-8"?>
 <ct:contentTypeSchema xmlns:ct="http://schemas.microsoft.com/office/2006/metadata/contentType" xmlns:ma="http://schemas.microsoft.com/office/2006/metadata/properties/metaAttributes" ct:_="" ma:_="" ma:contentTypeName="Document" ma:contentTypeID="0x01010041C2185FD0CA74419E79410895F7D8A9" ma:contentTypeVersion="12" ma:contentTypeDescription="Create a new document." ma:contentTypeScope="" ma:versionID="de8759042a2ec55ea0ec20e32d909ac2">
   <xsd:schema xmlns:xsd="http://www.w3.org/2001/XMLSchema" xmlns:xs="http://www.w3.org/2001/XMLSchema" xmlns:p="http://schemas.microsoft.com/office/2006/metadata/properties" xmlns:ns2="3fce3ed0-24d1-45d0-8014-96f22eb6b0fb" xmlns:ns3="c7d759ad-c71d-4e7a-8896-957c2805ad24" xmlns:ns4="cbd1dd4f-7f1a-4b60-b24c-ce56e0497876" targetNamespace="http://schemas.microsoft.com/office/2006/metadata/properties" ma:root="true" ma:fieldsID="4b61a1e8163061dc2ef92aba6740c7ae" ns2:_="" ns3:_="" ns4:_="">
     <xsd:import namespace="3fce3ed0-24d1-45d0-8014-96f22eb6b0fb"/>
@@ -32573,14 +35504,6 @@
 </ct:contentTypeSchema>
 </file>
 
-<file path=customXml/item2.xml><?xml version="1.0" encoding="utf-8"?>
-<p:properties xmlns:p="http://schemas.microsoft.com/office/2006/metadata/properties" xmlns:xsi="http://www.w3.org/2001/XMLSchema-instance" xmlns:pc="http://schemas.microsoft.com/office/infopath/2007/PartnerControls">
-  <documentManagement>
-    <Program xmlns="3fce3ed0-24d1-45d0-8014-96f22eb6b0fb"/>
-  </documentManagement>
-</p:properties>
-</file>
-
 <file path=customXml/item3.xml><?xml version="1.0" encoding="utf-8"?>
 <?mso-contentType ?>
 <FormTemplates xmlns="http://schemas.microsoft.com/sharepoint/v3/contenttype/forms">
@@ -32591,6 +35514,24 @@
 </file>
 
 <file path=customXml/itemProps1.xml><?xml version="1.0" encoding="utf-8"?>
+<ds:datastoreItem xmlns:ds="http://schemas.openxmlformats.org/officeDocument/2006/customXml" ds:itemID="{7EF52303-DD41-4871-8221-5749C8E3EEE6}">
+  <ds:schemaRefs>
+    <ds:schemaRef ds:uri="http://www.w3.org/XML/1998/namespace"/>
+    <ds:schemaRef ds:uri="http://schemas.openxmlformats.org/package/2006/metadata/core-properties"/>
+    <ds:schemaRef ds:uri="http://schemas.microsoft.com/office/2006/documentManagement/types"/>
+    <ds:schemaRef ds:uri="http://purl.org/dc/terms/"/>
+    <ds:schemaRef ds:uri="c7d759ad-c71d-4e7a-8896-957c2805ad24"/>
+    <ds:schemaRef ds:uri="3fce3ed0-24d1-45d0-8014-96f22eb6b0fb"/>
+    <ds:schemaRef ds:uri="cbd1dd4f-7f1a-4b60-b24c-ce56e0497876"/>
+    <ds:schemaRef ds:uri="http://schemas.microsoft.com/office/infopath/2007/PartnerControls"/>
+    <ds:schemaRef ds:uri="http://schemas.microsoft.com/office/2006/metadata/properties"/>
+    <ds:schemaRef ds:uri="http://purl.org/dc/dcmitype/"/>
+    <ds:schemaRef ds:uri="http://purl.org/dc/elements/1.1/"/>
+  </ds:schemaRefs>
+</ds:datastoreItem>
+</file>
+
+<file path=customXml/itemProps2.xml><?xml version="1.0" encoding="utf-8"?>
 <ds:datastoreItem xmlns:ds="http://schemas.openxmlformats.org/officeDocument/2006/customXml" ds:itemID="{6B57F43C-BADB-4723-A685-7D9114197987}">
   <ds:schemaRefs>
     <ds:schemaRef ds:uri="http://schemas.microsoft.com/office/2006/metadata/contentType"/>
@@ -32610,24 +35551,6 @@
 </ds:datastoreItem>
 </file>
 
-<file path=customXml/itemProps2.xml><?xml version="1.0" encoding="utf-8"?>
-<ds:datastoreItem xmlns:ds="http://schemas.openxmlformats.org/officeDocument/2006/customXml" ds:itemID="{7EF52303-DD41-4871-8221-5749C8E3EEE6}">
-  <ds:schemaRefs>
-    <ds:schemaRef ds:uri="http://www.w3.org/XML/1998/namespace"/>
-    <ds:schemaRef ds:uri="http://schemas.openxmlformats.org/package/2006/metadata/core-properties"/>
-    <ds:schemaRef ds:uri="http://schemas.microsoft.com/office/2006/documentManagement/types"/>
-    <ds:schemaRef ds:uri="http://purl.org/dc/terms/"/>
-    <ds:schemaRef ds:uri="c7d759ad-c71d-4e7a-8896-957c2805ad24"/>
-    <ds:schemaRef ds:uri="3fce3ed0-24d1-45d0-8014-96f22eb6b0fb"/>
-    <ds:schemaRef ds:uri="cbd1dd4f-7f1a-4b60-b24c-ce56e0497876"/>
-    <ds:schemaRef ds:uri="http://schemas.microsoft.com/office/infopath/2007/PartnerControls"/>
-    <ds:schemaRef ds:uri="http://schemas.microsoft.com/office/2006/metadata/properties"/>
-    <ds:schemaRef ds:uri="http://purl.org/dc/dcmitype/"/>
-    <ds:schemaRef ds:uri="http://purl.org/dc/elements/1.1/"/>
-  </ds:schemaRefs>
-</ds:datastoreItem>
-</file>
-
 <file path=customXml/itemProps3.xml><?xml version="1.0" encoding="utf-8"?>
 <ds:datastoreItem xmlns:ds="http://schemas.openxmlformats.org/officeDocument/2006/customXml" ds:itemID="{A681D2DF-F93E-4CC1-8A50-704C6CA0430E}">
   <ds:schemaRefs>

--- a/MSP_RIntoduction_IanHsu_20171025.pptx
+++ b/MSP_RIntoduction_IanHsu_20171025.pptx
@@ -4230,11 +4230,7 @@
             </a:r>
             <a:r>
               <a:rPr lang="zh-TW" altLang="en-US" sz="1400" dirty="0" smtClean="0"/>
-              <a:t>    </a:t>
-            </a:r>
-            <a:r>
-              <a:rPr lang="zh-TW" altLang="en-US" sz="1400" dirty="0" smtClean="0"/>
-              <a:t>  </a:t>
+              <a:t>      </a:t>
             </a:r>
             <a:r>
               <a:rPr lang="en-US" altLang="zh-TW" sz="1400" dirty="0"/>
@@ -4450,9 +4446,6 @@
               </a:rPr>
               <a:t>(salary))</a:t>
             </a:r>
-            <a:endParaRPr lang="en-US" altLang="zh-TW" b="1" dirty="0">
-              <a:latin typeface="Consolas" panose="020B0609020204030204" pitchFamily="49" charset="0"/>
-            </a:endParaRPr>
           </a:p>
         </p:txBody>
       </p:sp>
@@ -14740,11 +14733,7 @@
                       </a:pPr>
                       <a:r>
                         <a:rPr lang="en-US" altLang="zh-TW" sz="1100" dirty="0" smtClean="0"/>
-                        <a:t>Variable </a:t>
-                      </a:r>
-                      <a:r>
-                        <a:rPr lang="en-US" altLang="zh-TW" sz="1100" dirty="0" smtClean="0"/>
-                        <a:t>2</a:t>
+                        <a:t>Variable 2</a:t>
                       </a:r>
                       <a:endParaRPr lang="zh-TW" altLang="en-US" sz="1100" dirty="0" smtClean="0"/>
                     </a:p>
@@ -15593,15 +15582,7 @@
                   <a:srgbClr val="FF0000"/>
                 </a:solidFill>
               </a:rPr>
-              <a:t>    NA</a:t>
-            </a:r>
-            <a:r>
-              <a:rPr lang="en-US" altLang="zh-TW" sz="1400" dirty="0" smtClean="0">
-                <a:solidFill>
-                  <a:srgbClr val="FF0000"/>
-                </a:solidFill>
-              </a:rPr>
-              <a:t>		    NA		    NA</a:t>
+              <a:t>    NA		    NA		    NA</a:t>
             </a:r>
           </a:p>
           <a:p>
@@ -15922,11 +15903,7 @@
                       </a:pPr>
                       <a:r>
                         <a:rPr lang="en-US" altLang="zh-TW" sz="1100" dirty="0" smtClean="0"/>
-                        <a:t>Variable </a:t>
-                      </a:r>
-                      <a:r>
-                        <a:rPr lang="en-US" altLang="zh-TW" sz="1100" dirty="0" smtClean="0"/>
-                        <a:t>2</a:t>
+                        <a:t>Variable 2</a:t>
                       </a:r>
                       <a:endParaRPr lang="zh-TW" altLang="en-US" sz="1100" dirty="0" smtClean="0"/>
                     </a:p>
@@ -17728,15 +17705,7 @@
                   <a:srgbClr val="FF0000"/>
                 </a:solidFill>
               </a:rPr>
-              <a:t>    NA</a:t>
-            </a:r>
-            <a:r>
-              <a:rPr lang="en-US" altLang="zh-TW" sz="1400" dirty="0" smtClean="0">
-                <a:solidFill>
-                  <a:srgbClr val="FF0000"/>
-                </a:solidFill>
-              </a:rPr>
-              <a:t>		    NA		    NA</a:t>
+              <a:t>    NA		    NA		    NA</a:t>
             </a:r>
           </a:p>
           <a:p>
@@ -19010,11 +18979,7 @@
                       </a:pPr>
                       <a:r>
                         <a:rPr lang="en-US" altLang="zh-TW" sz="1100" dirty="0" smtClean="0"/>
-                        <a:t>Variable </a:t>
-                      </a:r>
-                      <a:r>
-                        <a:rPr lang="en-US" altLang="zh-TW" sz="1100" dirty="0" smtClean="0"/>
-                        <a:t>2</a:t>
+                        <a:t>Variable 2</a:t>
                       </a:r>
                       <a:endParaRPr lang="zh-TW" altLang="en-US" sz="1100" dirty="0" smtClean="0"/>
                     </a:p>
@@ -20940,25 +20905,25 @@
               <a:buNone/>
             </a:pPr>
             <a:r>
-              <a:rPr lang="zh-TW" altLang="en-US" sz="2400" dirty="0" smtClean="0">
+              <a:rPr lang="zh-TW" altLang="en-US" sz="2400" b="1" dirty="0" smtClean="0">
                 <a:latin typeface="微軟正黑體" panose="020B0604030504040204" pitchFamily="34" charset="-120"/>
                 <a:ea typeface="微軟正黑體" panose="020B0604030504040204" pitchFamily="34" charset="-120"/>
               </a:rPr>
               <a:t>徐</a:t>
             </a:r>
             <a:r>
-              <a:rPr lang="zh-TW" altLang="en-US" sz="2400" dirty="0">
+              <a:rPr lang="zh-TW" altLang="en-US" sz="2400" b="1" dirty="0">
                 <a:latin typeface="微軟正黑體" panose="020B0604030504040204" pitchFamily="34" charset="-120"/>
                 <a:ea typeface="微軟正黑體" panose="020B0604030504040204" pitchFamily="34" charset="-120"/>
               </a:rPr>
               <a:t>英愷 </a:t>
             </a:r>
             <a:r>
-              <a:rPr lang="en-US" sz="2400" dirty="0"/>
+              <a:rPr lang="en-US" sz="2400" b="1" dirty="0"/>
               <a:t>Ian </a:t>
             </a:r>
             <a:r>
-              <a:rPr lang="en-US" sz="2400" dirty="0" smtClean="0"/>
+              <a:rPr lang="en-US" sz="2400" b="1" dirty="0" smtClean="0"/>
               <a:t>Hsu</a:t>
             </a:r>
           </a:p>
@@ -21260,11 +21225,7 @@
             <a:pPr algn="ctr"/>
             <a:r>
               <a:rPr lang="en-US" altLang="zh-TW" sz="4800" dirty="0" smtClean="0"/>
-              <a:t>Demo </a:t>
-            </a:r>
-            <a:r>
-              <a:rPr lang="en-US" altLang="zh-TW" sz="4800" dirty="0" smtClean="0"/>
-              <a:t>- </a:t>
+              <a:t>Demo - </a:t>
             </a:r>
             <a:r>
               <a:rPr lang="en-US" altLang="zh-TW" sz="4800" dirty="0" err="1" smtClean="0"/>
@@ -22436,11 +22397,7 @@
             <a:pPr marL="914400" lvl="1" indent="-457200"/>
             <a:r>
               <a:rPr lang="en-US" sz="1800" dirty="0"/>
-              <a:t>Output: Salary of </a:t>
-            </a:r>
-            <a:r>
-              <a:rPr lang="en-US" sz="1800" dirty="0"/>
-              <a:t>batters in </a:t>
+              <a:t>Output: Salary of batters in </a:t>
             </a:r>
             <a:r>
               <a:rPr lang="en-US" sz="1800" dirty="0" smtClean="0"/>
@@ -22465,7 +22422,6 @@
               <a:rPr lang="en-US" sz="1800" dirty="0"/>
               <a:t>batters and their teams in 2015</a:t>
             </a:r>
-            <a:endParaRPr lang="en-US" sz="1800" dirty="0"/>
           </a:p>
         </p:txBody>
       </p:sp>
@@ -35272,14 +35228,6 @@
 </file>
 
 <file path=customXml/item1.xml><?xml version="1.0" encoding="utf-8"?>
-<p:properties xmlns:p="http://schemas.microsoft.com/office/2006/metadata/properties" xmlns:xsi="http://www.w3.org/2001/XMLSchema-instance" xmlns:pc="http://schemas.microsoft.com/office/infopath/2007/PartnerControls">
-  <documentManagement>
-    <Program xmlns="3fce3ed0-24d1-45d0-8014-96f22eb6b0fb"/>
-  </documentManagement>
-</p:properties>
-</file>
-
-<file path=customXml/item2.xml><?xml version="1.0" encoding="utf-8"?>
 <ct:contentTypeSchema xmlns:ct="http://schemas.microsoft.com/office/2006/metadata/contentType" xmlns:ma="http://schemas.microsoft.com/office/2006/metadata/properties/metaAttributes" ct:_="" ma:_="" ma:contentTypeName="Document" ma:contentTypeID="0x01010041C2185FD0CA74419E79410895F7D8A9" ma:contentTypeVersion="12" ma:contentTypeDescription="Create a new document." ma:contentTypeScope="" ma:versionID="de8759042a2ec55ea0ec20e32d909ac2">
   <xsd:schema xmlns:xsd="http://www.w3.org/2001/XMLSchema" xmlns:xs="http://www.w3.org/2001/XMLSchema" xmlns:p="http://schemas.microsoft.com/office/2006/metadata/properties" xmlns:ns2="3fce3ed0-24d1-45d0-8014-96f22eb6b0fb" xmlns:ns3="c7d759ad-c71d-4e7a-8896-957c2805ad24" xmlns:ns4="cbd1dd4f-7f1a-4b60-b24c-ce56e0497876" targetNamespace="http://schemas.microsoft.com/office/2006/metadata/properties" ma:root="true" ma:fieldsID="4b61a1e8163061dc2ef92aba6740c7ae" ns2:_="" ns3:_="" ns4:_="">
     <xsd:import namespace="3fce3ed0-24d1-45d0-8014-96f22eb6b0fb"/>
@@ -35504,6 +35452,14 @@
 </ct:contentTypeSchema>
 </file>
 
+<file path=customXml/item2.xml><?xml version="1.0" encoding="utf-8"?>
+<p:properties xmlns:p="http://schemas.microsoft.com/office/2006/metadata/properties" xmlns:xsi="http://www.w3.org/2001/XMLSchema-instance" xmlns:pc="http://schemas.microsoft.com/office/infopath/2007/PartnerControls">
+  <documentManagement>
+    <Program xmlns="3fce3ed0-24d1-45d0-8014-96f22eb6b0fb"/>
+  </documentManagement>
+</p:properties>
+</file>
+
 <file path=customXml/item3.xml><?xml version="1.0" encoding="utf-8"?>
 <?mso-contentType ?>
 <FormTemplates xmlns="http://schemas.microsoft.com/sharepoint/v3/contenttype/forms">
@@ -35514,24 +35470,6 @@
 </file>
 
 <file path=customXml/itemProps1.xml><?xml version="1.0" encoding="utf-8"?>
-<ds:datastoreItem xmlns:ds="http://schemas.openxmlformats.org/officeDocument/2006/customXml" ds:itemID="{7EF52303-DD41-4871-8221-5749C8E3EEE6}">
-  <ds:schemaRefs>
-    <ds:schemaRef ds:uri="http://www.w3.org/XML/1998/namespace"/>
-    <ds:schemaRef ds:uri="http://schemas.openxmlformats.org/package/2006/metadata/core-properties"/>
-    <ds:schemaRef ds:uri="http://schemas.microsoft.com/office/2006/documentManagement/types"/>
-    <ds:schemaRef ds:uri="http://purl.org/dc/terms/"/>
-    <ds:schemaRef ds:uri="c7d759ad-c71d-4e7a-8896-957c2805ad24"/>
-    <ds:schemaRef ds:uri="3fce3ed0-24d1-45d0-8014-96f22eb6b0fb"/>
-    <ds:schemaRef ds:uri="cbd1dd4f-7f1a-4b60-b24c-ce56e0497876"/>
-    <ds:schemaRef ds:uri="http://schemas.microsoft.com/office/infopath/2007/PartnerControls"/>
-    <ds:schemaRef ds:uri="http://schemas.microsoft.com/office/2006/metadata/properties"/>
-    <ds:schemaRef ds:uri="http://purl.org/dc/dcmitype/"/>
-    <ds:schemaRef ds:uri="http://purl.org/dc/elements/1.1/"/>
-  </ds:schemaRefs>
-</ds:datastoreItem>
-</file>
-
-<file path=customXml/itemProps2.xml><?xml version="1.0" encoding="utf-8"?>
 <ds:datastoreItem xmlns:ds="http://schemas.openxmlformats.org/officeDocument/2006/customXml" ds:itemID="{6B57F43C-BADB-4723-A685-7D9114197987}">
   <ds:schemaRefs>
     <ds:schemaRef ds:uri="http://schemas.microsoft.com/office/2006/metadata/contentType"/>
@@ -35551,6 +35489,24 @@
 </ds:datastoreItem>
 </file>
 
+<file path=customXml/itemProps2.xml><?xml version="1.0" encoding="utf-8"?>
+<ds:datastoreItem xmlns:ds="http://schemas.openxmlformats.org/officeDocument/2006/customXml" ds:itemID="{7EF52303-DD41-4871-8221-5749C8E3EEE6}">
+  <ds:schemaRefs>
+    <ds:schemaRef ds:uri="http://www.w3.org/XML/1998/namespace"/>
+    <ds:schemaRef ds:uri="http://schemas.openxmlformats.org/package/2006/metadata/core-properties"/>
+    <ds:schemaRef ds:uri="http://schemas.microsoft.com/office/2006/documentManagement/types"/>
+    <ds:schemaRef ds:uri="http://purl.org/dc/terms/"/>
+    <ds:schemaRef ds:uri="c7d759ad-c71d-4e7a-8896-957c2805ad24"/>
+    <ds:schemaRef ds:uri="3fce3ed0-24d1-45d0-8014-96f22eb6b0fb"/>
+    <ds:schemaRef ds:uri="cbd1dd4f-7f1a-4b60-b24c-ce56e0497876"/>
+    <ds:schemaRef ds:uri="http://schemas.microsoft.com/office/infopath/2007/PartnerControls"/>
+    <ds:schemaRef ds:uri="http://schemas.microsoft.com/office/2006/metadata/properties"/>
+    <ds:schemaRef ds:uri="http://purl.org/dc/dcmitype/"/>
+    <ds:schemaRef ds:uri="http://purl.org/dc/elements/1.1/"/>
+  </ds:schemaRefs>
+</ds:datastoreItem>
+</file>
+
 <file path=customXml/itemProps3.xml><?xml version="1.0" encoding="utf-8"?>
 <ds:datastoreItem xmlns:ds="http://schemas.openxmlformats.org/officeDocument/2006/customXml" ds:itemID="{A681D2DF-F93E-4CC1-8A50-704C6CA0430E}">
   <ds:schemaRefs>

--- a/MSP_RIntoduction_IanHsu_20171025.pptx
+++ b/MSP_RIntoduction_IanHsu_20171025.pptx
@@ -17451,11 +17451,7 @@
             </a:r>
             <a:r>
               <a:rPr lang="en-US" altLang="zh-TW" smtClean="0"/>
-              <a:t>, </a:t>
-            </a:r>
-            <a:r>
-              <a:rPr lang="en-US" altLang="zh-TW" smtClean="0"/>
-              <a:t>inner_join (cont.)</a:t>
+              <a:t>, inner_join (cont.)</a:t>
             </a:r>
             <a:endParaRPr lang="en-US" dirty="0"/>
           </a:p>
@@ -17562,11 +17558,7 @@
             </a:pPr>
             <a:r>
               <a:rPr lang="en-US" altLang="zh-TW" sz="2400" dirty="0" smtClean="0"/>
-              <a:t>Right </a:t>
-            </a:r>
-            <a:r>
-              <a:rPr lang="en-US" altLang="zh-TW" sz="2400" dirty="0" smtClean="0"/>
-              <a:t>Join</a:t>
+              <a:t>Right Join</a:t>
             </a:r>
             <a:endParaRPr lang="en-US" sz="2400" dirty="0"/>
           </a:p>
@@ -19869,11 +19861,7 @@
             </a:pPr>
             <a:r>
               <a:rPr lang="en-US" altLang="zh-TW" sz="2400" dirty="0" smtClean="0"/>
-              <a:t>Inner </a:t>
-            </a:r>
-            <a:r>
-              <a:rPr lang="en-US" altLang="zh-TW" sz="2400" dirty="0" smtClean="0"/>
-              <a:t>Join</a:t>
+              <a:t>Inner Join</a:t>
             </a:r>
             <a:endParaRPr lang="en-US" sz="2400" dirty="0"/>
           </a:p>
@@ -21935,7 +21923,7 @@
           <a:p>
             <a:pPr marL="914400" lvl="1" indent="-457200"/>
             <a:r>
-              <a:rPr lang="en-US" sz="1600" dirty="0" smtClean="0"/>
+              <a:rPr lang="en-US" sz="1600" u="sng" dirty="0"/>
               <a:t>https://www.rstudio.com/wp-content/uploads/2015/02/data-wrangling-cheatsheet.pdf</a:t>
             </a:r>
           </a:p>
@@ -35636,14 +35624,6 @@
 </file>
 
 <file path=customXml/item1.xml><?xml version="1.0" encoding="utf-8"?>
-<p:properties xmlns:p="http://schemas.microsoft.com/office/2006/metadata/properties" xmlns:xsi="http://www.w3.org/2001/XMLSchema-instance" xmlns:pc="http://schemas.microsoft.com/office/infopath/2007/PartnerControls">
-  <documentManagement>
-    <Program xmlns="3fce3ed0-24d1-45d0-8014-96f22eb6b0fb"/>
-  </documentManagement>
-</p:properties>
-</file>
-
-<file path=customXml/item2.xml><?xml version="1.0" encoding="utf-8"?>
 <ct:contentTypeSchema xmlns:ct="http://schemas.microsoft.com/office/2006/metadata/contentType" xmlns:ma="http://schemas.microsoft.com/office/2006/metadata/properties/metaAttributes" ct:_="" ma:_="" ma:contentTypeName="Document" ma:contentTypeID="0x01010041C2185FD0CA74419E79410895F7D8A9" ma:contentTypeVersion="12" ma:contentTypeDescription="Create a new document." ma:contentTypeScope="" ma:versionID="de8759042a2ec55ea0ec20e32d909ac2">
   <xsd:schema xmlns:xsd="http://www.w3.org/2001/XMLSchema" xmlns:xs="http://www.w3.org/2001/XMLSchema" xmlns:p="http://schemas.microsoft.com/office/2006/metadata/properties" xmlns:ns2="3fce3ed0-24d1-45d0-8014-96f22eb6b0fb" xmlns:ns3="c7d759ad-c71d-4e7a-8896-957c2805ad24" xmlns:ns4="cbd1dd4f-7f1a-4b60-b24c-ce56e0497876" targetNamespace="http://schemas.microsoft.com/office/2006/metadata/properties" ma:root="true" ma:fieldsID="4b61a1e8163061dc2ef92aba6740c7ae" ns2:_="" ns3:_="" ns4:_="">
     <xsd:import namespace="3fce3ed0-24d1-45d0-8014-96f22eb6b0fb"/>
@@ -35868,6 +35848,14 @@
 </ct:contentTypeSchema>
 </file>
 
+<file path=customXml/item2.xml><?xml version="1.0" encoding="utf-8"?>
+<p:properties xmlns:p="http://schemas.microsoft.com/office/2006/metadata/properties" xmlns:xsi="http://www.w3.org/2001/XMLSchema-instance" xmlns:pc="http://schemas.microsoft.com/office/infopath/2007/PartnerControls">
+  <documentManagement>
+    <Program xmlns="3fce3ed0-24d1-45d0-8014-96f22eb6b0fb"/>
+  </documentManagement>
+</p:properties>
+</file>
+
 <file path=customXml/item3.xml><?xml version="1.0" encoding="utf-8"?>
 <?mso-contentType ?>
 <FormTemplates xmlns="http://schemas.microsoft.com/sharepoint/v3/contenttype/forms">
@@ -35878,24 +35866,6 @@
 </file>
 
 <file path=customXml/itemProps1.xml><?xml version="1.0" encoding="utf-8"?>
-<ds:datastoreItem xmlns:ds="http://schemas.openxmlformats.org/officeDocument/2006/customXml" ds:itemID="{7EF52303-DD41-4871-8221-5749C8E3EEE6}">
-  <ds:schemaRefs>
-    <ds:schemaRef ds:uri="http://www.w3.org/XML/1998/namespace"/>
-    <ds:schemaRef ds:uri="http://schemas.openxmlformats.org/package/2006/metadata/core-properties"/>
-    <ds:schemaRef ds:uri="http://schemas.microsoft.com/office/2006/documentManagement/types"/>
-    <ds:schemaRef ds:uri="http://purl.org/dc/terms/"/>
-    <ds:schemaRef ds:uri="c7d759ad-c71d-4e7a-8896-957c2805ad24"/>
-    <ds:schemaRef ds:uri="3fce3ed0-24d1-45d0-8014-96f22eb6b0fb"/>
-    <ds:schemaRef ds:uri="cbd1dd4f-7f1a-4b60-b24c-ce56e0497876"/>
-    <ds:schemaRef ds:uri="http://schemas.microsoft.com/office/infopath/2007/PartnerControls"/>
-    <ds:schemaRef ds:uri="http://schemas.microsoft.com/office/2006/metadata/properties"/>
-    <ds:schemaRef ds:uri="http://purl.org/dc/dcmitype/"/>
-    <ds:schemaRef ds:uri="http://purl.org/dc/elements/1.1/"/>
-  </ds:schemaRefs>
-</ds:datastoreItem>
-</file>
-
-<file path=customXml/itemProps2.xml><?xml version="1.0" encoding="utf-8"?>
 <ds:datastoreItem xmlns:ds="http://schemas.openxmlformats.org/officeDocument/2006/customXml" ds:itemID="{6B57F43C-BADB-4723-A685-7D9114197987}">
   <ds:schemaRefs>
     <ds:schemaRef ds:uri="http://schemas.microsoft.com/office/2006/metadata/contentType"/>
@@ -35915,6 +35885,24 @@
 </ds:datastoreItem>
 </file>
 
+<file path=customXml/itemProps2.xml><?xml version="1.0" encoding="utf-8"?>
+<ds:datastoreItem xmlns:ds="http://schemas.openxmlformats.org/officeDocument/2006/customXml" ds:itemID="{7EF52303-DD41-4871-8221-5749C8E3EEE6}">
+  <ds:schemaRefs>
+    <ds:schemaRef ds:uri="http://www.w3.org/XML/1998/namespace"/>
+    <ds:schemaRef ds:uri="http://schemas.openxmlformats.org/package/2006/metadata/core-properties"/>
+    <ds:schemaRef ds:uri="http://schemas.microsoft.com/office/2006/documentManagement/types"/>
+    <ds:schemaRef ds:uri="http://purl.org/dc/terms/"/>
+    <ds:schemaRef ds:uri="c7d759ad-c71d-4e7a-8896-957c2805ad24"/>
+    <ds:schemaRef ds:uri="3fce3ed0-24d1-45d0-8014-96f22eb6b0fb"/>
+    <ds:schemaRef ds:uri="cbd1dd4f-7f1a-4b60-b24c-ce56e0497876"/>
+    <ds:schemaRef ds:uri="http://schemas.microsoft.com/office/infopath/2007/PartnerControls"/>
+    <ds:schemaRef ds:uri="http://schemas.microsoft.com/office/2006/metadata/properties"/>
+    <ds:schemaRef ds:uri="http://purl.org/dc/dcmitype/"/>
+    <ds:schemaRef ds:uri="http://purl.org/dc/elements/1.1/"/>
+  </ds:schemaRefs>
+</ds:datastoreItem>
+</file>
+
 <file path=customXml/itemProps3.xml><?xml version="1.0" encoding="utf-8"?>
 <ds:datastoreItem xmlns:ds="http://schemas.openxmlformats.org/officeDocument/2006/customXml" ds:itemID="{A681D2DF-F93E-4CC1-8A50-704C6CA0430E}">
   <ds:schemaRefs>

--- a/MSP_RIntoduction_IanHsu_20171025.pptx
+++ b/MSP_RIntoduction_IanHsu_20171025.pptx
@@ -21621,35 +21621,51 @@
             <a:pPr algn="ctr"/>
             <a:r>
               <a:rPr lang="en-US" altLang="zh-TW" sz="4800" dirty="0" smtClean="0"/>
-              <a:t>Demo - </a:t>
+              <a:t>Demo </a:t>
+            </a:r>
+            <a:r>
+              <a:rPr lang="en-US" altLang="zh-TW" sz="4800" dirty="0" smtClean="0"/>
+              <a:t>– </a:t>
             </a:r>
             <a:r>
               <a:rPr lang="en-US" altLang="zh-TW" sz="4800" dirty="0" err="1" smtClean="0"/>
-              <a:t>RStudio</a:t>
-            </a:r>
-            <a:endParaRPr lang="en-US" altLang="zh-TW" sz="4800" dirty="0" smtClean="0"/>
+              <a:t>dplyr</a:t>
+            </a:r>
+            <a:r>
+              <a:rPr lang="en-US" altLang="zh-TW" sz="4800" dirty="0" smtClean="0"/>
+              <a:t> in </a:t>
+            </a:r>
+            <a:r>
+              <a:rPr lang="en-US" altLang="zh-TW" sz="4800" dirty="0">
+                <a:solidFill>
+                  <a:srgbClr val="00B0F0"/>
+                </a:solidFill>
+                <a:latin typeface="微軟正黑體" panose="020B0604030504040204" pitchFamily="34" charset="-120"/>
+                <a:ea typeface="微軟正黑體" panose="020B0604030504040204" pitchFamily="34" charset="-120"/>
+                <a:cs typeface="+mj-cs"/>
+              </a:rPr>
+              <a:t>R</a:t>
+            </a:r>
+            <a:endParaRPr lang="en-US" altLang="zh-TW" sz="5500" dirty="0">
+              <a:solidFill>
+                <a:srgbClr val="00B0F0"/>
+              </a:solidFill>
+              <a:latin typeface="微軟正黑體" panose="020B0604030504040204" pitchFamily="34" charset="-120"/>
+              <a:ea typeface="微軟正黑體" panose="020B0604030504040204" pitchFamily="34" charset="-120"/>
+              <a:cs typeface="+mj-cs"/>
+            </a:endParaRPr>
           </a:p>
           <a:p>
             <a:pPr algn="ctr"/>
             <a:r>
               <a:rPr lang="en-US" altLang="zh-TW" sz="2400" dirty="0" smtClean="0"/>
-              <a:t>(Short Link</a:t>
-            </a:r>
-            <a:r>
-              <a:rPr lang="en-US" altLang="zh-TW" sz="2400" dirty="0"/>
-              <a:t>: </a:t>
-            </a:r>
-            <a:r>
-              <a:rPr lang="en-US" altLang="zh-TW" sz="2400" dirty="0">
-                <a:hlinkClick r:id="rId2"/>
-              </a:rPr>
-              <a:t>https://</a:t>
+              <a:t>(Short Link: </a:t>
             </a:r>
             <a:r>
               <a:rPr lang="en-US" altLang="zh-TW" sz="2400" dirty="0" smtClean="0">
                 <a:hlinkClick r:id="rId2"/>
               </a:rPr>
-              <a:t>goo.gl/CHMuas</a:t>
+              <a:t>https://aka.ms/ianmspgit</a:t>
             </a:r>
             <a:r>
               <a:rPr lang="en-US" altLang="zh-TW" sz="2400" dirty="0" smtClean="0"/>
@@ -21756,7 +21772,7 @@
               <a:rPr lang="en-US" altLang="zh-TW" sz="2400" dirty="0">
                 <a:hlinkClick r:id="rId2"/>
               </a:rPr>
-              <a:t>https://goo.gl/SfJanw</a:t>
+              <a:t>https://aka.ms/ianamlgallery</a:t>
             </a:r>
             <a:r>
               <a:rPr lang="en-US" altLang="zh-TW" sz="2400" dirty="0"/>
@@ -35624,6 +35640,14 @@
 </file>
 
 <file path=customXml/item1.xml><?xml version="1.0" encoding="utf-8"?>
+<p:properties xmlns:p="http://schemas.microsoft.com/office/2006/metadata/properties" xmlns:xsi="http://www.w3.org/2001/XMLSchema-instance" xmlns:pc="http://schemas.microsoft.com/office/infopath/2007/PartnerControls">
+  <documentManagement>
+    <Program xmlns="3fce3ed0-24d1-45d0-8014-96f22eb6b0fb"/>
+  </documentManagement>
+</p:properties>
+</file>
+
+<file path=customXml/item2.xml><?xml version="1.0" encoding="utf-8"?>
 <ct:contentTypeSchema xmlns:ct="http://schemas.microsoft.com/office/2006/metadata/contentType" xmlns:ma="http://schemas.microsoft.com/office/2006/metadata/properties/metaAttributes" ct:_="" ma:_="" ma:contentTypeName="Document" ma:contentTypeID="0x01010041C2185FD0CA74419E79410895F7D8A9" ma:contentTypeVersion="12" ma:contentTypeDescription="Create a new document." ma:contentTypeScope="" ma:versionID="de8759042a2ec55ea0ec20e32d909ac2">
   <xsd:schema xmlns:xsd="http://www.w3.org/2001/XMLSchema" xmlns:xs="http://www.w3.org/2001/XMLSchema" xmlns:p="http://schemas.microsoft.com/office/2006/metadata/properties" xmlns:ns2="3fce3ed0-24d1-45d0-8014-96f22eb6b0fb" xmlns:ns3="c7d759ad-c71d-4e7a-8896-957c2805ad24" xmlns:ns4="cbd1dd4f-7f1a-4b60-b24c-ce56e0497876" targetNamespace="http://schemas.microsoft.com/office/2006/metadata/properties" ma:root="true" ma:fieldsID="4b61a1e8163061dc2ef92aba6740c7ae" ns2:_="" ns3:_="" ns4:_="">
     <xsd:import namespace="3fce3ed0-24d1-45d0-8014-96f22eb6b0fb"/>
@@ -35848,14 +35872,6 @@
 </ct:contentTypeSchema>
 </file>
 
-<file path=customXml/item2.xml><?xml version="1.0" encoding="utf-8"?>
-<p:properties xmlns:p="http://schemas.microsoft.com/office/2006/metadata/properties" xmlns:xsi="http://www.w3.org/2001/XMLSchema-instance" xmlns:pc="http://schemas.microsoft.com/office/infopath/2007/PartnerControls">
-  <documentManagement>
-    <Program xmlns="3fce3ed0-24d1-45d0-8014-96f22eb6b0fb"/>
-  </documentManagement>
-</p:properties>
-</file>
-
 <file path=customXml/item3.xml><?xml version="1.0" encoding="utf-8"?>
 <?mso-contentType ?>
 <FormTemplates xmlns="http://schemas.microsoft.com/sharepoint/v3/contenttype/forms">
@@ -35866,6 +35882,24 @@
 </file>
 
 <file path=customXml/itemProps1.xml><?xml version="1.0" encoding="utf-8"?>
+<ds:datastoreItem xmlns:ds="http://schemas.openxmlformats.org/officeDocument/2006/customXml" ds:itemID="{7EF52303-DD41-4871-8221-5749C8E3EEE6}">
+  <ds:schemaRefs>
+    <ds:schemaRef ds:uri="http://www.w3.org/XML/1998/namespace"/>
+    <ds:schemaRef ds:uri="http://schemas.openxmlformats.org/package/2006/metadata/core-properties"/>
+    <ds:schemaRef ds:uri="http://schemas.microsoft.com/office/2006/documentManagement/types"/>
+    <ds:schemaRef ds:uri="http://purl.org/dc/terms/"/>
+    <ds:schemaRef ds:uri="c7d759ad-c71d-4e7a-8896-957c2805ad24"/>
+    <ds:schemaRef ds:uri="3fce3ed0-24d1-45d0-8014-96f22eb6b0fb"/>
+    <ds:schemaRef ds:uri="cbd1dd4f-7f1a-4b60-b24c-ce56e0497876"/>
+    <ds:schemaRef ds:uri="http://schemas.microsoft.com/office/infopath/2007/PartnerControls"/>
+    <ds:schemaRef ds:uri="http://schemas.microsoft.com/office/2006/metadata/properties"/>
+    <ds:schemaRef ds:uri="http://purl.org/dc/dcmitype/"/>
+    <ds:schemaRef ds:uri="http://purl.org/dc/elements/1.1/"/>
+  </ds:schemaRefs>
+</ds:datastoreItem>
+</file>
+
+<file path=customXml/itemProps2.xml><?xml version="1.0" encoding="utf-8"?>
 <ds:datastoreItem xmlns:ds="http://schemas.openxmlformats.org/officeDocument/2006/customXml" ds:itemID="{6B57F43C-BADB-4723-A685-7D9114197987}">
   <ds:schemaRefs>
     <ds:schemaRef ds:uri="http://schemas.microsoft.com/office/2006/metadata/contentType"/>
@@ -35885,24 +35919,6 @@
 </ds:datastoreItem>
 </file>
 
-<file path=customXml/itemProps2.xml><?xml version="1.0" encoding="utf-8"?>
-<ds:datastoreItem xmlns:ds="http://schemas.openxmlformats.org/officeDocument/2006/customXml" ds:itemID="{7EF52303-DD41-4871-8221-5749C8E3EEE6}">
-  <ds:schemaRefs>
-    <ds:schemaRef ds:uri="http://www.w3.org/XML/1998/namespace"/>
-    <ds:schemaRef ds:uri="http://schemas.openxmlformats.org/package/2006/metadata/core-properties"/>
-    <ds:schemaRef ds:uri="http://schemas.microsoft.com/office/2006/documentManagement/types"/>
-    <ds:schemaRef ds:uri="http://purl.org/dc/terms/"/>
-    <ds:schemaRef ds:uri="c7d759ad-c71d-4e7a-8896-957c2805ad24"/>
-    <ds:schemaRef ds:uri="3fce3ed0-24d1-45d0-8014-96f22eb6b0fb"/>
-    <ds:schemaRef ds:uri="cbd1dd4f-7f1a-4b60-b24c-ce56e0497876"/>
-    <ds:schemaRef ds:uri="http://schemas.microsoft.com/office/infopath/2007/PartnerControls"/>
-    <ds:schemaRef ds:uri="http://schemas.microsoft.com/office/2006/metadata/properties"/>
-    <ds:schemaRef ds:uri="http://purl.org/dc/dcmitype/"/>
-    <ds:schemaRef ds:uri="http://purl.org/dc/elements/1.1/"/>
-  </ds:schemaRefs>
-</ds:datastoreItem>
-</file>
-
 <file path=customXml/itemProps3.xml><?xml version="1.0" encoding="utf-8"?>
 <ds:datastoreItem xmlns:ds="http://schemas.openxmlformats.org/officeDocument/2006/customXml" ds:itemID="{A681D2DF-F93E-4CC1-8A50-704C6CA0430E}">
   <ds:schemaRefs>
